--- a/documents/race_profile/淘汰赛.pptx
+++ b/documents/race_profile/淘汰赛.pptx
@@ -2,12 +2,12 @@
 <file path=ppt/presentation.xml><?xml version="1.0" encoding="utf-8"?>
 <p:presentation xmlns:a="http://schemas.openxmlformats.org/drawingml/2006/main" xmlns:r="http://schemas.openxmlformats.org/officeDocument/2006/relationships" xmlns:p="http://schemas.openxmlformats.org/presentationml/2006/main" saveSubsetFonts="1">
   <p:sldMasterIdLst>
-    <p:sldMasterId id="2147483684" r:id="rId1"/>
+    <p:sldMasterId id="2147483708" r:id="rId1"/>
   </p:sldMasterIdLst>
   <p:sldIdLst>
     <p:sldId id="269" r:id="rId2"/>
   </p:sldIdLst>
-  <p:sldSz cx="25199975" cy="10799763"/>
+  <p:sldSz cx="50399950" cy="21599525"/>
   <p:notesSz cx="6858000" cy="9144000"/>
   <p:defaultTextStyle>
     <a:defPPr>
@@ -104,6 +104,11 @@
       </a:defRPr>
     </a:lvl9pPr>
   </p:defaultTextStyle>
+  <p:extLst>
+    <p:ext uri="{EFAFB233-063F-42B5-8137-9DF3F51BA10A}">
+      <p15:sldGuideLst xmlns:p15="http://schemas.microsoft.com/office/powerpoint/2012/main"/>
+    </p:ext>
+  </p:extLst>
 </p:presentation>
 </file>
 
@@ -136,15 +141,15 @@
         </p:nvSpPr>
         <p:spPr>
           <a:xfrm>
-            <a:off x="3149997" y="1767462"/>
-            <a:ext cx="18899981" cy="3759917"/>
+            <a:off x="6299994" y="3534924"/>
+            <a:ext cx="37799963" cy="7519835"/>
           </a:xfrm>
         </p:spPr>
         <p:txBody>
           <a:bodyPr anchor="b"/>
           <a:lstStyle>
             <a:lvl1pPr algn="ctr">
-              <a:defRPr sz="9449"/>
+              <a:defRPr sz="18897"/>
             </a:lvl1pPr>
           </a:lstStyle>
           <a:p>
@@ -168,8 +173,8 @@
         </p:nvSpPr>
         <p:spPr>
           <a:xfrm>
-            <a:off x="3149997" y="5672376"/>
-            <a:ext cx="18899981" cy="2607442"/>
+            <a:off x="6299994" y="11344752"/>
+            <a:ext cx="37799963" cy="5214884"/>
           </a:xfrm>
         </p:spPr>
         <p:txBody>
@@ -177,39 +182,39 @@
           <a:lstStyle>
             <a:lvl1pPr marL="0" indent="0" algn="ctr">
               <a:buNone/>
-              <a:defRPr sz="3780"/>
+              <a:defRPr sz="7559"/>
             </a:lvl1pPr>
-            <a:lvl2pPr marL="719999" indent="0" algn="ctr">
+            <a:lvl2pPr marL="1439951" indent="0" algn="ctr">
               <a:buNone/>
-              <a:defRPr sz="3150"/>
+              <a:defRPr sz="6299"/>
             </a:lvl2pPr>
-            <a:lvl3pPr marL="1439997" indent="0" algn="ctr">
+            <a:lvl3pPr marL="2879903" indent="0" algn="ctr">
               <a:buNone/>
-              <a:defRPr sz="2835"/>
+              <a:defRPr sz="5669"/>
             </a:lvl3pPr>
-            <a:lvl4pPr marL="2159996" indent="0" algn="ctr">
+            <a:lvl4pPr marL="4319854" indent="0" algn="ctr">
               <a:buNone/>
-              <a:defRPr sz="2520"/>
+              <a:defRPr sz="5039"/>
             </a:lvl4pPr>
-            <a:lvl5pPr marL="2879994" indent="0" algn="ctr">
+            <a:lvl5pPr marL="5759806" indent="0" algn="ctr">
               <a:buNone/>
-              <a:defRPr sz="2520"/>
+              <a:defRPr sz="5039"/>
             </a:lvl5pPr>
-            <a:lvl6pPr marL="3599993" indent="0" algn="ctr">
+            <a:lvl6pPr marL="7199757" indent="0" algn="ctr">
               <a:buNone/>
-              <a:defRPr sz="2520"/>
+              <a:defRPr sz="5039"/>
             </a:lvl6pPr>
-            <a:lvl7pPr marL="4319991" indent="0" algn="ctr">
+            <a:lvl7pPr marL="8639708" indent="0" algn="ctr">
               <a:buNone/>
-              <a:defRPr sz="2520"/>
+              <a:defRPr sz="5039"/>
             </a:lvl7pPr>
-            <a:lvl8pPr marL="5039990" indent="0" algn="ctr">
+            <a:lvl8pPr marL="10079660" indent="0" algn="ctr">
               <a:buNone/>
-              <a:defRPr sz="2520"/>
+              <a:defRPr sz="5039"/>
             </a:lvl8pPr>
-            <a:lvl9pPr marL="5759988" indent="0" algn="ctr">
+            <a:lvl9pPr marL="11519611" indent="0" algn="ctr">
               <a:buNone/>
-              <a:defRPr sz="2520"/>
+              <a:defRPr sz="5039"/>
             </a:lvl9pPr>
           </a:lstStyle>
           <a:p>
@@ -289,7 +294,7 @@
     </p:spTree>
     <p:extLst>
       <p:ext uri="{BB962C8B-B14F-4D97-AF65-F5344CB8AC3E}">
-        <p14:creationId xmlns:p14="http://schemas.microsoft.com/office/powerpoint/2010/main" val="2714512251"/>
+        <p14:creationId xmlns:p14="http://schemas.microsoft.com/office/powerpoint/2010/main" val="1834845799"/>
       </p:ext>
     </p:extLst>
   </p:cSld>
@@ -459,7 +464,7 @@
     </p:spTree>
     <p:extLst>
       <p:ext uri="{BB962C8B-B14F-4D97-AF65-F5344CB8AC3E}">
-        <p14:creationId xmlns:p14="http://schemas.microsoft.com/office/powerpoint/2010/main" val="329366478"/>
+        <p14:creationId xmlns:p14="http://schemas.microsoft.com/office/powerpoint/2010/main" val="896629561"/>
       </p:ext>
     </p:extLst>
   </p:cSld>
@@ -498,8 +503,8 @@
         </p:nvSpPr>
         <p:spPr>
           <a:xfrm>
-            <a:off x="18033732" y="574987"/>
-            <a:ext cx="5433745" cy="9152300"/>
+            <a:off x="36067464" y="1149975"/>
+            <a:ext cx="10867489" cy="18304599"/>
           </a:xfrm>
         </p:spPr>
         <p:txBody>
@@ -526,8 +531,8 @@
         </p:nvSpPr>
         <p:spPr>
           <a:xfrm>
-            <a:off x="1732498" y="574987"/>
-            <a:ext cx="15986234" cy="9152300"/>
+            <a:off x="3464997" y="1149975"/>
+            <a:ext cx="31972468" cy="18304599"/>
           </a:xfrm>
         </p:spPr>
         <p:txBody>
@@ -639,7 +644,7 @@
     </p:spTree>
     <p:extLst>
       <p:ext uri="{BB962C8B-B14F-4D97-AF65-F5344CB8AC3E}">
-        <p14:creationId xmlns:p14="http://schemas.microsoft.com/office/powerpoint/2010/main" val="2555324898"/>
+        <p14:creationId xmlns:p14="http://schemas.microsoft.com/office/powerpoint/2010/main" val="1112999719"/>
       </p:ext>
     </p:extLst>
   </p:cSld>
@@ -809,7 +814,7 @@
     </p:spTree>
     <p:extLst>
       <p:ext uri="{BB962C8B-B14F-4D97-AF65-F5344CB8AC3E}">
-        <p14:creationId xmlns:p14="http://schemas.microsoft.com/office/powerpoint/2010/main" val="1174938155"/>
+        <p14:creationId xmlns:p14="http://schemas.microsoft.com/office/powerpoint/2010/main" val="3513576180"/>
       </p:ext>
     </p:extLst>
   </p:cSld>
@@ -848,15 +853,15 @@
         </p:nvSpPr>
         <p:spPr>
           <a:xfrm>
-            <a:off x="1719374" y="2692442"/>
-            <a:ext cx="21734978" cy="4492401"/>
+            <a:off x="3438747" y="5384885"/>
+            <a:ext cx="43469957" cy="8984801"/>
           </a:xfrm>
         </p:spPr>
         <p:txBody>
           <a:bodyPr anchor="b"/>
           <a:lstStyle>
             <a:lvl1pPr>
-              <a:defRPr sz="9449"/>
+              <a:defRPr sz="18897"/>
             </a:lvl1pPr>
           </a:lstStyle>
           <a:p>
@@ -880,8 +885,8 @@
         </p:nvSpPr>
         <p:spPr>
           <a:xfrm>
-            <a:off x="1719374" y="7227343"/>
-            <a:ext cx="21734978" cy="2362447"/>
+            <a:off x="3438747" y="14454685"/>
+            <a:ext cx="43469957" cy="4724895"/>
           </a:xfrm>
         </p:spPr>
         <p:txBody>
@@ -889,7 +894,7 @@
           <a:lstStyle>
             <a:lvl1pPr marL="0" indent="0">
               <a:buNone/>
-              <a:defRPr sz="3780">
+              <a:defRPr sz="7559">
                 <a:solidFill>
                   <a:schemeClr val="tx1">
                     <a:tint val="75000"/>
@@ -897,9 +902,9 @@
                 </a:solidFill>
               </a:defRPr>
             </a:lvl1pPr>
-            <a:lvl2pPr marL="719999" indent="0">
+            <a:lvl2pPr marL="1439951" indent="0">
               <a:buNone/>
-              <a:defRPr sz="3150">
+              <a:defRPr sz="6299">
                 <a:solidFill>
                   <a:schemeClr val="tx1">
                     <a:tint val="75000"/>
@@ -907,9 +912,9 @@
                 </a:solidFill>
               </a:defRPr>
             </a:lvl2pPr>
-            <a:lvl3pPr marL="1439997" indent="0">
+            <a:lvl3pPr marL="2879903" indent="0">
               <a:buNone/>
-              <a:defRPr sz="2835">
+              <a:defRPr sz="5669">
                 <a:solidFill>
                   <a:schemeClr val="tx1">
                     <a:tint val="75000"/>
@@ -917,9 +922,9 @@
                 </a:solidFill>
               </a:defRPr>
             </a:lvl3pPr>
-            <a:lvl4pPr marL="2159996" indent="0">
+            <a:lvl4pPr marL="4319854" indent="0">
               <a:buNone/>
-              <a:defRPr sz="2520">
+              <a:defRPr sz="5039">
                 <a:solidFill>
                   <a:schemeClr val="tx1">
                     <a:tint val="75000"/>
@@ -927,9 +932,9 @@
                 </a:solidFill>
               </a:defRPr>
             </a:lvl4pPr>
-            <a:lvl5pPr marL="2879994" indent="0">
+            <a:lvl5pPr marL="5759806" indent="0">
               <a:buNone/>
-              <a:defRPr sz="2520">
+              <a:defRPr sz="5039">
                 <a:solidFill>
                   <a:schemeClr val="tx1">
                     <a:tint val="75000"/>
@@ -937,9 +942,9 @@
                 </a:solidFill>
               </a:defRPr>
             </a:lvl5pPr>
-            <a:lvl6pPr marL="3599993" indent="0">
+            <a:lvl6pPr marL="7199757" indent="0">
               <a:buNone/>
-              <a:defRPr sz="2520">
+              <a:defRPr sz="5039">
                 <a:solidFill>
                   <a:schemeClr val="tx1">
                     <a:tint val="75000"/>
@@ -947,9 +952,9 @@
                 </a:solidFill>
               </a:defRPr>
             </a:lvl6pPr>
-            <a:lvl7pPr marL="4319991" indent="0">
+            <a:lvl7pPr marL="8639708" indent="0">
               <a:buNone/>
-              <a:defRPr sz="2520">
+              <a:defRPr sz="5039">
                 <a:solidFill>
                   <a:schemeClr val="tx1">
                     <a:tint val="75000"/>
@@ -957,9 +962,9 @@
                 </a:solidFill>
               </a:defRPr>
             </a:lvl7pPr>
-            <a:lvl8pPr marL="5039990" indent="0">
+            <a:lvl8pPr marL="10079660" indent="0">
               <a:buNone/>
-              <a:defRPr sz="2520">
+              <a:defRPr sz="5039">
                 <a:solidFill>
                   <a:schemeClr val="tx1">
                     <a:tint val="75000"/>
@@ -967,9 +972,9 @@
                 </a:solidFill>
               </a:defRPr>
             </a:lvl8pPr>
-            <a:lvl9pPr marL="5759988" indent="0">
+            <a:lvl9pPr marL="11519611" indent="0">
               <a:buNone/>
-              <a:defRPr sz="2520">
+              <a:defRPr sz="5039">
                 <a:solidFill>
                   <a:schemeClr val="tx1">
                     <a:tint val="75000"/>
@@ -1055,7 +1060,7 @@
     </p:spTree>
     <p:extLst>
       <p:ext uri="{BB962C8B-B14F-4D97-AF65-F5344CB8AC3E}">
-        <p14:creationId xmlns:p14="http://schemas.microsoft.com/office/powerpoint/2010/main" val="1647819662"/>
+        <p14:creationId xmlns:p14="http://schemas.microsoft.com/office/powerpoint/2010/main" val="4045775503"/>
       </p:ext>
     </p:extLst>
   </p:cSld>
@@ -1117,8 +1122,8 @@
         </p:nvSpPr>
         <p:spPr>
           <a:xfrm>
-            <a:off x="1732498" y="2874937"/>
-            <a:ext cx="10709989" cy="6852350"/>
+            <a:off x="3464996" y="5749874"/>
+            <a:ext cx="21419979" cy="13704700"/>
           </a:xfrm>
         </p:spPr>
         <p:txBody>
@@ -1174,8 +1179,8 @@
         </p:nvSpPr>
         <p:spPr>
           <a:xfrm>
-            <a:off x="12757488" y="2874937"/>
-            <a:ext cx="10709989" cy="6852350"/>
+            <a:off x="25514975" y="5749874"/>
+            <a:ext cx="21419979" cy="13704700"/>
           </a:xfrm>
         </p:spPr>
         <p:txBody>
@@ -1287,7 +1292,7 @@
     </p:spTree>
     <p:extLst>
       <p:ext uri="{BB962C8B-B14F-4D97-AF65-F5344CB8AC3E}">
-        <p14:creationId xmlns:p14="http://schemas.microsoft.com/office/powerpoint/2010/main" val="393354779"/>
+        <p14:creationId xmlns:p14="http://schemas.microsoft.com/office/powerpoint/2010/main" val="3620674259"/>
       </p:ext>
     </p:extLst>
   </p:cSld>
@@ -1326,8 +1331,8 @@
         </p:nvSpPr>
         <p:spPr>
           <a:xfrm>
-            <a:off x="1735781" y="574988"/>
-            <a:ext cx="21734978" cy="2087455"/>
+            <a:off x="3471561" y="1149976"/>
+            <a:ext cx="43469957" cy="4174910"/>
           </a:xfrm>
         </p:spPr>
         <p:txBody>
@@ -1354,8 +1359,8 @@
         </p:nvSpPr>
         <p:spPr>
           <a:xfrm>
-            <a:off x="1735781" y="2647443"/>
-            <a:ext cx="10660770" cy="1297471"/>
+            <a:off x="3471563" y="5294885"/>
+            <a:ext cx="21321539" cy="2594941"/>
           </a:xfrm>
         </p:spPr>
         <p:txBody>
@@ -1363,39 +1368,39 @@
           <a:lstStyle>
             <a:lvl1pPr marL="0" indent="0">
               <a:buNone/>
-              <a:defRPr sz="3780" b="1"/>
+              <a:defRPr sz="7559" b="1"/>
             </a:lvl1pPr>
-            <a:lvl2pPr marL="719999" indent="0">
+            <a:lvl2pPr marL="1439951" indent="0">
               <a:buNone/>
-              <a:defRPr sz="3150" b="1"/>
+              <a:defRPr sz="6299" b="1"/>
             </a:lvl2pPr>
-            <a:lvl3pPr marL="1439997" indent="0">
+            <a:lvl3pPr marL="2879903" indent="0">
               <a:buNone/>
-              <a:defRPr sz="2835" b="1"/>
+              <a:defRPr sz="5669" b="1"/>
             </a:lvl3pPr>
-            <a:lvl4pPr marL="2159996" indent="0">
+            <a:lvl4pPr marL="4319854" indent="0">
               <a:buNone/>
-              <a:defRPr sz="2520" b="1"/>
+              <a:defRPr sz="5039" b="1"/>
             </a:lvl4pPr>
-            <a:lvl5pPr marL="2879994" indent="0">
+            <a:lvl5pPr marL="5759806" indent="0">
               <a:buNone/>
-              <a:defRPr sz="2520" b="1"/>
+              <a:defRPr sz="5039" b="1"/>
             </a:lvl5pPr>
-            <a:lvl6pPr marL="3599993" indent="0">
+            <a:lvl6pPr marL="7199757" indent="0">
               <a:buNone/>
-              <a:defRPr sz="2520" b="1"/>
+              <a:defRPr sz="5039" b="1"/>
             </a:lvl6pPr>
-            <a:lvl7pPr marL="4319991" indent="0">
+            <a:lvl7pPr marL="8639708" indent="0">
               <a:buNone/>
-              <a:defRPr sz="2520" b="1"/>
+              <a:defRPr sz="5039" b="1"/>
             </a:lvl7pPr>
-            <a:lvl8pPr marL="5039990" indent="0">
+            <a:lvl8pPr marL="10079660" indent="0">
               <a:buNone/>
-              <a:defRPr sz="2520" b="1"/>
+              <a:defRPr sz="5039" b="1"/>
             </a:lvl8pPr>
-            <a:lvl9pPr marL="5759988" indent="0">
+            <a:lvl9pPr marL="11519611" indent="0">
               <a:buNone/>
-              <a:defRPr sz="2520" b="1"/>
+              <a:defRPr sz="5039" b="1"/>
             </a:lvl9pPr>
           </a:lstStyle>
           <a:p>
@@ -1419,8 +1424,8 @@
         </p:nvSpPr>
         <p:spPr>
           <a:xfrm>
-            <a:off x="1735781" y="3944914"/>
-            <a:ext cx="10660770" cy="5802373"/>
+            <a:off x="3471563" y="7889827"/>
+            <a:ext cx="21321539" cy="11604746"/>
           </a:xfrm>
         </p:spPr>
         <p:txBody>
@@ -1476,8 +1481,8 @@
         </p:nvSpPr>
         <p:spPr>
           <a:xfrm>
-            <a:off x="12757487" y="2647443"/>
-            <a:ext cx="10713272" cy="1297471"/>
+            <a:off x="25514975" y="5294885"/>
+            <a:ext cx="21426543" cy="2594941"/>
           </a:xfrm>
         </p:spPr>
         <p:txBody>
@@ -1485,39 +1490,39 @@
           <a:lstStyle>
             <a:lvl1pPr marL="0" indent="0">
               <a:buNone/>
-              <a:defRPr sz="3780" b="1"/>
+              <a:defRPr sz="7559" b="1"/>
             </a:lvl1pPr>
-            <a:lvl2pPr marL="719999" indent="0">
+            <a:lvl2pPr marL="1439951" indent="0">
               <a:buNone/>
-              <a:defRPr sz="3150" b="1"/>
+              <a:defRPr sz="6299" b="1"/>
             </a:lvl2pPr>
-            <a:lvl3pPr marL="1439997" indent="0">
+            <a:lvl3pPr marL="2879903" indent="0">
               <a:buNone/>
-              <a:defRPr sz="2835" b="1"/>
+              <a:defRPr sz="5669" b="1"/>
             </a:lvl3pPr>
-            <a:lvl4pPr marL="2159996" indent="0">
+            <a:lvl4pPr marL="4319854" indent="0">
               <a:buNone/>
-              <a:defRPr sz="2520" b="1"/>
+              <a:defRPr sz="5039" b="1"/>
             </a:lvl4pPr>
-            <a:lvl5pPr marL="2879994" indent="0">
+            <a:lvl5pPr marL="5759806" indent="0">
               <a:buNone/>
-              <a:defRPr sz="2520" b="1"/>
+              <a:defRPr sz="5039" b="1"/>
             </a:lvl5pPr>
-            <a:lvl6pPr marL="3599993" indent="0">
+            <a:lvl6pPr marL="7199757" indent="0">
               <a:buNone/>
-              <a:defRPr sz="2520" b="1"/>
+              <a:defRPr sz="5039" b="1"/>
             </a:lvl6pPr>
-            <a:lvl7pPr marL="4319991" indent="0">
+            <a:lvl7pPr marL="8639708" indent="0">
               <a:buNone/>
-              <a:defRPr sz="2520" b="1"/>
+              <a:defRPr sz="5039" b="1"/>
             </a:lvl7pPr>
-            <a:lvl8pPr marL="5039990" indent="0">
+            <a:lvl8pPr marL="10079660" indent="0">
               <a:buNone/>
-              <a:defRPr sz="2520" b="1"/>
+              <a:defRPr sz="5039" b="1"/>
             </a:lvl8pPr>
-            <a:lvl9pPr marL="5759988" indent="0">
+            <a:lvl9pPr marL="11519611" indent="0">
               <a:buNone/>
-              <a:defRPr sz="2520" b="1"/>
+              <a:defRPr sz="5039" b="1"/>
             </a:lvl9pPr>
           </a:lstStyle>
           <a:p>
@@ -1541,8 +1546,8 @@
         </p:nvSpPr>
         <p:spPr>
           <a:xfrm>
-            <a:off x="12757487" y="3944914"/>
-            <a:ext cx="10713272" cy="5802373"/>
+            <a:off x="25514975" y="7889827"/>
+            <a:ext cx="21426543" cy="11604746"/>
           </a:xfrm>
         </p:spPr>
         <p:txBody>
@@ -1654,7 +1659,7 @@
     </p:spTree>
     <p:extLst>
       <p:ext uri="{BB962C8B-B14F-4D97-AF65-F5344CB8AC3E}">
-        <p14:creationId xmlns:p14="http://schemas.microsoft.com/office/powerpoint/2010/main" val="3398189893"/>
+        <p14:creationId xmlns:p14="http://schemas.microsoft.com/office/powerpoint/2010/main" val="2442465960"/>
       </p:ext>
     </p:extLst>
   </p:cSld>
@@ -1772,7 +1777,7 @@
     </p:spTree>
     <p:extLst>
       <p:ext uri="{BB962C8B-B14F-4D97-AF65-F5344CB8AC3E}">
-        <p14:creationId xmlns:p14="http://schemas.microsoft.com/office/powerpoint/2010/main" val="4270387601"/>
+        <p14:creationId xmlns:p14="http://schemas.microsoft.com/office/powerpoint/2010/main" val="260028343"/>
       </p:ext>
     </p:extLst>
   </p:cSld>
@@ -1867,7 +1872,7 @@
     </p:spTree>
     <p:extLst>
       <p:ext uri="{BB962C8B-B14F-4D97-AF65-F5344CB8AC3E}">
-        <p14:creationId xmlns:p14="http://schemas.microsoft.com/office/powerpoint/2010/main" val="1651296170"/>
+        <p14:creationId xmlns:p14="http://schemas.microsoft.com/office/powerpoint/2010/main" val="739704793"/>
       </p:ext>
     </p:extLst>
   </p:cSld>
@@ -1906,15 +1911,15 @@
         </p:nvSpPr>
         <p:spPr>
           <a:xfrm>
-            <a:off x="1735782" y="719984"/>
-            <a:ext cx="8127647" cy="2519945"/>
+            <a:off x="3471563" y="1439968"/>
+            <a:ext cx="16255294" cy="5039889"/>
           </a:xfrm>
         </p:spPr>
         <p:txBody>
           <a:bodyPr anchor="b"/>
           <a:lstStyle>
             <a:lvl1pPr>
-              <a:defRPr sz="5039"/>
+              <a:defRPr sz="10078"/>
             </a:lvl1pPr>
           </a:lstStyle>
           <a:p>
@@ -1938,39 +1943,39 @@
         </p:nvSpPr>
         <p:spPr>
           <a:xfrm>
-            <a:off x="10713272" y="1554966"/>
-            <a:ext cx="12757487" cy="7674832"/>
+            <a:off x="21426543" y="3109933"/>
+            <a:ext cx="25514975" cy="15349662"/>
           </a:xfrm>
         </p:spPr>
         <p:txBody>
           <a:bodyPr/>
           <a:lstStyle>
             <a:lvl1pPr>
-              <a:defRPr sz="5039"/>
+              <a:defRPr sz="10078"/>
             </a:lvl1pPr>
             <a:lvl2pPr>
-              <a:defRPr sz="4409"/>
+              <a:defRPr sz="8819"/>
             </a:lvl2pPr>
             <a:lvl3pPr>
-              <a:defRPr sz="3780"/>
+              <a:defRPr sz="7559"/>
             </a:lvl3pPr>
             <a:lvl4pPr>
-              <a:defRPr sz="3150"/>
+              <a:defRPr sz="6299"/>
             </a:lvl4pPr>
             <a:lvl5pPr>
-              <a:defRPr sz="3150"/>
+              <a:defRPr sz="6299"/>
             </a:lvl5pPr>
             <a:lvl6pPr>
-              <a:defRPr sz="3150"/>
+              <a:defRPr sz="6299"/>
             </a:lvl6pPr>
             <a:lvl7pPr>
-              <a:defRPr sz="3150"/>
+              <a:defRPr sz="6299"/>
             </a:lvl7pPr>
             <a:lvl8pPr>
-              <a:defRPr sz="3150"/>
+              <a:defRPr sz="6299"/>
             </a:lvl8pPr>
             <a:lvl9pPr>
-              <a:defRPr sz="3150"/>
+              <a:defRPr sz="6299"/>
             </a:lvl9pPr>
           </a:lstStyle>
           <a:p>
@@ -2023,8 +2028,8 @@
         </p:nvSpPr>
         <p:spPr>
           <a:xfrm>
-            <a:off x="1735782" y="3239929"/>
-            <a:ext cx="8127647" cy="6002369"/>
+            <a:off x="3471563" y="6479857"/>
+            <a:ext cx="16255294" cy="12004738"/>
           </a:xfrm>
         </p:spPr>
         <p:txBody>
@@ -2032,39 +2037,39 @@
           <a:lstStyle>
             <a:lvl1pPr marL="0" indent="0">
               <a:buNone/>
-              <a:defRPr sz="2520"/>
+              <a:defRPr sz="5039"/>
             </a:lvl1pPr>
-            <a:lvl2pPr marL="719999" indent="0">
+            <a:lvl2pPr marL="1439951" indent="0">
               <a:buNone/>
-              <a:defRPr sz="2205"/>
+              <a:defRPr sz="4409"/>
             </a:lvl2pPr>
-            <a:lvl3pPr marL="1439997" indent="0">
+            <a:lvl3pPr marL="2879903" indent="0">
               <a:buNone/>
-              <a:defRPr sz="1890"/>
+              <a:defRPr sz="3779"/>
             </a:lvl3pPr>
-            <a:lvl4pPr marL="2159996" indent="0">
+            <a:lvl4pPr marL="4319854" indent="0">
               <a:buNone/>
-              <a:defRPr sz="1575"/>
+              <a:defRPr sz="3150"/>
             </a:lvl4pPr>
-            <a:lvl5pPr marL="2879994" indent="0">
+            <a:lvl5pPr marL="5759806" indent="0">
               <a:buNone/>
-              <a:defRPr sz="1575"/>
+              <a:defRPr sz="3150"/>
             </a:lvl5pPr>
-            <a:lvl6pPr marL="3599993" indent="0">
+            <a:lvl6pPr marL="7199757" indent="0">
               <a:buNone/>
-              <a:defRPr sz="1575"/>
+              <a:defRPr sz="3150"/>
             </a:lvl6pPr>
-            <a:lvl7pPr marL="4319991" indent="0">
+            <a:lvl7pPr marL="8639708" indent="0">
               <a:buNone/>
-              <a:defRPr sz="1575"/>
+              <a:defRPr sz="3150"/>
             </a:lvl7pPr>
-            <a:lvl8pPr marL="5039990" indent="0">
+            <a:lvl8pPr marL="10079660" indent="0">
               <a:buNone/>
-              <a:defRPr sz="1575"/>
+              <a:defRPr sz="3150"/>
             </a:lvl8pPr>
-            <a:lvl9pPr marL="5759988" indent="0">
+            <a:lvl9pPr marL="11519611" indent="0">
               <a:buNone/>
-              <a:defRPr sz="1575"/>
+              <a:defRPr sz="3150"/>
             </a:lvl9pPr>
           </a:lstStyle>
           <a:p>
@@ -2144,7 +2149,7 @@
     </p:spTree>
     <p:extLst>
       <p:ext uri="{BB962C8B-B14F-4D97-AF65-F5344CB8AC3E}">
-        <p14:creationId xmlns:p14="http://schemas.microsoft.com/office/powerpoint/2010/main" val="2196700252"/>
+        <p14:creationId xmlns:p14="http://schemas.microsoft.com/office/powerpoint/2010/main" val="2982298870"/>
       </p:ext>
     </p:extLst>
   </p:cSld>
@@ -2183,15 +2188,15 @@
         </p:nvSpPr>
         <p:spPr>
           <a:xfrm>
-            <a:off x="1735782" y="719984"/>
-            <a:ext cx="8127647" cy="2519945"/>
+            <a:off x="3471563" y="1439968"/>
+            <a:ext cx="16255294" cy="5039889"/>
           </a:xfrm>
         </p:spPr>
         <p:txBody>
           <a:bodyPr anchor="b"/>
           <a:lstStyle>
             <a:lvl1pPr>
-              <a:defRPr sz="5039"/>
+              <a:defRPr sz="10078"/>
             </a:lvl1pPr>
           </a:lstStyle>
           <a:p>
@@ -2215,8 +2220,8 @@
         </p:nvSpPr>
         <p:spPr>
           <a:xfrm>
-            <a:off x="10713272" y="1554966"/>
-            <a:ext cx="12757487" cy="7674832"/>
+            <a:off x="21426543" y="3109933"/>
+            <a:ext cx="25514975" cy="15349662"/>
           </a:xfrm>
         </p:spPr>
         <p:txBody>
@@ -2224,39 +2229,39 @@
           <a:lstStyle>
             <a:lvl1pPr marL="0" indent="0">
               <a:buNone/>
-              <a:defRPr sz="5039"/>
+              <a:defRPr sz="10078"/>
             </a:lvl1pPr>
-            <a:lvl2pPr marL="719999" indent="0">
+            <a:lvl2pPr marL="1439951" indent="0">
               <a:buNone/>
-              <a:defRPr sz="4409"/>
+              <a:defRPr sz="8819"/>
             </a:lvl2pPr>
-            <a:lvl3pPr marL="1439997" indent="0">
+            <a:lvl3pPr marL="2879903" indent="0">
               <a:buNone/>
-              <a:defRPr sz="3780"/>
+              <a:defRPr sz="7559"/>
             </a:lvl3pPr>
-            <a:lvl4pPr marL="2159996" indent="0">
+            <a:lvl4pPr marL="4319854" indent="0">
               <a:buNone/>
-              <a:defRPr sz="3150"/>
+              <a:defRPr sz="6299"/>
             </a:lvl4pPr>
-            <a:lvl5pPr marL="2879994" indent="0">
+            <a:lvl5pPr marL="5759806" indent="0">
               <a:buNone/>
-              <a:defRPr sz="3150"/>
+              <a:defRPr sz="6299"/>
             </a:lvl5pPr>
-            <a:lvl6pPr marL="3599993" indent="0">
+            <a:lvl6pPr marL="7199757" indent="0">
               <a:buNone/>
-              <a:defRPr sz="3150"/>
+              <a:defRPr sz="6299"/>
             </a:lvl6pPr>
-            <a:lvl7pPr marL="4319991" indent="0">
+            <a:lvl7pPr marL="8639708" indent="0">
               <a:buNone/>
-              <a:defRPr sz="3150"/>
+              <a:defRPr sz="6299"/>
             </a:lvl7pPr>
-            <a:lvl8pPr marL="5039990" indent="0">
+            <a:lvl8pPr marL="10079660" indent="0">
               <a:buNone/>
-              <a:defRPr sz="3150"/>
+              <a:defRPr sz="6299"/>
             </a:lvl8pPr>
-            <a:lvl9pPr marL="5759988" indent="0">
+            <a:lvl9pPr marL="11519611" indent="0">
               <a:buNone/>
-              <a:defRPr sz="3150"/>
+              <a:defRPr sz="6299"/>
             </a:lvl9pPr>
           </a:lstStyle>
           <a:p>
@@ -2280,8 +2285,8 @@
         </p:nvSpPr>
         <p:spPr>
           <a:xfrm>
-            <a:off x="1735782" y="3239929"/>
-            <a:ext cx="8127647" cy="6002369"/>
+            <a:off x="3471563" y="6479857"/>
+            <a:ext cx="16255294" cy="12004738"/>
           </a:xfrm>
         </p:spPr>
         <p:txBody>
@@ -2289,39 +2294,39 @@
           <a:lstStyle>
             <a:lvl1pPr marL="0" indent="0">
               <a:buNone/>
-              <a:defRPr sz="2520"/>
+              <a:defRPr sz="5039"/>
             </a:lvl1pPr>
-            <a:lvl2pPr marL="719999" indent="0">
+            <a:lvl2pPr marL="1439951" indent="0">
               <a:buNone/>
-              <a:defRPr sz="2205"/>
+              <a:defRPr sz="4409"/>
             </a:lvl2pPr>
-            <a:lvl3pPr marL="1439997" indent="0">
+            <a:lvl3pPr marL="2879903" indent="0">
               <a:buNone/>
-              <a:defRPr sz="1890"/>
+              <a:defRPr sz="3779"/>
             </a:lvl3pPr>
-            <a:lvl4pPr marL="2159996" indent="0">
+            <a:lvl4pPr marL="4319854" indent="0">
               <a:buNone/>
-              <a:defRPr sz="1575"/>
+              <a:defRPr sz="3150"/>
             </a:lvl4pPr>
-            <a:lvl5pPr marL="2879994" indent="0">
+            <a:lvl5pPr marL="5759806" indent="0">
               <a:buNone/>
-              <a:defRPr sz="1575"/>
+              <a:defRPr sz="3150"/>
             </a:lvl5pPr>
-            <a:lvl6pPr marL="3599993" indent="0">
+            <a:lvl6pPr marL="7199757" indent="0">
               <a:buNone/>
-              <a:defRPr sz="1575"/>
+              <a:defRPr sz="3150"/>
             </a:lvl6pPr>
-            <a:lvl7pPr marL="4319991" indent="0">
+            <a:lvl7pPr marL="8639708" indent="0">
               <a:buNone/>
-              <a:defRPr sz="1575"/>
+              <a:defRPr sz="3150"/>
             </a:lvl7pPr>
-            <a:lvl8pPr marL="5039990" indent="0">
+            <a:lvl8pPr marL="10079660" indent="0">
               <a:buNone/>
-              <a:defRPr sz="1575"/>
+              <a:defRPr sz="3150"/>
             </a:lvl8pPr>
-            <a:lvl9pPr marL="5759988" indent="0">
+            <a:lvl9pPr marL="11519611" indent="0">
               <a:buNone/>
-              <a:defRPr sz="1575"/>
+              <a:defRPr sz="3150"/>
             </a:lvl9pPr>
           </a:lstStyle>
           <a:p>
@@ -2401,7 +2406,7 @@
     </p:spTree>
     <p:extLst>
       <p:ext uri="{BB962C8B-B14F-4D97-AF65-F5344CB8AC3E}">
-        <p14:creationId xmlns:p14="http://schemas.microsoft.com/office/powerpoint/2010/main" val="1630896610"/>
+        <p14:creationId xmlns:p14="http://schemas.microsoft.com/office/powerpoint/2010/main" val="432727686"/>
       </p:ext>
     </p:extLst>
   </p:cSld>
@@ -2445,8 +2450,8 @@
         </p:nvSpPr>
         <p:spPr>
           <a:xfrm>
-            <a:off x="1732499" y="574988"/>
-            <a:ext cx="21734978" cy="2087455"/>
+            <a:off x="3464997" y="1149976"/>
+            <a:ext cx="43469957" cy="4174910"/>
           </a:xfrm>
           <a:prstGeom prst="rect">
             <a:avLst/>
@@ -2478,8 +2483,8 @@
         </p:nvSpPr>
         <p:spPr>
           <a:xfrm>
-            <a:off x="1732499" y="2874937"/>
-            <a:ext cx="21734978" cy="6852350"/>
+            <a:off x="3464997" y="5749874"/>
+            <a:ext cx="43469957" cy="13704700"/>
           </a:xfrm>
           <a:prstGeom prst="rect">
             <a:avLst/>
@@ -2540,8 +2545,8 @@
         </p:nvSpPr>
         <p:spPr>
           <a:xfrm>
-            <a:off x="1732498" y="10009781"/>
-            <a:ext cx="5669994" cy="574987"/>
+            <a:off x="3464996" y="20019561"/>
+            <a:ext cx="11339989" cy="1149975"/>
           </a:xfrm>
           <a:prstGeom prst="rect">
             <a:avLst/>
@@ -2551,7 +2556,7 @@
           <a:bodyPr vert="horz" lIns="91440" tIns="45720" rIns="91440" bIns="45720" rtlCol="0" anchor="ctr"/>
           <a:lstStyle>
             <a:lvl1pPr algn="l">
-              <a:defRPr sz="1890">
+              <a:defRPr sz="3779">
                 <a:solidFill>
                   <a:schemeClr val="tx1">
                     <a:tint val="75000"/>
@@ -2581,8 +2586,8 @@
         </p:nvSpPr>
         <p:spPr>
           <a:xfrm>
-            <a:off x="8347492" y="10009781"/>
-            <a:ext cx="8504992" cy="574987"/>
+            <a:off x="16694984" y="20019561"/>
+            <a:ext cx="17009983" cy="1149975"/>
           </a:xfrm>
           <a:prstGeom prst="rect">
             <a:avLst/>
@@ -2592,7 +2597,7 @@
           <a:bodyPr vert="horz" lIns="91440" tIns="45720" rIns="91440" bIns="45720" rtlCol="0" anchor="ctr"/>
           <a:lstStyle>
             <a:lvl1pPr algn="ctr">
-              <a:defRPr sz="1890">
+              <a:defRPr sz="3779">
                 <a:solidFill>
                   <a:schemeClr val="tx1">
                     <a:tint val="75000"/>
@@ -2618,8 +2623,8 @@
         </p:nvSpPr>
         <p:spPr>
           <a:xfrm>
-            <a:off x="17797483" y="10009781"/>
-            <a:ext cx="5669994" cy="574987"/>
+            <a:off x="35594965" y="20019561"/>
+            <a:ext cx="11339989" cy="1149975"/>
           </a:xfrm>
           <a:prstGeom prst="rect">
             <a:avLst/>
@@ -2629,7 +2634,7 @@
           <a:bodyPr vert="horz" lIns="91440" tIns="45720" rIns="91440" bIns="45720" rtlCol="0" anchor="ctr"/>
           <a:lstStyle>
             <a:lvl1pPr algn="r">
-              <a:defRPr sz="1890">
+              <a:defRPr sz="3779">
                 <a:solidFill>
                   <a:schemeClr val="tx1">
                     <a:tint val="75000"/>
@@ -2650,27 +2655,27 @@
     </p:spTree>
     <p:extLst>
       <p:ext uri="{BB962C8B-B14F-4D97-AF65-F5344CB8AC3E}">
-        <p14:creationId xmlns:p14="http://schemas.microsoft.com/office/powerpoint/2010/main" val="917732205"/>
+        <p14:creationId xmlns:p14="http://schemas.microsoft.com/office/powerpoint/2010/main" val="2798484612"/>
       </p:ext>
     </p:extLst>
   </p:cSld>
   <p:clrMap bg1="lt1" tx1="dk1" bg2="lt2" tx2="dk2" accent1="accent1" accent2="accent2" accent3="accent3" accent4="accent4" accent5="accent5" accent6="accent6" hlink="hlink" folHlink="folHlink"/>
   <p:sldLayoutIdLst>
-    <p:sldLayoutId id="2147483685" r:id="rId1"/>
-    <p:sldLayoutId id="2147483686" r:id="rId2"/>
-    <p:sldLayoutId id="2147483687" r:id="rId3"/>
-    <p:sldLayoutId id="2147483688" r:id="rId4"/>
-    <p:sldLayoutId id="2147483689" r:id="rId5"/>
-    <p:sldLayoutId id="2147483690" r:id="rId6"/>
-    <p:sldLayoutId id="2147483691" r:id="rId7"/>
-    <p:sldLayoutId id="2147483692" r:id="rId8"/>
-    <p:sldLayoutId id="2147483693" r:id="rId9"/>
-    <p:sldLayoutId id="2147483694" r:id="rId10"/>
-    <p:sldLayoutId id="2147483695" r:id="rId11"/>
+    <p:sldLayoutId id="2147483709" r:id="rId1"/>
+    <p:sldLayoutId id="2147483710" r:id="rId2"/>
+    <p:sldLayoutId id="2147483711" r:id="rId3"/>
+    <p:sldLayoutId id="2147483712" r:id="rId4"/>
+    <p:sldLayoutId id="2147483713" r:id="rId5"/>
+    <p:sldLayoutId id="2147483714" r:id="rId6"/>
+    <p:sldLayoutId id="2147483715" r:id="rId7"/>
+    <p:sldLayoutId id="2147483716" r:id="rId8"/>
+    <p:sldLayoutId id="2147483717" r:id="rId9"/>
+    <p:sldLayoutId id="2147483718" r:id="rId10"/>
+    <p:sldLayoutId id="2147483719" r:id="rId11"/>
   </p:sldLayoutIdLst>
   <p:txStyles>
     <p:titleStyle>
-      <a:lvl1pPr algn="l" defTabSz="1439997" rtl="0" eaLnBrk="1" latinLnBrk="0" hangingPunct="1">
+      <a:lvl1pPr algn="l" defTabSz="2879903" rtl="0" eaLnBrk="1" latinLnBrk="0" hangingPunct="1">
         <a:lnSpc>
           <a:spcPct val="90000"/>
         </a:lnSpc>
@@ -2678,7 +2683,7 @@
           <a:spcPct val="0"/>
         </a:spcBef>
         <a:buNone/>
-        <a:defRPr sz="6929" kern="1200">
+        <a:defRPr sz="13858" kern="1200">
           <a:solidFill>
             <a:schemeClr val="tx1"/>
           </a:solidFill>
@@ -2689,7 +2694,25 @@
       </a:lvl1pPr>
     </p:titleStyle>
     <p:bodyStyle>
-      <a:lvl1pPr marL="359999" indent="-359999" algn="l" defTabSz="1439997" rtl="0" eaLnBrk="1" latinLnBrk="0" hangingPunct="1">
+      <a:lvl1pPr marL="719976" indent="-719976" algn="l" defTabSz="2879903" rtl="0" eaLnBrk="1" latinLnBrk="0" hangingPunct="1">
+        <a:lnSpc>
+          <a:spcPct val="90000"/>
+        </a:lnSpc>
+        <a:spcBef>
+          <a:spcPts val="3150"/>
+        </a:spcBef>
+        <a:buFont typeface="Arial" panose="020B0604020202020204" pitchFamily="34" charset="0"/>
+        <a:buChar char="•"/>
+        <a:defRPr sz="8819" kern="1200">
+          <a:solidFill>
+            <a:schemeClr val="tx1"/>
+          </a:solidFill>
+          <a:latin typeface="+mn-lt"/>
+          <a:ea typeface="+mn-ea"/>
+          <a:cs typeface="+mn-cs"/>
+        </a:defRPr>
+      </a:lvl1pPr>
+      <a:lvl2pPr marL="2159927" indent="-719976" algn="l" defTabSz="2879903" rtl="0" eaLnBrk="1" latinLnBrk="0" hangingPunct="1">
         <a:lnSpc>
           <a:spcPct val="90000"/>
         </a:lnSpc>
@@ -2698,25 +2721,7 @@
         </a:spcBef>
         <a:buFont typeface="Arial" panose="020B0604020202020204" pitchFamily="34" charset="0"/>
         <a:buChar char="•"/>
-        <a:defRPr sz="4409" kern="1200">
-          <a:solidFill>
-            <a:schemeClr val="tx1"/>
-          </a:solidFill>
-          <a:latin typeface="+mn-lt"/>
-          <a:ea typeface="+mn-ea"/>
-          <a:cs typeface="+mn-cs"/>
-        </a:defRPr>
-      </a:lvl1pPr>
-      <a:lvl2pPr marL="1079998" indent="-359999" algn="l" defTabSz="1439997" rtl="0" eaLnBrk="1" latinLnBrk="0" hangingPunct="1">
-        <a:lnSpc>
-          <a:spcPct val="90000"/>
-        </a:lnSpc>
-        <a:spcBef>
-          <a:spcPts val="787"/>
-        </a:spcBef>
-        <a:buFont typeface="Arial" panose="020B0604020202020204" pitchFamily="34" charset="0"/>
-        <a:buChar char="•"/>
-        <a:defRPr sz="3780" kern="1200">
+        <a:defRPr sz="7559" kern="1200">
           <a:solidFill>
             <a:schemeClr val="tx1"/>
           </a:solidFill>
@@ -2725,16 +2730,16 @@
           <a:cs typeface="+mn-cs"/>
         </a:defRPr>
       </a:lvl2pPr>
-      <a:lvl3pPr marL="1799996" indent="-359999" algn="l" defTabSz="1439997" rtl="0" eaLnBrk="1" latinLnBrk="0" hangingPunct="1">
+      <a:lvl3pPr marL="3599879" indent="-719976" algn="l" defTabSz="2879903" rtl="0" eaLnBrk="1" latinLnBrk="0" hangingPunct="1">
         <a:lnSpc>
           <a:spcPct val="90000"/>
         </a:lnSpc>
         <a:spcBef>
-          <a:spcPts val="787"/>
+          <a:spcPts val="1575"/>
         </a:spcBef>
         <a:buFont typeface="Arial" panose="020B0604020202020204" pitchFamily="34" charset="0"/>
         <a:buChar char="•"/>
-        <a:defRPr sz="3150" kern="1200">
+        <a:defRPr sz="6299" kern="1200">
           <a:solidFill>
             <a:schemeClr val="tx1"/>
           </a:solidFill>
@@ -2743,16 +2748,16 @@
           <a:cs typeface="+mn-cs"/>
         </a:defRPr>
       </a:lvl3pPr>
-      <a:lvl4pPr marL="2519995" indent="-359999" algn="l" defTabSz="1439997" rtl="0" eaLnBrk="1" latinLnBrk="0" hangingPunct="1">
+      <a:lvl4pPr marL="5039830" indent="-719976" algn="l" defTabSz="2879903" rtl="0" eaLnBrk="1" latinLnBrk="0" hangingPunct="1">
         <a:lnSpc>
           <a:spcPct val="90000"/>
         </a:lnSpc>
         <a:spcBef>
-          <a:spcPts val="787"/>
+          <a:spcPts val="1575"/>
         </a:spcBef>
         <a:buFont typeface="Arial" panose="020B0604020202020204" pitchFamily="34" charset="0"/>
         <a:buChar char="•"/>
-        <a:defRPr sz="2835" kern="1200">
+        <a:defRPr sz="5669" kern="1200">
           <a:solidFill>
             <a:schemeClr val="tx1"/>
           </a:solidFill>
@@ -2761,16 +2766,16 @@
           <a:cs typeface="+mn-cs"/>
         </a:defRPr>
       </a:lvl4pPr>
-      <a:lvl5pPr marL="3239994" indent="-359999" algn="l" defTabSz="1439997" rtl="0" eaLnBrk="1" latinLnBrk="0" hangingPunct="1">
+      <a:lvl5pPr marL="6479781" indent="-719976" algn="l" defTabSz="2879903" rtl="0" eaLnBrk="1" latinLnBrk="0" hangingPunct="1">
         <a:lnSpc>
           <a:spcPct val="90000"/>
         </a:lnSpc>
         <a:spcBef>
-          <a:spcPts val="787"/>
+          <a:spcPts val="1575"/>
         </a:spcBef>
         <a:buFont typeface="Arial" panose="020B0604020202020204" pitchFamily="34" charset="0"/>
         <a:buChar char="•"/>
-        <a:defRPr sz="2835" kern="1200">
+        <a:defRPr sz="5669" kern="1200">
           <a:solidFill>
             <a:schemeClr val="tx1"/>
           </a:solidFill>
@@ -2779,16 +2784,16 @@
           <a:cs typeface="+mn-cs"/>
         </a:defRPr>
       </a:lvl5pPr>
-      <a:lvl6pPr marL="3959992" indent="-359999" algn="l" defTabSz="1439997" rtl="0" eaLnBrk="1" latinLnBrk="0" hangingPunct="1">
+      <a:lvl6pPr marL="7919733" indent="-719976" algn="l" defTabSz="2879903" rtl="0" eaLnBrk="1" latinLnBrk="0" hangingPunct="1">
         <a:lnSpc>
           <a:spcPct val="90000"/>
         </a:lnSpc>
         <a:spcBef>
-          <a:spcPts val="787"/>
+          <a:spcPts val="1575"/>
         </a:spcBef>
         <a:buFont typeface="Arial" panose="020B0604020202020204" pitchFamily="34" charset="0"/>
         <a:buChar char="•"/>
-        <a:defRPr sz="2835" kern="1200">
+        <a:defRPr sz="5669" kern="1200">
           <a:solidFill>
             <a:schemeClr val="tx1"/>
           </a:solidFill>
@@ -2797,16 +2802,16 @@
           <a:cs typeface="+mn-cs"/>
         </a:defRPr>
       </a:lvl6pPr>
-      <a:lvl7pPr marL="4679991" indent="-359999" algn="l" defTabSz="1439997" rtl="0" eaLnBrk="1" latinLnBrk="0" hangingPunct="1">
+      <a:lvl7pPr marL="9359684" indent="-719976" algn="l" defTabSz="2879903" rtl="0" eaLnBrk="1" latinLnBrk="0" hangingPunct="1">
         <a:lnSpc>
           <a:spcPct val="90000"/>
         </a:lnSpc>
         <a:spcBef>
-          <a:spcPts val="787"/>
+          <a:spcPts val="1575"/>
         </a:spcBef>
         <a:buFont typeface="Arial" panose="020B0604020202020204" pitchFamily="34" charset="0"/>
         <a:buChar char="•"/>
-        <a:defRPr sz="2835" kern="1200">
+        <a:defRPr sz="5669" kern="1200">
           <a:solidFill>
             <a:schemeClr val="tx1"/>
           </a:solidFill>
@@ -2815,16 +2820,16 @@
           <a:cs typeface="+mn-cs"/>
         </a:defRPr>
       </a:lvl7pPr>
-      <a:lvl8pPr marL="5399989" indent="-359999" algn="l" defTabSz="1439997" rtl="0" eaLnBrk="1" latinLnBrk="0" hangingPunct="1">
+      <a:lvl8pPr marL="10799636" indent="-719976" algn="l" defTabSz="2879903" rtl="0" eaLnBrk="1" latinLnBrk="0" hangingPunct="1">
         <a:lnSpc>
           <a:spcPct val="90000"/>
         </a:lnSpc>
         <a:spcBef>
-          <a:spcPts val="787"/>
+          <a:spcPts val="1575"/>
         </a:spcBef>
         <a:buFont typeface="Arial" panose="020B0604020202020204" pitchFamily="34" charset="0"/>
         <a:buChar char="•"/>
-        <a:defRPr sz="2835" kern="1200">
+        <a:defRPr sz="5669" kern="1200">
           <a:solidFill>
             <a:schemeClr val="tx1"/>
           </a:solidFill>
@@ -2833,16 +2838,16 @@
           <a:cs typeface="+mn-cs"/>
         </a:defRPr>
       </a:lvl8pPr>
-      <a:lvl9pPr marL="6119988" indent="-359999" algn="l" defTabSz="1439997" rtl="0" eaLnBrk="1" latinLnBrk="0" hangingPunct="1">
+      <a:lvl9pPr marL="12239587" indent="-719976" algn="l" defTabSz="2879903" rtl="0" eaLnBrk="1" latinLnBrk="0" hangingPunct="1">
         <a:lnSpc>
           <a:spcPct val="90000"/>
         </a:lnSpc>
         <a:spcBef>
-          <a:spcPts val="787"/>
+          <a:spcPts val="1575"/>
         </a:spcBef>
         <a:buFont typeface="Arial" panose="020B0604020202020204" pitchFamily="34" charset="0"/>
         <a:buChar char="•"/>
-        <a:defRPr sz="2835" kern="1200">
+        <a:defRPr sz="5669" kern="1200">
           <a:solidFill>
             <a:schemeClr val="tx1"/>
           </a:solidFill>
@@ -2856,8 +2861,8 @@
       <a:defPPr>
         <a:defRPr lang="en-US"/>
       </a:defPPr>
-      <a:lvl1pPr marL="0" algn="l" defTabSz="1439997" rtl="0" eaLnBrk="1" latinLnBrk="0" hangingPunct="1">
-        <a:defRPr sz="2835" kern="1200">
+      <a:lvl1pPr marL="0" algn="l" defTabSz="2879903" rtl="0" eaLnBrk="1" latinLnBrk="0" hangingPunct="1">
+        <a:defRPr sz="5669" kern="1200">
           <a:solidFill>
             <a:schemeClr val="tx1"/>
           </a:solidFill>
@@ -2866,8 +2871,8 @@
           <a:cs typeface="+mn-cs"/>
         </a:defRPr>
       </a:lvl1pPr>
-      <a:lvl2pPr marL="719999" algn="l" defTabSz="1439997" rtl="0" eaLnBrk="1" latinLnBrk="0" hangingPunct="1">
-        <a:defRPr sz="2835" kern="1200">
+      <a:lvl2pPr marL="1439951" algn="l" defTabSz="2879903" rtl="0" eaLnBrk="1" latinLnBrk="0" hangingPunct="1">
+        <a:defRPr sz="5669" kern="1200">
           <a:solidFill>
             <a:schemeClr val="tx1"/>
           </a:solidFill>
@@ -2876,8 +2881,8 @@
           <a:cs typeface="+mn-cs"/>
         </a:defRPr>
       </a:lvl2pPr>
-      <a:lvl3pPr marL="1439997" algn="l" defTabSz="1439997" rtl="0" eaLnBrk="1" latinLnBrk="0" hangingPunct="1">
-        <a:defRPr sz="2835" kern="1200">
+      <a:lvl3pPr marL="2879903" algn="l" defTabSz="2879903" rtl="0" eaLnBrk="1" latinLnBrk="0" hangingPunct="1">
+        <a:defRPr sz="5669" kern="1200">
           <a:solidFill>
             <a:schemeClr val="tx1"/>
           </a:solidFill>
@@ -2886,8 +2891,8 @@
           <a:cs typeface="+mn-cs"/>
         </a:defRPr>
       </a:lvl3pPr>
-      <a:lvl4pPr marL="2159996" algn="l" defTabSz="1439997" rtl="0" eaLnBrk="1" latinLnBrk="0" hangingPunct="1">
-        <a:defRPr sz="2835" kern="1200">
+      <a:lvl4pPr marL="4319854" algn="l" defTabSz="2879903" rtl="0" eaLnBrk="1" latinLnBrk="0" hangingPunct="1">
+        <a:defRPr sz="5669" kern="1200">
           <a:solidFill>
             <a:schemeClr val="tx1"/>
           </a:solidFill>
@@ -2896,8 +2901,8 @@
           <a:cs typeface="+mn-cs"/>
         </a:defRPr>
       </a:lvl4pPr>
-      <a:lvl5pPr marL="2879994" algn="l" defTabSz="1439997" rtl="0" eaLnBrk="1" latinLnBrk="0" hangingPunct="1">
-        <a:defRPr sz="2835" kern="1200">
+      <a:lvl5pPr marL="5759806" algn="l" defTabSz="2879903" rtl="0" eaLnBrk="1" latinLnBrk="0" hangingPunct="1">
+        <a:defRPr sz="5669" kern="1200">
           <a:solidFill>
             <a:schemeClr val="tx1"/>
           </a:solidFill>
@@ -2906,8 +2911,8 @@
           <a:cs typeface="+mn-cs"/>
         </a:defRPr>
       </a:lvl5pPr>
-      <a:lvl6pPr marL="3599993" algn="l" defTabSz="1439997" rtl="0" eaLnBrk="1" latinLnBrk="0" hangingPunct="1">
-        <a:defRPr sz="2835" kern="1200">
+      <a:lvl6pPr marL="7199757" algn="l" defTabSz="2879903" rtl="0" eaLnBrk="1" latinLnBrk="0" hangingPunct="1">
+        <a:defRPr sz="5669" kern="1200">
           <a:solidFill>
             <a:schemeClr val="tx1"/>
           </a:solidFill>
@@ -2916,8 +2921,8 @@
           <a:cs typeface="+mn-cs"/>
         </a:defRPr>
       </a:lvl6pPr>
-      <a:lvl7pPr marL="4319991" algn="l" defTabSz="1439997" rtl="0" eaLnBrk="1" latinLnBrk="0" hangingPunct="1">
-        <a:defRPr sz="2835" kern="1200">
+      <a:lvl7pPr marL="8639708" algn="l" defTabSz="2879903" rtl="0" eaLnBrk="1" latinLnBrk="0" hangingPunct="1">
+        <a:defRPr sz="5669" kern="1200">
           <a:solidFill>
             <a:schemeClr val="tx1"/>
           </a:solidFill>
@@ -2926,8 +2931,8 @@
           <a:cs typeface="+mn-cs"/>
         </a:defRPr>
       </a:lvl7pPr>
-      <a:lvl8pPr marL="5039990" algn="l" defTabSz="1439997" rtl="0" eaLnBrk="1" latinLnBrk="0" hangingPunct="1">
-        <a:defRPr sz="2835" kern="1200">
+      <a:lvl8pPr marL="10079660" algn="l" defTabSz="2879903" rtl="0" eaLnBrk="1" latinLnBrk="0" hangingPunct="1">
+        <a:defRPr sz="5669" kern="1200">
           <a:solidFill>
             <a:schemeClr val="tx1"/>
           </a:solidFill>
@@ -2936,8 +2941,8 @@
           <a:cs typeface="+mn-cs"/>
         </a:defRPr>
       </a:lvl8pPr>
-      <a:lvl9pPr marL="5759988" algn="l" defTabSz="1439997" rtl="0" eaLnBrk="1" latinLnBrk="0" hangingPunct="1">
-        <a:defRPr sz="2835" kern="1200">
+      <a:lvl9pPr marL="11519611" algn="l" defTabSz="2879903" rtl="0" eaLnBrk="1" latinLnBrk="0" hangingPunct="1">
+        <a:defRPr sz="5669" kern="1200">
           <a:solidFill>
             <a:schemeClr val="tx1"/>
           </a:solidFill>
@@ -2997,15 +3002,15 @@
         </p:nvSpPr>
         <p:spPr>
           <a:xfrm>
-            <a:off x="8363167" y="1324652"/>
-            <a:ext cx="15525571" cy="3803939"/>
+            <a:off x="16726340" y="2649309"/>
+            <a:ext cx="31051142" cy="7607878"/>
           </a:xfrm>
           <a:prstGeom prst="rect">
             <a:avLst/>
           </a:prstGeom>
         </p:spPr>
         <p:txBody>
-          <a:bodyPr vert="horz" lIns="91440" tIns="45720" rIns="91440" bIns="45720" rtlCol="0" anchor="ctr">
+          <a:bodyPr vert="horz" lIns="182880" tIns="91440" rIns="182880" bIns="91440" rtlCol="0" anchor="ctr">
             <a:noAutofit/>
           </a:bodyPr>
           <a:lstStyle>
@@ -3030,7 +3035,7 @@
           <a:p>
             <a:pPr algn="r"/>
             <a:r>
-              <a:rPr lang="en-US" altLang="zh-CN" sz="11811" b="1" dirty="0">
+              <a:rPr lang="en-US" altLang="zh-CN" sz="23622" b="1" dirty="0">
                 <a:solidFill>
                   <a:srgbClr val="E28EA6">
                     <a:alpha val="20000"/>
@@ -3040,7 +3045,7 @@
               <a:t>D</a:t>
             </a:r>
             <a:r>
-              <a:rPr lang="zh-CN" altLang="en-US" sz="11811" b="1" dirty="0">
+              <a:rPr lang="zh-CN" altLang="en-US" sz="23622" b="1" dirty="0">
                 <a:solidFill>
                   <a:srgbClr val="E28EA6">
                     <a:alpha val="20000"/>
@@ -3050,7 +3055,7 @@
               <a:t>酱微博</a:t>
             </a:r>
             <a:r>
-              <a:rPr lang="en-US" altLang="zh-CN" sz="11811" b="1" dirty="0">
+              <a:rPr lang="en-US" altLang="zh-CN" sz="23622" b="1" dirty="0">
                 <a:solidFill>
                   <a:srgbClr val="E28EA6">
                     <a:alpha val="20000"/>
@@ -3060,7 +3065,7 @@
               <a:t>ID</a:t>
             </a:r>
             <a:r>
-              <a:rPr lang="zh-CN" altLang="en-US" sz="11811" b="1" dirty="0">
+              <a:rPr lang="zh-CN" altLang="en-US" sz="23622" b="1" dirty="0">
                 <a:solidFill>
                   <a:srgbClr val="E28EA6">
                     <a:alpha val="20000"/>
@@ -3069,7 +3074,7 @@
               </a:rPr>
               <a:t>总选举</a:t>
             </a:r>
-            <a:endParaRPr lang="en-US" altLang="zh-CN" sz="11811" b="1" dirty="0">
+            <a:endParaRPr lang="en-US" altLang="zh-CN" sz="23622" b="1" dirty="0">
               <a:solidFill>
                 <a:srgbClr val="E28EA6">
                   <a:alpha val="20000"/>
@@ -3080,7 +3085,7 @@
           <a:p>
             <a:pPr algn="r"/>
             <a:r>
-              <a:rPr lang="en-US" altLang="zh-CN" sz="11811" b="1" dirty="0">
+              <a:rPr lang="en-US" altLang="zh-CN" sz="23622" b="1" dirty="0">
                 <a:solidFill>
                   <a:srgbClr val="E28EA6">
                     <a:alpha val="20000"/>
@@ -3089,7 +3094,7 @@
               </a:rPr>
               <a:t>2021</a:t>
             </a:r>
-            <a:endParaRPr lang="zh-CN" altLang="en-US" sz="11811" b="1" dirty="0">
+            <a:endParaRPr lang="zh-CN" altLang="en-US" sz="23622" b="1" dirty="0">
               <a:solidFill>
                 <a:srgbClr val="E28EA6">
                   <a:alpha val="20000"/>
@@ -3117,8 +3122,8 @@
         </p:nvSpPr>
         <p:spPr>
           <a:xfrm>
-            <a:off x="929076" y="5542004"/>
-            <a:ext cx="15525571" cy="4285411"/>
+            <a:off x="1858156" y="11084011"/>
+            <a:ext cx="31051142" cy="8570822"/>
           </a:xfrm>
         </p:spPr>
         <p:txBody>
@@ -3128,7 +3133,7 @@
           <a:lstStyle/>
           <a:p>
             <a:r>
-              <a:rPr lang="en-US" altLang="zh-CN" sz="11811" b="1" dirty="0">
+              <a:rPr lang="en-US" altLang="zh-CN" sz="23622" b="1" dirty="0">
                 <a:solidFill>
                   <a:srgbClr val="E28EA6">
                     <a:alpha val="20000"/>
@@ -3138,7 +3143,7 @@
               <a:t>Lace Duvet</a:t>
             </a:r>
             <a:br>
-              <a:rPr lang="en-US" altLang="zh-CN" sz="11811" b="1" dirty="0">
+              <a:rPr lang="en-US" altLang="zh-CN" sz="23622" b="1" dirty="0">
                 <a:solidFill>
                   <a:srgbClr val="E28EA6">
                     <a:alpha val="20000"/>
@@ -3147,7 +3152,7 @@
               </a:rPr>
             </a:br>
             <a:r>
-              <a:rPr lang="en-US" altLang="zh-CN" sz="11811" b="1" dirty="0">
+              <a:rPr lang="en-US" altLang="zh-CN" sz="23622" b="1" dirty="0">
                 <a:solidFill>
                   <a:srgbClr val="E28EA6">
                     <a:alpha val="20000"/>
@@ -3157,7 +3162,7 @@
               <a:t>Weibo ID Election</a:t>
             </a:r>
             <a:br>
-              <a:rPr lang="en-US" altLang="zh-CN" sz="11811" b="1" dirty="0">
+              <a:rPr lang="en-US" altLang="zh-CN" sz="23622" b="1" dirty="0">
                 <a:solidFill>
                   <a:srgbClr val="E28EA6">
                     <a:alpha val="20000"/>
@@ -3166,7 +3171,7 @@
               </a:rPr>
             </a:br>
             <a:r>
-              <a:rPr lang="en-US" altLang="zh-CN" sz="11811" b="1" dirty="0">
+              <a:rPr lang="en-US" altLang="zh-CN" sz="23622" b="1" dirty="0">
                 <a:solidFill>
                   <a:srgbClr val="E28EA6">
                     <a:alpha val="20000"/>
@@ -3175,7 +3180,7 @@
               </a:rPr>
               <a:t>2021</a:t>
             </a:r>
-            <a:endParaRPr lang="zh-CN" altLang="en-US" sz="11811" b="1" dirty="0">
+            <a:endParaRPr lang="zh-CN" altLang="en-US" sz="23622" b="1" dirty="0">
               <a:solidFill>
                 <a:srgbClr val="E28EA6">
                   <a:alpha val="20000"/>
@@ -3203,8 +3208,8 @@
         </p:nvSpPr>
         <p:spPr>
           <a:xfrm>
-            <a:off x="1075861" y="694845"/>
-            <a:ext cx="15525571" cy="1267123"/>
+            <a:off x="2151726" y="1389693"/>
+            <a:ext cx="31051142" cy="2534246"/>
           </a:xfrm>
         </p:spPr>
         <p:txBody>
@@ -3217,7 +3222,7 @@
               <a:buNone/>
             </a:pPr>
             <a:r>
-              <a:rPr lang="zh-CN" altLang="en-US" sz="4724" dirty="0">
+              <a:rPr lang="zh-CN" altLang="en-US" sz="9448" dirty="0">
                 <a:solidFill>
                   <a:schemeClr val="tx1">
                     <a:alpha val="60000"/>
@@ -3243,8 +3248,8 @@
         </p:nvSpPr>
         <p:spPr>
           <a:xfrm>
-            <a:off x="1311237" y="2840547"/>
-            <a:ext cx="1752776" cy="422493"/>
+            <a:off x="2622475" y="5681097"/>
+            <a:ext cx="3505552" cy="844986"/>
           </a:xfrm>
           <a:prstGeom prst="rect">
             <a:avLst/>
@@ -3280,9 +3285,9 @@
           <a:bodyPr rtlCol="0" anchor="ctr"/>
           <a:lstStyle/>
           <a:p>
-            <a:pPr algn="ctr" defTabSz="1350020"/>
-            <a:r>
-              <a:rPr lang="zh-CN" altLang="en-US" dirty="0">
+            <a:pPr algn="ctr" defTabSz="2700040"/>
+            <a:r>
+              <a:rPr lang="zh-CN" altLang="en-US" sz="3600" dirty="0">
                 <a:solidFill>
                   <a:srgbClr val="FF7575"/>
                 </a:solidFill>
@@ -3292,7 +3297,7 @@
               <a:t>蕾丝傻狍子</a:t>
             </a:r>
             <a:r>
-              <a:rPr lang="en-US" altLang="zh-CN" dirty="0">
+              <a:rPr lang="en-US" altLang="zh-CN" sz="3600" dirty="0">
                 <a:solidFill>
                   <a:srgbClr val="FF7575"/>
                 </a:solidFill>
@@ -3302,7 +3307,7 @@
               <a:t>d</a:t>
             </a:r>
             <a:r>
-              <a:rPr lang="zh-CN" altLang="en-US" dirty="0">
+              <a:rPr lang="zh-CN" altLang="en-US" sz="3600" dirty="0">
                 <a:solidFill>
                   <a:srgbClr val="FF7575"/>
                 </a:solidFill>
@@ -3328,8 +3333,8 @@
         </p:nvSpPr>
         <p:spPr>
           <a:xfrm>
-            <a:off x="1311237" y="3945577"/>
-            <a:ext cx="1752776" cy="422493"/>
+            <a:off x="2622475" y="7891157"/>
+            <a:ext cx="3505552" cy="844986"/>
           </a:xfrm>
           <a:prstGeom prst="rect">
             <a:avLst/>
@@ -3365,9 +3370,9 @@
           <a:bodyPr rtlCol="0" anchor="ctr"/>
           <a:lstStyle/>
           <a:p>
-            <a:pPr algn="ctr" defTabSz="1350020"/>
-            <a:r>
-              <a:rPr lang="zh-CN" altLang="en-US" sz="1600" dirty="0">
+            <a:pPr algn="ctr" defTabSz="2700040"/>
+            <a:r>
+              <a:rPr lang="zh-CN" altLang="en-US" sz="3200" dirty="0">
                 <a:solidFill>
                   <a:srgbClr val="FF7575"/>
                 </a:solidFill>
@@ -3377,7 +3382,7 @@
               <a:t>蕾丝糯米团子</a:t>
             </a:r>
             <a:r>
-              <a:rPr lang="en-US" altLang="zh-CN" sz="1600" dirty="0">
+              <a:rPr lang="en-US" altLang="zh-CN" sz="3200" dirty="0">
                 <a:solidFill>
                   <a:srgbClr val="FF7575"/>
                 </a:solidFill>
@@ -3387,7 +3392,7 @@
               <a:t>d</a:t>
             </a:r>
             <a:r>
-              <a:rPr lang="zh-CN" altLang="en-US" sz="1600" dirty="0">
+              <a:rPr lang="zh-CN" altLang="en-US" sz="3200" dirty="0">
                 <a:solidFill>
                   <a:srgbClr val="FF7575"/>
                 </a:solidFill>
@@ -3413,8 +3418,8 @@
         </p:nvSpPr>
         <p:spPr>
           <a:xfrm>
-            <a:off x="1311237" y="8365696"/>
-            <a:ext cx="1752776" cy="422493"/>
+            <a:off x="2622475" y="16731395"/>
+            <a:ext cx="3505552" cy="844986"/>
           </a:xfrm>
           <a:prstGeom prst="rect">
             <a:avLst/>
@@ -3450,9 +3455,9 @@
           <a:bodyPr rtlCol="0" anchor="ctr"/>
           <a:lstStyle/>
           <a:p>
-            <a:pPr algn="ctr" defTabSz="1350020"/>
-            <a:r>
-              <a:rPr lang="zh-CN" altLang="en-US" dirty="0">
+            <a:pPr algn="ctr" defTabSz="2700040"/>
+            <a:r>
+              <a:rPr lang="zh-CN" altLang="en-US" sz="3600" dirty="0">
                 <a:solidFill>
                   <a:srgbClr val="FF7575"/>
                 </a:solidFill>
@@ -3462,7 +3467,7 @@
               <a:t>蕾丝包了</a:t>
             </a:r>
             <a:r>
-              <a:rPr lang="en-US" altLang="zh-CN" dirty="0">
+              <a:rPr lang="en-US" altLang="zh-CN" sz="3600" dirty="0">
                 <a:solidFill>
                   <a:srgbClr val="FF7575"/>
                 </a:solidFill>
@@ -3472,7 +3477,7 @@
               <a:t>d</a:t>
             </a:r>
             <a:r>
-              <a:rPr lang="zh-CN" altLang="en-US" dirty="0">
+              <a:rPr lang="zh-CN" altLang="en-US" sz="3600" dirty="0">
                 <a:solidFill>
                   <a:srgbClr val="FF7575"/>
                 </a:solidFill>
@@ -3498,8 +3503,8 @@
         </p:nvSpPr>
         <p:spPr>
           <a:xfrm>
-            <a:off x="1311237" y="5050607"/>
-            <a:ext cx="1752776" cy="422493"/>
+            <a:off x="2622475" y="10101217"/>
+            <a:ext cx="3505552" cy="844986"/>
           </a:xfrm>
           <a:prstGeom prst="rect">
             <a:avLst/>
@@ -3535,9 +3540,9 @@
           <a:bodyPr rtlCol="0" anchor="ctr"/>
           <a:lstStyle/>
           <a:p>
-            <a:pPr algn="ctr" defTabSz="1350020"/>
-            <a:r>
-              <a:rPr lang="zh-CN" altLang="en-US" dirty="0">
+            <a:pPr algn="ctr" defTabSz="2700040"/>
+            <a:r>
+              <a:rPr lang="zh-CN" altLang="en-US" sz="3600" dirty="0">
                 <a:solidFill>
                   <a:srgbClr val="FF7575"/>
                 </a:solidFill>
@@ -3547,7 +3552,7 @@
               <a:t>蕾丝叉烧包</a:t>
             </a:r>
             <a:r>
-              <a:rPr lang="en-US" altLang="zh-CN" dirty="0">
+              <a:rPr lang="en-US" altLang="zh-CN" sz="3600" dirty="0">
                 <a:solidFill>
                   <a:srgbClr val="FF7575"/>
                 </a:solidFill>
@@ -3557,7 +3562,7 @@
               <a:t>d</a:t>
             </a:r>
             <a:r>
-              <a:rPr lang="zh-CN" altLang="en-US" dirty="0">
+              <a:rPr lang="zh-CN" altLang="en-US" sz="3600" dirty="0">
                 <a:solidFill>
                   <a:srgbClr val="FF7575"/>
                 </a:solidFill>
@@ -3583,8 +3588,8 @@
         </p:nvSpPr>
         <p:spPr>
           <a:xfrm>
-            <a:off x="1311237" y="6155637"/>
-            <a:ext cx="1752776" cy="422493"/>
+            <a:off x="2622475" y="12311277"/>
+            <a:ext cx="3505552" cy="844986"/>
           </a:xfrm>
           <a:prstGeom prst="rect">
             <a:avLst/>
@@ -3620,9 +3625,9 @@
           <a:bodyPr rtlCol="0" anchor="ctr"/>
           <a:lstStyle/>
           <a:p>
-            <a:pPr algn="ctr" defTabSz="1350020"/>
-            <a:r>
-              <a:rPr lang="zh-CN" altLang="en-US" dirty="0">
+            <a:pPr algn="ctr" defTabSz="2700040"/>
+            <a:r>
+              <a:rPr lang="zh-CN" altLang="en-US" sz="3600" dirty="0">
                 <a:solidFill>
                   <a:srgbClr val="FF7575"/>
                 </a:solidFill>
@@ -3632,7 +3637,7 @@
               <a:t>蕾丝狍子</a:t>
             </a:r>
             <a:r>
-              <a:rPr lang="en-US" altLang="zh-CN" dirty="0">
+              <a:rPr lang="en-US" altLang="zh-CN" sz="3600" dirty="0">
                 <a:solidFill>
                   <a:srgbClr val="FF7575"/>
                 </a:solidFill>
@@ -3642,7 +3647,7 @@
               <a:t>d</a:t>
             </a:r>
             <a:r>
-              <a:rPr lang="zh-CN" altLang="en-US" dirty="0">
+              <a:rPr lang="zh-CN" altLang="en-US" sz="3600" dirty="0">
                 <a:solidFill>
                   <a:srgbClr val="FF7575"/>
                 </a:solidFill>
@@ -3668,8 +3673,8 @@
         </p:nvSpPr>
         <p:spPr>
           <a:xfrm>
-            <a:off x="1311237" y="7260666"/>
-            <a:ext cx="1752776" cy="422493"/>
+            <a:off x="2622475" y="14521335"/>
+            <a:ext cx="3505552" cy="844986"/>
           </a:xfrm>
           <a:prstGeom prst="rect">
             <a:avLst/>
@@ -3705,9 +3710,9 @@
           <a:bodyPr rtlCol="0" anchor="ctr"/>
           <a:lstStyle/>
           <a:p>
-            <a:pPr algn="ctr" defTabSz="1350020"/>
-            <a:r>
-              <a:rPr lang="zh-CN" altLang="en-US" dirty="0">
+            <a:pPr algn="ctr" defTabSz="2700040"/>
+            <a:r>
+              <a:rPr lang="zh-CN" altLang="en-US" sz="3600" dirty="0">
                 <a:solidFill>
                   <a:srgbClr val="FF7575"/>
                 </a:solidFill>
@@ -3717,7 +3722,7 @@
               <a:t>蕾丝包纸</a:t>
             </a:r>
             <a:r>
-              <a:rPr lang="en-US" altLang="zh-CN" dirty="0">
+              <a:rPr lang="en-US" altLang="zh-CN" sz="3600" dirty="0">
                 <a:solidFill>
                   <a:srgbClr val="FF7575"/>
                 </a:solidFill>
@@ -3727,7 +3732,7 @@
               <a:t>d</a:t>
             </a:r>
             <a:r>
-              <a:rPr lang="zh-CN" altLang="en-US" dirty="0">
+              <a:rPr lang="zh-CN" altLang="en-US" sz="3600" dirty="0">
                 <a:solidFill>
                   <a:srgbClr val="FF7575"/>
                 </a:solidFill>
@@ -3753,8 +3758,8 @@
         </p:nvSpPr>
         <p:spPr>
           <a:xfrm>
-            <a:off x="1311237" y="1735517"/>
-            <a:ext cx="1752776" cy="422493"/>
+            <a:off x="2622475" y="3471037"/>
+            <a:ext cx="3505552" cy="844986"/>
           </a:xfrm>
           <a:prstGeom prst="rect">
             <a:avLst/>
@@ -3790,9 +3795,9 @@
           <a:bodyPr rtlCol="0" anchor="ctr"/>
           <a:lstStyle/>
           <a:p>
-            <a:pPr algn="ctr" defTabSz="1350020"/>
-            <a:r>
-              <a:rPr lang="zh-CN" altLang="en-US" dirty="0">
+            <a:pPr algn="ctr" defTabSz="2700040"/>
+            <a:r>
+              <a:rPr lang="zh-CN" altLang="en-US" sz="3600" dirty="0">
                 <a:solidFill>
                   <a:srgbClr val="FF7575"/>
                 </a:solidFill>
@@ -3802,7 +3807,7 @@
               <a:t>蕾丝馒头</a:t>
             </a:r>
             <a:r>
-              <a:rPr lang="en-US" altLang="zh-CN" dirty="0">
+              <a:rPr lang="en-US" altLang="zh-CN" sz="3600" dirty="0">
                 <a:solidFill>
                   <a:srgbClr val="FF7575"/>
                 </a:solidFill>
@@ -3812,7 +3817,7 @@
               <a:t>d</a:t>
             </a:r>
             <a:r>
-              <a:rPr lang="zh-CN" altLang="en-US" dirty="0">
+              <a:rPr lang="zh-CN" altLang="en-US" sz="3600" dirty="0">
                 <a:solidFill>
                   <a:srgbClr val="FF7575"/>
                 </a:solidFill>
@@ -3838,8 +3843,8 @@
         </p:nvSpPr>
         <p:spPr>
           <a:xfrm>
-            <a:off x="1311237" y="9470723"/>
-            <a:ext cx="1752776" cy="422493"/>
+            <a:off x="2622475" y="18941449"/>
+            <a:ext cx="3505552" cy="844986"/>
           </a:xfrm>
           <a:prstGeom prst="rect">
             <a:avLst/>
@@ -3875,9 +3880,9 @@
           <a:bodyPr rtlCol="0" anchor="ctr"/>
           <a:lstStyle/>
           <a:p>
-            <a:pPr algn="ctr" defTabSz="1350020"/>
-            <a:r>
-              <a:rPr lang="zh-CN" altLang="en-US" sz="1400" dirty="0">
+            <a:pPr algn="ctr" defTabSz="2700040"/>
+            <a:r>
+              <a:rPr lang="zh-CN" altLang="en-US" sz="2800" dirty="0">
                 <a:solidFill>
                   <a:srgbClr val="FF7575"/>
                 </a:solidFill>
@@ -3887,7 +3892,7 @@
               <a:t>蕾丝纸包不住火</a:t>
             </a:r>
             <a:r>
-              <a:rPr lang="en-US" altLang="zh-CN" sz="1400" dirty="0">
+              <a:rPr lang="en-US" altLang="zh-CN" sz="2800" dirty="0">
                 <a:solidFill>
                   <a:srgbClr val="FF7575"/>
                 </a:solidFill>
@@ -3897,7 +3902,7 @@
               <a:t>d</a:t>
             </a:r>
             <a:r>
-              <a:rPr lang="zh-CN" altLang="en-US" sz="1400" dirty="0">
+              <a:rPr lang="zh-CN" altLang="en-US" sz="2800" dirty="0">
                 <a:solidFill>
                   <a:srgbClr val="FF7575"/>
                 </a:solidFill>
@@ -3923,8 +3928,8 @@
         </p:nvSpPr>
         <p:spPr>
           <a:xfrm>
-            <a:off x="21872007" y="2840547"/>
-            <a:ext cx="1752776" cy="422493"/>
+            <a:off x="43744015" y="5681097"/>
+            <a:ext cx="3505552" cy="844986"/>
           </a:xfrm>
           <a:prstGeom prst="rect">
             <a:avLst/>
@@ -3960,9 +3965,9 @@
           <a:bodyPr rtlCol="0" anchor="ctr"/>
           <a:lstStyle/>
           <a:p>
-            <a:pPr algn="ctr" defTabSz="1350020"/>
-            <a:r>
-              <a:rPr lang="zh-CN" altLang="en-US" sz="1400" dirty="0">
+            <a:pPr algn="ctr" defTabSz="2700040"/>
+            <a:r>
+              <a:rPr lang="zh-CN" altLang="en-US" sz="2800" dirty="0">
                 <a:solidFill>
                   <a:srgbClr val="FF7575"/>
                 </a:solidFill>
@@ -3972,7 +3977,7 @@
               <a:t>蕾丝流心奶黄包</a:t>
             </a:r>
             <a:r>
-              <a:rPr lang="en-US" altLang="zh-CN" sz="1400" dirty="0">
+              <a:rPr lang="en-US" altLang="zh-CN" sz="2800" dirty="0">
                 <a:solidFill>
                   <a:srgbClr val="FF7575"/>
                 </a:solidFill>
@@ -3982,7 +3987,7 @@
               <a:t>d</a:t>
             </a:r>
             <a:r>
-              <a:rPr lang="zh-CN" altLang="en-US" sz="1400" dirty="0">
+              <a:rPr lang="zh-CN" altLang="en-US" sz="2800" dirty="0">
                 <a:solidFill>
                   <a:srgbClr val="FF7575"/>
                 </a:solidFill>
@@ -4008,8 +4013,8 @@
         </p:nvSpPr>
         <p:spPr>
           <a:xfrm>
-            <a:off x="21872007" y="3945577"/>
-            <a:ext cx="1752776" cy="422493"/>
+            <a:off x="43744015" y="7891157"/>
+            <a:ext cx="3505552" cy="844986"/>
           </a:xfrm>
           <a:prstGeom prst="rect">
             <a:avLst/>
@@ -4045,9 +4050,9 @@
           <a:bodyPr rtlCol="0" anchor="ctr"/>
           <a:lstStyle/>
           <a:p>
-            <a:pPr algn="ctr" defTabSz="1350020"/>
-            <a:r>
-              <a:rPr lang="zh-CN" altLang="en-US" dirty="0">
+            <a:pPr algn="ctr" defTabSz="2700040"/>
+            <a:r>
+              <a:rPr lang="zh-CN" altLang="en-US" sz="3600" dirty="0">
                 <a:solidFill>
                   <a:srgbClr val="FF7575"/>
                 </a:solidFill>
@@ -4057,7 +4062,7 @@
               <a:t>蕾丝包孓</a:t>
             </a:r>
             <a:r>
-              <a:rPr lang="en-US" altLang="zh-CN" dirty="0">
+              <a:rPr lang="en-US" altLang="zh-CN" sz="3600" dirty="0">
                 <a:solidFill>
                   <a:srgbClr val="FF7575"/>
                 </a:solidFill>
@@ -4067,7 +4072,7 @@
               <a:t>d</a:t>
             </a:r>
             <a:r>
-              <a:rPr lang="zh-CN" altLang="en-US" dirty="0">
+              <a:rPr lang="zh-CN" altLang="en-US" sz="3600" dirty="0">
                 <a:solidFill>
                   <a:srgbClr val="FF7575"/>
                 </a:solidFill>
@@ -4093,8 +4098,8 @@
         </p:nvSpPr>
         <p:spPr>
           <a:xfrm>
-            <a:off x="21872007" y="8365696"/>
-            <a:ext cx="1752776" cy="422493"/>
+            <a:off x="43744015" y="16731395"/>
+            <a:ext cx="3505552" cy="844986"/>
           </a:xfrm>
           <a:prstGeom prst="rect">
             <a:avLst/>
@@ -4130,9 +4135,9 @@
           <a:bodyPr rtlCol="0" anchor="ctr"/>
           <a:lstStyle/>
           <a:p>
-            <a:pPr algn="ctr" defTabSz="1350020"/>
-            <a:r>
-              <a:rPr lang="zh-CN" altLang="en-US" dirty="0">
+            <a:pPr algn="ctr" defTabSz="2700040"/>
+            <a:r>
+              <a:rPr lang="zh-CN" altLang="en-US" sz="3600" dirty="0">
                 <a:solidFill>
                   <a:srgbClr val="FF7575"/>
                 </a:solidFill>
@@ -4142,7 +4147,7 @@
               <a:t>蕾丝肘子</a:t>
             </a:r>
             <a:r>
-              <a:rPr lang="en-US" altLang="zh-CN" dirty="0">
+              <a:rPr lang="en-US" altLang="zh-CN" sz="3600" dirty="0">
                 <a:solidFill>
                   <a:srgbClr val="FF7575"/>
                 </a:solidFill>
@@ -4152,7 +4157,7 @@
               <a:t>d</a:t>
             </a:r>
             <a:r>
-              <a:rPr lang="zh-CN" altLang="en-US" dirty="0">
+              <a:rPr lang="zh-CN" altLang="en-US" sz="3600" dirty="0">
                 <a:solidFill>
                   <a:srgbClr val="FF7575"/>
                 </a:solidFill>
@@ -4178,8 +4183,8 @@
         </p:nvSpPr>
         <p:spPr>
           <a:xfrm>
-            <a:off x="21872007" y="5050607"/>
-            <a:ext cx="1752776" cy="422493"/>
+            <a:off x="43744015" y="10101217"/>
+            <a:ext cx="3505552" cy="844986"/>
           </a:xfrm>
           <a:prstGeom prst="rect">
             <a:avLst/>
@@ -4215,9 +4220,9 @@
           <a:bodyPr rtlCol="0" anchor="ctr"/>
           <a:lstStyle/>
           <a:p>
-            <a:pPr algn="ctr" defTabSz="1350020"/>
-            <a:r>
-              <a:rPr lang="zh-CN" altLang="en-US" dirty="0">
+            <a:pPr algn="ctr" defTabSz="2700040"/>
+            <a:r>
+              <a:rPr lang="zh-CN" altLang="en-US" sz="3600" dirty="0">
                 <a:solidFill>
                   <a:srgbClr val="FF7575"/>
                 </a:solidFill>
@@ -4227,7 +4232,7 @@
               <a:t>蕾丝被子</a:t>
             </a:r>
             <a:r>
-              <a:rPr lang="en-US" altLang="zh-CN" dirty="0">
+              <a:rPr lang="en-US" altLang="zh-CN" sz="3600" dirty="0">
                 <a:solidFill>
                   <a:srgbClr val="FF7575"/>
                 </a:solidFill>
@@ -4237,7 +4242,7 @@
               <a:t>d</a:t>
             </a:r>
             <a:r>
-              <a:rPr lang="zh-CN" altLang="en-US" dirty="0">
+              <a:rPr lang="zh-CN" altLang="en-US" sz="3600" dirty="0">
                 <a:solidFill>
                   <a:srgbClr val="FF7575"/>
                 </a:solidFill>
@@ -4263,8 +4268,8 @@
         </p:nvSpPr>
         <p:spPr>
           <a:xfrm>
-            <a:off x="21872007" y="6155637"/>
-            <a:ext cx="1752776" cy="422493"/>
+            <a:off x="43744015" y="12311277"/>
+            <a:ext cx="3505552" cy="844986"/>
           </a:xfrm>
           <a:prstGeom prst="rect">
             <a:avLst/>
@@ -4300,9 +4305,9 @@
           <a:bodyPr rtlCol="0" anchor="ctr"/>
           <a:lstStyle/>
           <a:p>
-            <a:pPr algn="ctr" defTabSz="1350020"/>
-            <a:r>
-              <a:rPr lang="zh-CN" altLang="en-US" sz="1600" dirty="0">
+            <a:pPr algn="ctr" defTabSz="2700040"/>
+            <a:r>
+              <a:rPr lang="zh-CN" altLang="en-US" sz="3200" dirty="0">
                 <a:solidFill>
                   <a:srgbClr val="FF7575"/>
                 </a:solidFill>
@@ -4328,8 +4333,8 @@
         </p:nvSpPr>
         <p:spPr>
           <a:xfrm>
-            <a:off x="21872007" y="7260666"/>
-            <a:ext cx="1752776" cy="422493"/>
+            <a:off x="43744015" y="14521335"/>
+            <a:ext cx="3505552" cy="844986"/>
           </a:xfrm>
           <a:prstGeom prst="rect">
             <a:avLst/>
@@ -4365,9 +4370,9 @@
           <a:bodyPr rtlCol="0" anchor="ctr"/>
           <a:lstStyle/>
           <a:p>
-            <a:pPr algn="ctr" defTabSz="1350020"/>
-            <a:r>
-              <a:rPr lang="zh-CN" altLang="en-US" dirty="0">
+            <a:pPr algn="ctr" defTabSz="2700040"/>
+            <a:r>
+              <a:rPr lang="zh-CN" altLang="en-US" sz="3600" dirty="0">
                 <a:solidFill>
                   <a:srgbClr val="FF7575"/>
                 </a:solidFill>
@@ -4393,8 +4398,8 @@
         </p:nvSpPr>
         <p:spPr>
           <a:xfrm>
-            <a:off x="21872007" y="1735517"/>
-            <a:ext cx="1752776" cy="422493"/>
+            <a:off x="43744015" y="3471037"/>
+            <a:ext cx="3505552" cy="844986"/>
           </a:xfrm>
           <a:prstGeom prst="rect">
             <a:avLst/>
@@ -4430,9 +4435,9 @@
           <a:bodyPr rtlCol="0" anchor="ctr"/>
           <a:lstStyle/>
           <a:p>
-            <a:pPr algn="ctr" defTabSz="1350020"/>
-            <a:r>
-              <a:rPr lang="zh-CN" altLang="en-US" dirty="0">
+            <a:pPr algn="ctr" defTabSz="2700040"/>
+            <a:r>
+              <a:rPr lang="zh-CN" altLang="en-US" sz="3600" dirty="0">
                 <a:solidFill>
                   <a:srgbClr val="FF7575"/>
                 </a:solidFill>
@@ -4442,7 +4447,7 @@
               <a:t>蕾丝烧饼</a:t>
             </a:r>
             <a:r>
-              <a:rPr lang="en-US" altLang="zh-CN" dirty="0">
+              <a:rPr lang="en-US" altLang="zh-CN" sz="3600" dirty="0">
                 <a:solidFill>
                   <a:srgbClr val="FF7575"/>
                 </a:solidFill>
@@ -4452,7 +4457,7 @@
               <a:t>d</a:t>
             </a:r>
             <a:r>
-              <a:rPr lang="zh-CN" altLang="en-US" dirty="0">
+              <a:rPr lang="zh-CN" altLang="en-US" sz="3600" dirty="0">
                 <a:solidFill>
                   <a:srgbClr val="FF7575"/>
                 </a:solidFill>
@@ -4478,8 +4483,8 @@
         </p:nvSpPr>
         <p:spPr>
           <a:xfrm>
-            <a:off x="21872007" y="9470723"/>
-            <a:ext cx="1752776" cy="422493"/>
+            <a:off x="43744015" y="18941449"/>
+            <a:ext cx="3505552" cy="844986"/>
           </a:xfrm>
           <a:prstGeom prst="rect">
             <a:avLst/>
@@ -4515,9 +4520,9 @@
           <a:bodyPr rtlCol="0" anchor="ctr"/>
           <a:lstStyle/>
           <a:p>
-            <a:pPr algn="ctr" defTabSz="1350020"/>
-            <a:r>
-              <a:rPr lang="zh-CN" altLang="en-US" dirty="0">
+            <a:pPr algn="ctr" defTabSz="2700040"/>
+            <a:r>
+              <a:rPr lang="zh-CN" altLang="en-US" sz="3600" dirty="0">
                 <a:solidFill>
                   <a:srgbClr val="FF7575"/>
                 </a:solidFill>
@@ -4527,7 +4532,7 @@
               <a:t>蕾丝卤煮</a:t>
             </a:r>
             <a:r>
-              <a:rPr lang="en-US" altLang="zh-CN" dirty="0">
+              <a:rPr lang="en-US" altLang="zh-CN" sz="3600" dirty="0">
                 <a:solidFill>
                   <a:srgbClr val="FF7575"/>
                 </a:solidFill>
@@ -4537,7 +4542,7 @@
               <a:t>d</a:t>
             </a:r>
             <a:r>
-              <a:rPr lang="zh-CN" altLang="en-US" dirty="0">
+              <a:rPr lang="zh-CN" altLang="en-US" sz="3600" dirty="0">
                 <a:solidFill>
                   <a:srgbClr val="FF7575"/>
                 </a:solidFill>
@@ -4563,8 +4568,8 @@
         </p:nvSpPr>
         <p:spPr>
           <a:xfrm>
-            <a:off x="19437219" y="2288214"/>
-            <a:ext cx="1752776" cy="422493"/>
+            <a:off x="38874439" y="4576431"/>
+            <a:ext cx="3505552" cy="844986"/>
           </a:xfrm>
           <a:prstGeom prst="rect">
             <a:avLst/>
@@ -4600,8 +4605,8 @@
           <a:bodyPr rtlCol="0" anchor="ctr"/>
           <a:lstStyle/>
           <a:p>
-            <a:pPr algn="ctr" defTabSz="1350020"/>
-            <a:endParaRPr lang="zh-CN" altLang="en-US">
+            <a:pPr algn="ctr" defTabSz="2700040"/>
+            <a:endParaRPr lang="zh-CN" altLang="en-US" sz="3600">
               <a:solidFill>
                 <a:srgbClr val="FF7575"/>
               </a:solidFill>
@@ -4625,8 +4630,8 @@
         </p:nvSpPr>
         <p:spPr>
           <a:xfrm>
-            <a:off x="3745516" y="2288214"/>
-            <a:ext cx="1752776" cy="422493"/>
+            <a:off x="7491033" y="4576431"/>
+            <a:ext cx="3505552" cy="844986"/>
           </a:xfrm>
           <a:prstGeom prst="rect">
             <a:avLst/>
@@ -4662,8 +4667,8 @@
           <a:bodyPr rtlCol="0" anchor="ctr"/>
           <a:lstStyle/>
           <a:p>
-            <a:pPr algn="ctr" defTabSz="1350020"/>
-            <a:endParaRPr lang="zh-CN" altLang="en-US">
+            <a:pPr algn="ctr" defTabSz="2700040"/>
+            <a:endParaRPr lang="zh-CN" altLang="en-US" sz="3600">
               <a:solidFill>
                 <a:srgbClr val="FF7575"/>
               </a:solidFill>
@@ -4687,8 +4692,8 @@
         </p:nvSpPr>
         <p:spPr>
           <a:xfrm>
-            <a:off x="3745516" y="4497941"/>
-            <a:ext cx="1752776" cy="422493"/>
+            <a:off x="7491033" y="8995885"/>
+            <a:ext cx="3505552" cy="844986"/>
           </a:xfrm>
           <a:prstGeom prst="rect">
             <a:avLst/>
@@ -4724,8 +4729,8 @@
           <a:bodyPr rtlCol="0" anchor="ctr"/>
           <a:lstStyle/>
           <a:p>
-            <a:pPr algn="ctr" defTabSz="1350020"/>
-            <a:endParaRPr lang="zh-CN" altLang="en-US">
+            <a:pPr algn="ctr" defTabSz="2700040"/>
+            <a:endParaRPr lang="zh-CN" altLang="en-US" sz="3600">
               <a:solidFill>
                 <a:srgbClr val="FF7575"/>
               </a:solidFill>
@@ -4749,8 +4754,8 @@
         </p:nvSpPr>
         <p:spPr>
           <a:xfrm>
-            <a:off x="3746025" y="8917395"/>
-            <a:ext cx="1752776" cy="422493"/>
+            <a:off x="7492051" y="17834793"/>
+            <a:ext cx="3505552" cy="844986"/>
           </a:xfrm>
           <a:prstGeom prst="rect">
             <a:avLst/>
@@ -4786,8 +4791,8 @@
           <a:bodyPr rtlCol="0" anchor="ctr"/>
           <a:lstStyle/>
           <a:p>
-            <a:pPr algn="ctr" defTabSz="1350020"/>
-            <a:endParaRPr lang="zh-CN" altLang="en-US">
+            <a:pPr algn="ctr" defTabSz="2700040"/>
+            <a:endParaRPr lang="zh-CN" altLang="en-US" sz="3600">
               <a:solidFill>
                 <a:srgbClr val="FF7575"/>
               </a:solidFill>
@@ -4811,8 +4816,8 @@
         </p:nvSpPr>
         <p:spPr>
           <a:xfrm>
-            <a:off x="3745516" y="6707669"/>
-            <a:ext cx="1752776" cy="422493"/>
+            <a:off x="7491033" y="13415341"/>
+            <a:ext cx="3505552" cy="844986"/>
           </a:xfrm>
           <a:prstGeom prst="rect">
             <a:avLst/>
@@ -4848,8 +4853,8 @@
           <a:bodyPr rtlCol="0" anchor="ctr"/>
           <a:lstStyle/>
           <a:p>
-            <a:pPr algn="ctr" defTabSz="1350020"/>
-            <a:endParaRPr lang="zh-CN" altLang="en-US">
+            <a:pPr algn="ctr" defTabSz="2700040"/>
+            <a:endParaRPr lang="zh-CN" altLang="en-US" sz="3600">
               <a:solidFill>
                 <a:srgbClr val="FF7575"/>
               </a:solidFill>
@@ -4873,8 +4878,8 @@
         </p:nvSpPr>
         <p:spPr>
           <a:xfrm>
-            <a:off x="19437219" y="4497941"/>
-            <a:ext cx="1752776" cy="422493"/>
+            <a:off x="38874439" y="8995885"/>
+            <a:ext cx="3505552" cy="844986"/>
           </a:xfrm>
           <a:prstGeom prst="rect">
             <a:avLst/>
@@ -4910,8 +4915,8 @@
           <a:bodyPr rtlCol="0" anchor="ctr"/>
           <a:lstStyle/>
           <a:p>
-            <a:pPr algn="ctr" defTabSz="1350020"/>
-            <a:endParaRPr lang="zh-CN" altLang="en-US">
+            <a:pPr algn="ctr" defTabSz="2700040"/>
+            <a:endParaRPr lang="zh-CN" altLang="en-US" sz="3600">
               <a:solidFill>
                 <a:srgbClr val="FF7575"/>
               </a:solidFill>
@@ -4935,8 +4940,8 @@
         </p:nvSpPr>
         <p:spPr>
           <a:xfrm>
-            <a:off x="19437219" y="6707669"/>
-            <a:ext cx="1752776" cy="422493"/>
+            <a:off x="38874439" y="13415341"/>
+            <a:ext cx="3505552" cy="844986"/>
           </a:xfrm>
           <a:prstGeom prst="rect">
             <a:avLst/>
@@ -4972,8 +4977,8 @@
           <a:bodyPr rtlCol="0" anchor="ctr"/>
           <a:lstStyle/>
           <a:p>
-            <a:pPr algn="ctr" defTabSz="1350020"/>
-            <a:endParaRPr lang="zh-CN" altLang="en-US">
+            <a:pPr algn="ctr" defTabSz="2700040"/>
+            <a:endParaRPr lang="zh-CN" altLang="en-US" sz="3600">
               <a:solidFill>
                 <a:srgbClr val="FF7575"/>
               </a:solidFill>
@@ -4997,8 +5002,8 @@
         </p:nvSpPr>
         <p:spPr>
           <a:xfrm>
-            <a:off x="19437219" y="8917395"/>
-            <a:ext cx="1752776" cy="422493"/>
+            <a:off x="38874439" y="17834793"/>
+            <a:ext cx="3505552" cy="844986"/>
           </a:xfrm>
           <a:prstGeom prst="rect">
             <a:avLst/>
@@ -5034,8 +5039,8 @@
           <a:bodyPr rtlCol="0" anchor="ctr"/>
           <a:lstStyle/>
           <a:p>
-            <a:pPr algn="ctr" defTabSz="1350020"/>
-            <a:endParaRPr lang="zh-CN" altLang="en-US">
+            <a:pPr algn="ctr" defTabSz="2700040"/>
+            <a:endParaRPr lang="zh-CN" altLang="en-US" sz="3600">
               <a:solidFill>
                 <a:srgbClr val="FF7575"/>
               </a:solidFill>
@@ -5059,8 +5064,8 @@
         </p:nvSpPr>
         <p:spPr>
           <a:xfrm>
-            <a:off x="6466350" y="3397121"/>
-            <a:ext cx="1752776" cy="422493"/>
+            <a:off x="12932701" y="6794247"/>
+            <a:ext cx="3505552" cy="844986"/>
           </a:xfrm>
           <a:prstGeom prst="rect">
             <a:avLst/>
@@ -5096,8 +5101,8 @@
           <a:bodyPr rtlCol="0" anchor="ctr"/>
           <a:lstStyle/>
           <a:p>
-            <a:pPr algn="ctr" defTabSz="1350020"/>
-            <a:endParaRPr lang="zh-CN" altLang="en-US">
+            <a:pPr algn="ctr" defTabSz="2700040"/>
+            <a:endParaRPr lang="zh-CN" altLang="en-US" sz="3600">
               <a:solidFill>
                 <a:srgbClr val="FF7575"/>
               </a:solidFill>
@@ -5121,8 +5126,8 @@
         </p:nvSpPr>
         <p:spPr>
           <a:xfrm>
-            <a:off x="6466350" y="7812365"/>
-            <a:ext cx="1752776" cy="422493"/>
+            <a:off x="12932701" y="15624735"/>
+            <a:ext cx="3505552" cy="844986"/>
           </a:xfrm>
           <a:prstGeom prst="rect">
             <a:avLst/>
@@ -5158,8 +5163,8 @@
           <a:bodyPr rtlCol="0" anchor="ctr"/>
           <a:lstStyle/>
           <a:p>
-            <a:pPr algn="ctr" defTabSz="1350020"/>
-            <a:endParaRPr lang="zh-CN" altLang="en-US">
+            <a:pPr algn="ctr" defTabSz="2700040"/>
+            <a:endParaRPr lang="zh-CN" altLang="en-US" sz="3600">
               <a:solidFill>
                 <a:srgbClr val="FF7575"/>
               </a:solidFill>
@@ -5183,8 +5188,8 @@
         </p:nvSpPr>
         <p:spPr>
           <a:xfrm>
-            <a:off x="16378051" y="3397121"/>
-            <a:ext cx="1752776" cy="422493"/>
+            <a:off x="32756103" y="6794247"/>
+            <a:ext cx="3505552" cy="844986"/>
           </a:xfrm>
           <a:prstGeom prst="rect">
             <a:avLst/>
@@ -5220,8 +5225,8 @@
           <a:bodyPr rtlCol="0" anchor="ctr"/>
           <a:lstStyle/>
           <a:p>
-            <a:pPr algn="ctr" defTabSz="1350020"/>
-            <a:endParaRPr lang="zh-CN" altLang="en-US">
+            <a:pPr algn="ctr" defTabSz="2700040"/>
+            <a:endParaRPr lang="zh-CN" altLang="en-US" sz="3600">
               <a:solidFill>
                 <a:srgbClr val="FF7575"/>
               </a:solidFill>
@@ -5245,8 +5250,8 @@
         </p:nvSpPr>
         <p:spPr>
           <a:xfrm>
-            <a:off x="16378051" y="7812365"/>
-            <a:ext cx="1752776" cy="422493"/>
+            <a:off x="32756103" y="15624735"/>
+            <a:ext cx="3505552" cy="844986"/>
           </a:xfrm>
           <a:prstGeom prst="rect">
             <a:avLst/>
@@ -5282,8 +5287,8 @@
           <a:bodyPr rtlCol="0" anchor="ctr"/>
           <a:lstStyle/>
           <a:p>
-            <a:pPr algn="ctr" defTabSz="1350020"/>
-            <a:endParaRPr lang="zh-CN" altLang="en-US">
+            <a:pPr algn="ctr" defTabSz="2700040"/>
+            <a:endParaRPr lang="zh-CN" altLang="en-US" sz="3600">
               <a:solidFill>
                 <a:srgbClr val="FF7575"/>
               </a:solidFill>
@@ -5307,8 +5312,8 @@
         </p:nvSpPr>
         <p:spPr>
           <a:xfrm>
-            <a:off x="14010288" y="5670413"/>
-            <a:ext cx="1752776" cy="422493"/>
+            <a:off x="28020577" y="11340831"/>
+            <a:ext cx="3505552" cy="844986"/>
           </a:xfrm>
           <a:prstGeom prst="rect">
             <a:avLst/>
@@ -5344,8 +5349,8 @@
           <a:bodyPr rtlCol="0" anchor="ctr"/>
           <a:lstStyle/>
           <a:p>
-            <a:pPr algn="ctr" defTabSz="1350020"/>
-            <a:endParaRPr lang="zh-CN" altLang="en-US">
+            <a:pPr algn="ctr" defTabSz="2700040"/>
+            <a:endParaRPr lang="zh-CN" altLang="en-US" sz="3600">
               <a:solidFill>
                 <a:srgbClr val="FF7575"/>
               </a:solidFill>
@@ -5369,8 +5374,8 @@
         </p:nvSpPr>
         <p:spPr>
           <a:xfrm>
-            <a:off x="8897496" y="5678967"/>
-            <a:ext cx="1752776" cy="422493"/>
+            <a:off x="17794993" y="11357939"/>
+            <a:ext cx="3505552" cy="844986"/>
           </a:xfrm>
           <a:prstGeom prst="rect">
             <a:avLst/>
@@ -5406,8 +5411,8 @@
           <a:bodyPr rtlCol="0" anchor="ctr"/>
           <a:lstStyle/>
           <a:p>
-            <a:pPr algn="ctr" defTabSz="1350020"/>
-            <a:endParaRPr lang="zh-CN" altLang="en-US">
+            <a:pPr algn="ctr" defTabSz="2700040"/>
+            <a:endParaRPr lang="zh-CN" altLang="en-US" sz="3600">
               <a:solidFill>
                 <a:srgbClr val="FF7575"/>
               </a:solidFill>
@@ -5431,8 +5436,8 @@
         </p:nvSpPr>
         <p:spPr>
           <a:xfrm>
-            <a:off x="11555050" y="5670414"/>
-            <a:ext cx="1752776" cy="422493"/>
+            <a:off x="23110101" y="11340833"/>
+            <a:ext cx="3505552" cy="844986"/>
           </a:xfrm>
           <a:prstGeom prst="rect">
             <a:avLst/>
@@ -5468,8 +5473,8 @@
           <a:bodyPr rtlCol="0" anchor="ctr"/>
           <a:lstStyle/>
           <a:p>
-            <a:pPr algn="ctr" defTabSz="1350020"/>
-            <a:endParaRPr lang="zh-CN" altLang="en-US">
+            <a:pPr algn="ctr" defTabSz="2700040"/>
+            <a:endParaRPr lang="zh-CN" altLang="en-US" sz="3600">
               <a:solidFill>
                 <a:srgbClr val="FF7575"/>
               </a:solidFill>
@@ -5496,8 +5501,8 @@
         </p:nvCxnSpPr>
         <p:spPr>
           <a:xfrm>
-            <a:off x="3064014" y="1946764"/>
-            <a:ext cx="681503" cy="552697"/>
+            <a:off x="6128032" y="3893531"/>
+            <a:ext cx="1363006" cy="1105394"/>
           </a:xfrm>
           <a:prstGeom prst="bentConnector3">
             <a:avLst/>
@@ -5543,8 +5548,8 @@
         </p:nvCxnSpPr>
         <p:spPr>
           <a:xfrm flipV="1">
-            <a:off x="3064014" y="2499460"/>
-            <a:ext cx="681503" cy="552333"/>
+            <a:off x="6128032" y="4998923"/>
+            <a:ext cx="1363006" cy="1104666"/>
           </a:xfrm>
           <a:prstGeom prst="bentConnector3">
             <a:avLst/>
@@ -5590,8 +5595,8 @@
         </p:nvCxnSpPr>
         <p:spPr>
           <a:xfrm>
-            <a:off x="3064014" y="4156826"/>
-            <a:ext cx="681503" cy="552364"/>
+            <a:off x="6128032" y="8313652"/>
+            <a:ext cx="1363006" cy="1104728"/>
           </a:xfrm>
           <a:prstGeom prst="bentConnector3">
             <a:avLst/>
@@ -5637,8 +5642,8 @@
         </p:nvCxnSpPr>
         <p:spPr>
           <a:xfrm flipV="1">
-            <a:off x="3064014" y="4709190"/>
-            <a:ext cx="681503" cy="552666"/>
+            <a:off x="6128032" y="9418380"/>
+            <a:ext cx="1363006" cy="1105332"/>
           </a:xfrm>
           <a:prstGeom prst="bentConnector3">
             <a:avLst/>
@@ -5684,8 +5689,8 @@
         </p:nvCxnSpPr>
         <p:spPr>
           <a:xfrm>
-            <a:off x="3064014" y="6366882"/>
-            <a:ext cx="681503" cy="552032"/>
+            <a:off x="6128032" y="12733764"/>
+            <a:ext cx="1363006" cy="1104064"/>
           </a:xfrm>
           <a:prstGeom prst="bentConnector3">
             <a:avLst>
@@ -5733,8 +5738,8 @@
         </p:nvCxnSpPr>
         <p:spPr>
           <a:xfrm flipV="1">
-            <a:off x="3064014" y="6918914"/>
-            <a:ext cx="681503" cy="552998"/>
+            <a:off x="6128032" y="13837828"/>
+            <a:ext cx="1363006" cy="1105996"/>
           </a:xfrm>
           <a:prstGeom prst="bentConnector3">
             <a:avLst>
@@ -5782,8 +5787,8 @@
         </p:nvCxnSpPr>
         <p:spPr>
           <a:xfrm>
-            <a:off x="3064017" y="8576942"/>
-            <a:ext cx="682013" cy="551698"/>
+            <a:off x="6128038" y="17153884"/>
+            <a:ext cx="1364026" cy="1103396"/>
           </a:xfrm>
           <a:prstGeom prst="bentConnector3">
             <a:avLst>
@@ -5831,8 +5836,8 @@
         </p:nvCxnSpPr>
         <p:spPr>
           <a:xfrm flipV="1">
-            <a:off x="3064017" y="9128640"/>
-            <a:ext cx="682013" cy="553328"/>
+            <a:off x="6128038" y="18257280"/>
+            <a:ext cx="1364026" cy="1106656"/>
           </a:xfrm>
           <a:prstGeom prst="bentConnector3">
             <a:avLst>
@@ -5880,8 +5885,8 @@
         </p:nvCxnSpPr>
         <p:spPr>
           <a:xfrm>
-            <a:off x="5498292" y="2499460"/>
-            <a:ext cx="968058" cy="1108907"/>
+            <a:off x="10996585" y="4998923"/>
+            <a:ext cx="1936116" cy="2217814"/>
           </a:xfrm>
           <a:prstGeom prst="bentConnector3">
             <a:avLst>
@@ -5929,8 +5934,8 @@
         </p:nvCxnSpPr>
         <p:spPr>
           <a:xfrm flipV="1">
-            <a:off x="5498292" y="3608371"/>
-            <a:ext cx="968058" cy="1100821"/>
+            <a:off x="10996585" y="7216745"/>
+            <a:ext cx="1936116" cy="2201642"/>
           </a:xfrm>
           <a:prstGeom prst="bentConnector3">
             <a:avLst>
@@ -5978,8 +5983,8 @@
         </p:nvCxnSpPr>
         <p:spPr>
           <a:xfrm>
-            <a:off x="5498292" y="6918914"/>
-            <a:ext cx="968058" cy="1104696"/>
+            <a:off x="10996585" y="13837828"/>
+            <a:ext cx="1936116" cy="2209392"/>
           </a:xfrm>
           <a:prstGeom prst="bentConnector3">
             <a:avLst>
@@ -6027,8 +6032,8 @@
         </p:nvCxnSpPr>
         <p:spPr>
           <a:xfrm flipV="1">
-            <a:off x="5498806" y="8023610"/>
-            <a:ext cx="967549" cy="1105030"/>
+            <a:off x="10997616" y="16047220"/>
+            <a:ext cx="1935098" cy="2210060"/>
           </a:xfrm>
           <a:prstGeom prst="bentConnector3">
             <a:avLst>
@@ -6076,8 +6081,8 @@
         </p:nvCxnSpPr>
         <p:spPr>
           <a:xfrm rot="10800000" flipV="1">
-            <a:off x="18130827" y="2499460"/>
-            <a:ext cx="1306392" cy="1108907"/>
+            <a:off x="36261655" y="4998925"/>
+            <a:ext cx="2612784" cy="2217814"/>
           </a:xfrm>
           <a:prstGeom prst="bentConnector3">
             <a:avLst>
@@ -6125,8 +6130,8 @@
         </p:nvCxnSpPr>
         <p:spPr>
           <a:xfrm rot="10800000">
-            <a:off x="18130827" y="3608372"/>
-            <a:ext cx="1306392" cy="1100821"/>
+            <a:off x="36261655" y="7216749"/>
+            <a:ext cx="2612784" cy="2201642"/>
           </a:xfrm>
           <a:prstGeom prst="bentConnector3">
             <a:avLst>
@@ -6174,8 +6179,8 @@
         </p:nvCxnSpPr>
         <p:spPr>
           <a:xfrm rot="10800000" flipV="1">
-            <a:off x="18130827" y="6918914"/>
-            <a:ext cx="1306392" cy="1104696"/>
+            <a:off x="36261655" y="13837828"/>
+            <a:ext cx="2612784" cy="2209392"/>
           </a:xfrm>
           <a:prstGeom prst="bentConnector3">
             <a:avLst>
@@ -6223,8 +6228,8 @@
         </p:nvCxnSpPr>
         <p:spPr>
           <a:xfrm rot="10800000">
-            <a:off x="18130827" y="8023610"/>
-            <a:ext cx="1306392" cy="1105030"/>
+            <a:off x="36261655" y="16047220"/>
+            <a:ext cx="2612784" cy="2210060"/>
           </a:xfrm>
           <a:prstGeom prst="bentConnector3">
             <a:avLst>
@@ -6272,8 +6277,8 @@
         </p:nvCxnSpPr>
         <p:spPr>
           <a:xfrm flipV="1">
-            <a:off x="10650272" y="5881661"/>
-            <a:ext cx="904778" cy="8553"/>
+            <a:off x="21300545" y="11763327"/>
+            <a:ext cx="1809556" cy="17106"/>
           </a:xfrm>
           <a:prstGeom prst="straightConnector1">
             <a:avLst/>
@@ -6319,8 +6324,8 @@
         </p:nvCxnSpPr>
         <p:spPr>
           <a:xfrm flipH="1">
-            <a:off x="13307826" y="5881660"/>
-            <a:ext cx="702462" cy="1"/>
+            <a:off x="26615653" y="11763325"/>
+            <a:ext cx="1404924" cy="2"/>
           </a:xfrm>
           <a:prstGeom prst="straightConnector1">
             <a:avLst/>
@@ -6366,8 +6371,8 @@
         </p:nvCxnSpPr>
         <p:spPr>
           <a:xfrm rot="10800000" flipV="1">
-            <a:off x="21190001" y="1946764"/>
-            <a:ext cx="682013" cy="552697"/>
+            <a:off x="42380006" y="3893531"/>
+            <a:ext cx="1364026" cy="1105394"/>
           </a:xfrm>
           <a:prstGeom prst="bentConnector3">
             <a:avLst>
@@ -6415,8 +6420,8 @@
         </p:nvCxnSpPr>
         <p:spPr>
           <a:xfrm rot="10800000" flipV="1">
-            <a:off x="21190001" y="4156825"/>
-            <a:ext cx="682013" cy="552364"/>
+            <a:off x="42380006" y="8313650"/>
+            <a:ext cx="1364026" cy="1104728"/>
           </a:xfrm>
           <a:prstGeom prst="bentConnector3">
             <a:avLst>
@@ -6464,8 +6469,8 @@
         </p:nvCxnSpPr>
         <p:spPr>
           <a:xfrm rot="10800000" flipV="1">
-            <a:off x="21190001" y="6366882"/>
-            <a:ext cx="682013" cy="552032"/>
+            <a:off x="42380006" y="12733764"/>
+            <a:ext cx="1364026" cy="1104064"/>
           </a:xfrm>
           <a:prstGeom prst="bentConnector3">
             <a:avLst>
@@ -6513,8 +6518,8 @@
         </p:nvCxnSpPr>
         <p:spPr>
           <a:xfrm rot="10800000" flipV="1">
-            <a:off x="21190001" y="8576942"/>
-            <a:ext cx="682013" cy="551698"/>
+            <a:off x="42380006" y="17153884"/>
+            <a:ext cx="1364026" cy="1103396"/>
           </a:xfrm>
           <a:prstGeom prst="bentConnector3">
             <a:avLst>
@@ -6562,8 +6567,8 @@
         </p:nvCxnSpPr>
         <p:spPr>
           <a:xfrm rot="10800000">
-            <a:off x="21190001" y="2499460"/>
-            <a:ext cx="682013" cy="552333"/>
+            <a:off x="42380006" y="4998923"/>
+            <a:ext cx="1364026" cy="1104666"/>
           </a:xfrm>
           <a:prstGeom prst="bentConnector3">
             <a:avLst>
@@ -6611,8 +6616,8 @@
         </p:nvCxnSpPr>
         <p:spPr>
           <a:xfrm rot="10800000">
-            <a:off x="21190001" y="4709192"/>
-            <a:ext cx="682013" cy="552666"/>
+            <a:off x="42380006" y="9418384"/>
+            <a:ext cx="1364026" cy="1105332"/>
           </a:xfrm>
           <a:prstGeom prst="bentConnector3">
             <a:avLst>
@@ -6660,8 +6665,8 @@
         </p:nvCxnSpPr>
         <p:spPr>
           <a:xfrm rot="10800000">
-            <a:off x="21190001" y="6918914"/>
-            <a:ext cx="682013" cy="552998"/>
+            <a:off x="42380006" y="13837828"/>
+            <a:ext cx="1364026" cy="1105996"/>
           </a:xfrm>
           <a:prstGeom prst="bentConnector3">
             <a:avLst>
@@ -6709,8 +6714,8 @@
         </p:nvCxnSpPr>
         <p:spPr>
           <a:xfrm rot="10800000">
-            <a:off x="21190001" y="9128640"/>
-            <a:ext cx="682013" cy="553328"/>
+            <a:off x="42380006" y="18257280"/>
+            <a:ext cx="1364026" cy="1106656"/>
           </a:xfrm>
           <a:prstGeom prst="bentConnector3">
             <a:avLst>
@@ -6754,8 +6759,8 @@
         </p:nvSpPr>
         <p:spPr>
           <a:xfrm>
-            <a:off x="1567105" y="10063346"/>
-            <a:ext cx="1241044" cy="461665"/>
+            <a:off x="3227346" y="20126695"/>
+            <a:ext cx="2295821" cy="830997"/>
           </a:xfrm>
           <a:prstGeom prst="rect">
             <a:avLst/>
@@ -6768,9 +6773,9 @@
           </a:bodyPr>
           <a:lstStyle/>
           <a:p>
-            <a:pPr algn="ctr" defTabSz="1350020"/>
-            <a:r>
-              <a:rPr lang="en-US" altLang="zh-CN" sz="2400" dirty="0">
+            <a:pPr algn="ctr" defTabSz="2700040"/>
+            <a:r>
+              <a:rPr lang="en-US" altLang="zh-CN" sz="4800" dirty="0">
                 <a:solidFill>
                   <a:prstClr val="black">
                     <a:alpha val="50000"/>
@@ -6782,7 +6787,7 @@
               <a:t>1/8</a:t>
             </a:r>
             <a:r>
-              <a:rPr lang="zh-CN" altLang="en-US" sz="2400" dirty="0">
+              <a:rPr lang="zh-CN" altLang="en-US" sz="4800" dirty="0">
                 <a:solidFill>
                   <a:prstClr val="black">
                     <a:alpha val="50000"/>
@@ -6810,8 +6815,8 @@
         </p:nvSpPr>
         <p:spPr>
           <a:xfrm>
-            <a:off x="22112001" y="10063346"/>
-            <a:ext cx="1241044" cy="461665"/>
+            <a:off x="44317138" y="20126695"/>
+            <a:ext cx="2295821" cy="830997"/>
           </a:xfrm>
           <a:prstGeom prst="rect">
             <a:avLst/>
@@ -6824,9 +6829,9 @@
           </a:bodyPr>
           <a:lstStyle/>
           <a:p>
-            <a:pPr algn="ctr" defTabSz="1350020"/>
-            <a:r>
-              <a:rPr lang="en-US" altLang="zh-CN" sz="2400" dirty="0">
+            <a:pPr algn="ctr" defTabSz="2700040"/>
+            <a:r>
+              <a:rPr lang="en-US" altLang="zh-CN" sz="4800" dirty="0">
                 <a:solidFill>
                   <a:prstClr val="black">
                     <a:alpha val="50000"/>
@@ -6838,7 +6843,7 @@
               <a:t>1/8</a:t>
             </a:r>
             <a:r>
-              <a:rPr lang="zh-CN" altLang="en-US" sz="2400" dirty="0">
+              <a:rPr lang="zh-CN" altLang="en-US" sz="4800" dirty="0">
                 <a:solidFill>
                   <a:prstClr val="black">
                     <a:alpha val="50000"/>
@@ -6866,8 +6871,8 @@
         </p:nvSpPr>
         <p:spPr>
           <a:xfrm>
-            <a:off x="4001385" y="10063346"/>
-            <a:ext cx="1241044" cy="461665"/>
+            <a:off x="8095906" y="20126695"/>
+            <a:ext cx="2295821" cy="830997"/>
           </a:xfrm>
           <a:prstGeom prst="rect">
             <a:avLst/>
@@ -6880,9 +6885,9 @@
           </a:bodyPr>
           <a:lstStyle/>
           <a:p>
-            <a:pPr algn="ctr" defTabSz="1350020"/>
-            <a:r>
-              <a:rPr lang="en-US" altLang="zh-CN" sz="2400" dirty="0">
+            <a:pPr algn="ctr" defTabSz="2700040"/>
+            <a:r>
+              <a:rPr lang="en-US" altLang="zh-CN" sz="4800" dirty="0">
                 <a:solidFill>
                   <a:prstClr val="black">
                     <a:alpha val="60000"/>
@@ -6894,7 +6899,7 @@
               <a:t>1/4</a:t>
             </a:r>
             <a:r>
-              <a:rPr lang="zh-CN" altLang="en-US" sz="2400" dirty="0">
+              <a:rPr lang="zh-CN" altLang="en-US" sz="4800" dirty="0">
                 <a:solidFill>
                   <a:prstClr val="black">
                     <a:alpha val="60000"/>
@@ -6922,8 +6927,8 @@
         </p:nvSpPr>
         <p:spPr>
           <a:xfrm>
-            <a:off x="19693087" y="10063346"/>
-            <a:ext cx="1241044" cy="461665"/>
+            <a:off x="39479310" y="20126695"/>
+            <a:ext cx="2295821" cy="830997"/>
           </a:xfrm>
           <a:prstGeom prst="rect">
             <a:avLst/>
@@ -6936,9 +6941,9 @@
           </a:bodyPr>
           <a:lstStyle/>
           <a:p>
-            <a:pPr algn="ctr" defTabSz="1350020"/>
-            <a:r>
-              <a:rPr lang="en-US" altLang="zh-CN" sz="2400" dirty="0">
+            <a:pPr algn="ctr" defTabSz="2700040"/>
+            <a:r>
+              <a:rPr lang="en-US" altLang="zh-CN" sz="4800" dirty="0">
                 <a:solidFill>
                   <a:prstClr val="black">
                     <a:alpha val="60000"/>
@@ -6950,7 +6955,7 @@
               <a:t>1/4</a:t>
             </a:r>
             <a:r>
-              <a:rPr lang="zh-CN" altLang="en-US" sz="2400" dirty="0">
+              <a:rPr lang="zh-CN" altLang="en-US" sz="4800" dirty="0">
                 <a:solidFill>
                   <a:prstClr val="black">
                     <a:alpha val="60000"/>
@@ -6978,8 +6983,8 @@
         </p:nvSpPr>
         <p:spPr>
           <a:xfrm>
-            <a:off x="6716298" y="10063346"/>
-            <a:ext cx="1107996" cy="461665"/>
+            <a:off x="13524930" y="20126695"/>
+            <a:ext cx="2031325" cy="830997"/>
           </a:xfrm>
           <a:prstGeom prst="rect">
             <a:avLst/>
@@ -6992,9 +6997,9 @@
           </a:bodyPr>
           <a:lstStyle/>
           <a:p>
-            <a:pPr algn="ctr" defTabSz="1350020"/>
-            <a:r>
-              <a:rPr lang="zh-CN" altLang="en-US" sz="2400" dirty="0">
+            <a:pPr algn="ctr" defTabSz="2700040"/>
+            <a:r>
+              <a:rPr lang="zh-CN" altLang="en-US" sz="4800" dirty="0">
                 <a:solidFill>
                   <a:prstClr val="black">
                     <a:alpha val="70000"/>
@@ -7022,8 +7027,8 @@
         </p:nvSpPr>
         <p:spPr>
           <a:xfrm>
-            <a:off x="16710071" y="10063346"/>
-            <a:ext cx="1107996" cy="461665"/>
+            <a:off x="33512482" y="20126699"/>
+            <a:ext cx="2031325" cy="830997"/>
           </a:xfrm>
           <a:prstGeom prst="rect">
             <a:avLst/>
@@ -7036,9 +7041,9 @@
           </a:bodyPr>
           <a:lstStyle/>
           <a:p>
-            <a:pPr algn="ctr" defTabSz="1350020"/>
-            <a:r>
-              <a:rPr lang="zh-CN" altLang="en-US" sz="2400" dirty="0">
+            <a:pPr algn="ctr" defTabSz="2700040"/>
+            <a:r>
+              <a:rPr lang="zh-CN" altLang="en-US" sz="4800" dirty="0">
                 <a:solidFill>
                   <a:prstClr val="black">
                     <a:alpha val="70000"/>
@@ -7066,8 +7071,8 @@
         </p:nvSpPr>
         <p:spPr>
           <a:xfrm>
-            <a:off x="12031328" y="10063346"/>
-            <a:ext cx="800219" cy="461665"/>
+            <a:off x="24154995" y="20126699"/>
+            <a:ext cx="1415772" cy="830997"/>
           </a:xfrm>
           <a:prstGeom prst="rect">
             <a:avLst/>
@@ -7080,9 +7085,9 @@
           </a:bodyPr>
           <a:lstStyle/>
           <a:p>
-            <a:pPr algn="ctr" defTabSz="1350020"/>
-            <a:r>
-              <a:rPr lang="zh-CN" altLang="en-US" sz="2400" dirty="0">
+            <a:pPr algn="ctr" defTabSz="2700040"/>
+            <a:r>
+              <a:rPr lang="zh-CN" altLang="en-US" sz="4800" dirty="0">
                 <a:solidFill>
                   <a:prstClr val="black">
                     <a:alpha val="80000"/>
@@ -7114,8 +7119,8 @@
         </p:nvCxnSpPr>
         <p:spPr>
           <a:xfrm rot="10800000" flipV="1">
-            <a:off x="15763065" y="3608368"/>
-            <a:ext cx="614987" cy="2273292"/>
+            <a:off x="31526136" y="7216736"/>
+            <a:ext cx="1229974" cy="4546584"/>
           </a:xfrm>
           <a:prstGeom prst="bentConnector3">
             <a:avLst>
@@ -7163,8 +7168,8 @@
         </p:nvCxnSpPr>
         <p:spPr>
           <a:xfrm rot="10800000">
-            <a:off x="15763065" y="5881660"/>
-            <a:ext cx="614987" cy="2141952"/>
+            <a:off x="31526136" y="11763320"/>
+            <a:ext cx="1229974" cy="4283904"/>
           </a:xfrm>
           <a:prstGeom prst="bentConnector3">
             <a:avLst>
@@ -7212,8 +7217,8 @@
         </p:nvCxnSpPr>
         <p:spPr>
           <a:xfrm>
-            <a:off x="8219126" y="3608368"/>
-            <a:ext cx="678370" cy="2281846"/>
+            <a:off x="16438253" y="7216736"/>
+            <a:ext cx="1356740" cy="4563692"/>
           </a:xfrm>
           <a:prstGeom prst="bentConnector3">
             <a:avLst>
@@ -7261,8 +7266,8 @@
         </p:nvCxnSpPr>
         <p:spPr>
           <a:xfrm flipV="1">
-            <a:off x="8219126" y="5890214"/>
-            <a:ext cx="678370" cy="2133398"/>
+            <a:off x="16438253" y="11780428"/>
+            <a:ext cx="1356740" cy="4266796"/>
           </a:xfrm>
           <a:prstGeom prst="bentConnector3">
             <a:avLst>
@@ -7306,8 +7311,8 @@
         </p:nvSpPr>
         <p:spPr>
           <a:xfrm>
-            <a:off x="1688929" y="2293614"/>
-            <a:ext cx="997389" cy="369332"/>
+            <a:off x="3377862" y="4587229"/>
+            <a:ext cx="1810111" cy="646331"/>
           </a:xfrm>
           <a:prstGeom prst="rect">
             <a:avLst/>
@@ -7321,19 +7326,19 @@
           <a:lstStyle/>
           <a:p>
             <a:r>
-              <a:rPr lang="en-US" altLang="zh-CN" dirty="0"/>
+              <a:rPr lang="en-US" altLang="zh-CN" sz="3600" dirty="0"/>
               <a:t>11</a:t>
             </a:r>
             <a:r>
-              <a:rPr lang="zh-CN" altLang="en-US" dirty="0"/>
+              <a:rPr lang="zh-CN" altLang="en-US" sz="3600" dirty="0"/>
               <a:t>月</a:t>
             </a:r>
             <a:r>
-              <a:rPr lang="en-US" altLang="zh-CN" dirty="0"/>
+              <a:rPr lang="en-US" altLang="zh-CN" sz="3600" dirty="0"/>
               <a:t>8</a:t>
             </a:r>
             <a:r>
-              <a:rPr lang="zh-CN" altLang="en-US" dirty="0"/>
+              <a:rPr lang="zh-CN" altLang="en-US" sz="3600" dirty="0"/>
               <a:t>日</a:t>
             </a:r>
           </a:p>
@@ -7353,8 +7358,8 @@
         </p:nvSpPr>
         <p:spPr>
           <a:xfrm>
-            <a:off x="1688928" y="4524821"/>
-            <a:ext cx="997389" cy="369332"/>
+            <a:off x="3377860" y="9049643"/>
+            <a:ext cx="1810111" cy="646331"/>
           </a:xfrm>
           <a:prstGeom prst="rect">
             <a:avLst/>
@@ -7368,19 +7373,19 @@
           <a:lstStyle/>
           <a:p>
             <a:r>
-              <a:rPr lang="en-US" altLang="zh-CN" dirty="0"/>
+              <a:rPr lang="en-US" altLang="zh-CN" sz="3600" dirty="0"/>
               <a:t>11</a:t>
             </a:r>
             <a:r>
-              <a:rPr lang="zh-CN" altLang="en-US" dirty="0"/>
+              <a:rPr lang="zh-CN" altLang="en-US" sz="3600" dirty="0"/>
               <a:t>月</a:t>
             </a:r>
             <a:r>
-              <a:rPr lang="en-US" altLang="zh-CN" dirty="0"/>
+              <a:rPr lang="en-US" altLang="zh-CN" sz="3600" dirty="0"/>
               <a:t>8</a:t>
             </a:r>
             <a:r>
-              <a:rPr lang="zh-CN" altLang="en-US" dirty="0"/>
+              <a:rPr lang="zh-CN" altLang="en-US" sz="3600" dirty="0"/>
               <a:t>日</a:t>
             </a:r>
           </a:p>
@@ -7400,8 +7405,8 @@
         </p:nvSpPr>
         <p:spPr>
           <a:xfrm>
-            <a:off x="1686750" y="6734730"/>
-            <a:ext cx="997389" cy="369332"/>
+            <a:off x="3373504" y="13469461"/>
+            <a:ext cx="1810111" cy="646331"/>
           </a:xfrm>
           <a:prstGeom prst="rect">
             <a:avLst/>
@@ -7415,19 +7420,19 @@
           <a:lstStyle/>
           <a:p>
             <a:r>
-              <a:rPr lang="en-US" altLang="zh-CN" dirty="0"/>
+              <a:rPr lang="en-US" altLang="zh-CN" sz="3600" dirty="0"/>
               <a:t>11</a:t>
             </a:r>
             <a:r>
-              <a:rPr lang="zh-CN" altLang="en-US" dirty="0"/>
+              <a:rPr lang="zh-CN" altLang="en-US" sz="3600" dirty="0"/>
               <a:t>月</a:t>
             </a:r>
             <a:r>
-              <a:rPr lang="en-US" altLang="zh-CN" dirty="0"/>
+              <a:rPr lang="en-US" altLang="zh-CN" sz="3600" dirty="0"/>
               <a:t>9</a:t>
             </a:r>
             <a:r>
-              <a:rPr lang="zh-CN" altLang="en-US" dirty="0"/>
+              <a:rPr lang="zh-CN" altLang="en-US" sz="3600" dirty="0"/>
               <a:t>日</a:t>
             </a:r>
           </a:p>
@@ -7447,8 +7452,8 @@
         </p:nvSpPr>
         <p:spPr>
           <a:xfrm>
-            <a:off x="1686749" y="8972136"/>
-            <a:ext cx="997389" cy="369332"/>
+            <a:off x="3373502" y="17944273"/>
+            <a:ext cx="1810111" cy="646331"/>
           </a:xfrm>
           <a:prstGeom prst="rect">
             <a:avLst/>
@@ -7462,19 +7467,19 @@
           <a:lstStyle/>
           <a:p>
             <a:r>
-              <a:rPr lang="en-US" altLang="zh-CN" dirty="0"/>
+              <a:rPr lang="en-US" altLang="zh-CN" sz="3600" dirty="0"/>
               <a:t>11</a:t>
             </a:r>
             <a:r>
-              <a:rPr lang="zh-CN" altLang="en-US" dirty="0"/>
+              <a:rPr lang="zh-CN" altLang="en-US" sz="3600" dirty="0"/>
               <a:t>月</a:t>
             </a:r>
             <a:r>
-              <a:rPr lang="en-US" altLang="zh-CN" dirty="0"/>
+              <a:rPr lang="en-US" altLang="zh-CN" sz="3600" dirty="0"/>
               <a:t>9</a:t>
             </a:r>
             <a:r>
-              <a:rPr lang="zh-CN" altLang="en-US" dirty="0"/>
+              <a:rPr lang="zh-CN" altLang="en-US" sz="3600" dirty="0"/>
               <a:t>日</a:t>
             </a:r>
           </a:p>
@@ -7494,8 +7499,8 @@
         </p:nvSpPr>
         <p:spPr>
           <a:xfrm>
-            <a:off x="22191191" y="2288214"/>
-            <a:ext cx="1114408" cy="369332"/>
+            <a:off x="44382384" y="4576429"/>
+            <a:ext cx="2044149" cy="646331"/>
           </a:xfrm>
           <a:prstGeom prst="rect">
             <a:avLst/>
@@ -7509,19 +7514,19 @@
           <a:lstStyle/>
           <a:p>
             <a:r>
-              <a:rPr lang="en-US" altLang="zh-CN" dirty="0"/>
+              <a:rPr lang="en-US" altLang="zh-CN" sz="3600" dirty="0"/>
               <a:t>11</a:t>
             </a:r>
             <a:r>
-              <a:rPr lang="zh-CN" altLang="en-US" dirty="0"/>
+              <a:rPr lang="zh-CN" altLang="en-US" sz="3600" dirty="0"/>
               <a:t>月</a:t>
             </a:r>
             <a:r>
-              <a:rPr lang="en-US" altLang="zh-CN" dirty="0"/>
+              <a:rPr lang="en-US" altLang="zh-CN" sz="3600" dirty="0"/>
               <a:t>10</a:t>
             </a:r>
             <a:r>
-              <a:rPr lang="zh-CN" altLang="en-US" dirty="0"/>
+              <a:rPr lang="zh-CN" altLang="en-US" sz="3600" dirty="0"/>
               <a:t>日</a:t>
             </a:r>
           </a:p>
@@ -7541,8 +7546,8 @@
         </p:nvSpPr>
         <p:spPr>
           <a:xfrm>
-            <a:off x="22175319" y="4521432"/>
-            <a:ext cx="1114408" cy="369332"/>
+            <a:off x="44350640" y="9042865"/>
+            <a:ext cx="2044149" cy="646331"/>
           </a:xfrm>
           <a:prstGeom prst="rect">
             <a:avLst/>
@@ -7556,19 +7561,19 @@
           <a:lstStyle/>
           <a:p>
             <a:r>
-              <a:rPr lang="en-US" altLang="zh-CN" dirty="0"/>
+              <a:rPr lang="en-US" altLang="zh-CN" sz="3600" dirty="0"/>
               <a:t>11</a:t>
             </a:r>
             <a:r>
-              <a:rPr lang="zh-CN" altLang="en-US" dirty="0"/>
+              <a:rPr lang="zh-CN" altLang="en-US" sz="3600" dirty="0"/>
               <a:t>月</a:t>
             </a:r>
             <a:r>
-              <a:rPr lang="en-US" altLang="zh-CN" dirty="0"/>
+              <a:rPr lang="en-US" altLang="zh-CN" sz="3600" dirty="0"/>
               <a:t>10</a:t>
             </a:r>
             <a:r>
-              <a:rPr lang="zh-CN" altLang="en-US" dirty="0"/>
+              <a:rPr lang="zh-CN" altLang="en-US" sz="3600" dirty="0"/>
               <a:t>日</a:t>
             </a:r>
           </a:p>
@@ -7588,8 +7593,8 @@
         </p:nvSpPr>
         <p:spPr>
           <a:xfrm>
-            <a:off x="22175319" y="6734730"/>
-            <a:ext cx="1114408" cy="369332"/>
+            <a:off x="44350640" y="13469461"/>
+            <a:ext cx="2044149" cy="646331"/>
           </a:xfrm>
           <a:prstGeom prst="rect">
             <a:avLst/>
@@ -7603,19 +7608,19 @@
           <a:lstStyle/>
           <a:p>
             <a:r>
-              <a:rPr lang="en-US" altLang="zh-CN" dirty="0"/>
+              <a:rPr lang="en-US" altLang="zh-CN" sz="3600" dirty="0"/>
               <a:t>11</a:t>
             </a:r>
             <a:r>
-              <a:rPr lang="zh-CN" altLang="en-US" dirty="0"/>
+              <a:rPr lang="zh-CN" altLang="en-US" sz="3600" dirty="0"/>
               <a:t>月</a:t>
             </a:r>
             <a:r>
-              <a:rPr lang="en-US" altLang="zh-CN" dirty="0"/>
+              <a:rPr lang="en-US" altLang="zh-CN" sz="3600" dirty="0"/>
               <a:t>11</a:t>
             </a:r>
             <a:r>
-              <a:rPr lang="zh-CN" altLang="en-US" dirty="0"/>
+              <a:rPr lang="zh-CN" altLang="en-US" sz="3600" dirty="0"/>
               <a:t>日</a:t>
             </a:r>
           </a:p>
@@ -7635,8 +7640,8 @@
         </p:nvSpPr>
         <p:spPr>
           <a:xfrm>
-            <a:off x="22175319" y="8943974"/>
-            <a:ext cx="1114408" cy="369332"/>
+            <a:off x="44350640" y="17887949"/>
+            <a:ext cx="2044149" cy="646331"/>
           </a:xfrm>
           <a:prstGeom prst="rect">
             <a:avLst/>
@@ -7650,19 +7655,19 @@
           <a:lstStyle/>
           <a:p>
             <a:r>
-              <a:rPr lang="en-US" altLang="zh-CN" dirty="0"/>
+              <a:rPr lang="en-US" altLang="zh-CN" sz="3600" dirty="0"/>
               <a:t>11</a:t>
             </a:r>
             <a:r>
-              <a:rPr lang="zh-CN" altLang="en-US" dirty="0"/>
+              <a:rPr lang="zh-CN" altLang="en-US" sz="3600" dirty="0"/>
               <a:t>月</a:t>
             </a:r>
             <a:r>
-              <a:rPr lang="en-US" altLang="zh-CN" dirty="0"/>
+              <a:rPr lang="en-US" altLang="zh-CN" sz="3600" dirty="0"/>
               <a:t>11</a:t>
             </a:r>
             <a:r>
-              <a:rPr lang="zh-CN" altLang="en-US" dirty="0"/>
+              <a:rPr lang="zh-CN" altLang="en-US" sz="3600" dirty="0"/>
               <a:t>日</a:t>
             </a:r>
           </a:p>

--- a/documents/race_profile/淘汰赛.pptx
+++ b/documents/race_profile/淘汰赛.pptx
@@ -243,7 +243,7 @@
           <a:p>
             <a:fld id="{58EFE355-25A0-4687-B210-279ACD5280DB}" type="datetimeFigureOut">
               <a:rPr lang="zh-CN" altLang="en-US" smtClean="0"/>
-              <a:t>2021/11/6</a:t>
+              <a:t>2021/11/8</a:t>
             </a:fld>
             <a:endParaRPr lang="zh-CN" altLang="en-US"/>
           </a:p>
@@ -413,7 +413,7 @@
           <a:p>
             <a:fld id="{58EFE355-25A0-4687-B210-279ACD5280DB}" type="datetimeFigureOut">
               <a:rPr lang="zh-CN" altLang="en-US" smtClean="0"/>
-              <a:t>2021/11/6</a:t>
+              <a:t>2021/11/8</a:t>
             </a:fld>
             <a:endParaRPr lang="zh-CN" altLang="en-US"/>
           </a:p>
@@ -593,7 +593,7 @@
           <a:p>
             <a:fld id="{58EFE355-25A0-4687-B210-279ACD5280DB}" type="datetimeFigureOut">
               <a:rPr lang="zh-CN" altLang="en-US" smtClean="0"/>
-              <a:t>2021/11/6</a:t>
+              <a:t>2021/11/8</a:t>
             </a:fld>
             <a:endParaRPr lang="zh-CN" altLang="en-US"/>
           </a:p>
@@ -763,7 +763,7 @@
           <a:p>
             <a:fld id="{58EFE355-25A0-4687-B210-279ACD5280DB}" type="datetimeFigureOut">
               <a:rPr lang="zh-CN" altLang="en-US" smtClean="0"/>
-              <a:t>2021/11/6</a:t>
+              <a:t>2021/11/8</a:t>
             </a:fld>
             <a:endParaRPr lang="zh-CN" altLang="en-US"/>
           </a:p>
@@ -1009,7 +1009,7 @@
           <a:p>
             <a:fld id="{58EFE355-25A0-4687-B210-279ACD5280DB}" type="datetimeFigureOut">
               <a:rPr lang="zh-CN" altLang="en-US" smtClean="0"/>
-              <a:t>2021/11/6</a:t>
+              <a:t>2021/11/8</a:t>
             </a:fld>
             <a:endParaRPr lang="zh-CN" altLang="en-US"/>
           </a:p>
@@ -1241,7 +1241,7 @@
           <a:p>
             <a:fld id="{58EFE355-25A0-4687-B210-279ACD5280DB}" type="datetimeFigureOut">
               <a:rPr lang="zh-CN" altLang="en-US" smtClean="0"/>
-              <a:t>2021/11/6</a:t>
+              <a:t>2021/11/8</a:t>
             </a:fld>
             <a:endParaRPr lang="zh-CN" altLang="en-US"/>
           </a:p>
@@ -1608,7 +1608,7 @@
           <a:p>
             <a:fld id="{58EFE355-25A0-4687-B210-279ACD5280DB}" type="datetimeFigureOut">
               <a:rPr lang="zh-CN" altLang="en-US" smtClean="0"/>
-              <a:t>2021/11/6</a:t>
+              <a:t>2021/11/8</a:t>
             </a:fld>
             <a:endParaRPr lang="zh-CN" altLang="en-US"/>
           </a:p>
@@ -1726,7 +1726,7 @@
           <a:p>
             <a:fld id="{58EFE355-25A0-4687-B210-279ACD5280DB}" type="datetimeFigureOut">
               <a:rPr lang="zh-CN" altLang="en-US" smtClean="0"/>
-              <a:t>2021/11/6</a:t>
+              <a:t>2021/11/8</a:t>
             </a:fld>
             <a:endParaRPr lang="zh-CN" altLang="en-US"/>
           </a:p>
@@ -1821,7 +1821,7 @@
           <a:p>
             <a:fld id="{58EFE355-25A0-4687-B210-279ACD5280DB}" type="datetimeFigureOut">
               <a:rPr lang="zh-CN" altLang="en-US" smtClean="0"/>
-              <a:t>2021/11/6</a:t>
+              <a:t>2021/11/8</a:t>
             </a:fld>
             <a:endParaRPr lang="zh-CN" altLang="en-US"/>
           </a:p>
@@ -2098,7 +2098,7 @@
           <a:p>
             <a:fld id="{58EFE355-25A0-4687-B210-279ACD5280DB}" type="datetimeFigureOut">
               <a:rPr lang="zh-CN" altLang="en-US" smtClean="0"/>
-              <a:t>2021/11/6</a:t>
+              <a:t>2021/11/8</a:t>
             </a:fld>
             <a:endParaRPr lang="zh-CN" altLang="en-US"/>
           </a:p>
@@ -2355,7 +2355,7 @@
           <a:p>
             <a:fld id="{58EFE355-25A0-4687-B210-279ACD5280DB}" type="datetimeFigureOut">
               <a:rPr lang="zh-CN" altLang="en-US" smtClean="0"/>
-              <a:t>2021/11/6</a:t>
+              <a:t>2021/11/8</a:t>
             </a:fld>
             <a:endParaRPr lang="zh-CN" altLang="en-US"/>
           </a:p>
@@ -2568,7 +2568,7 @@
           <a:p>
             <a:fld id="{58EFE355-25A0-4687-B210-279ACD5280DB}" type="datetimeFigureOut">
               <a:rPr lang="zh-CN" altLang="en-US" smtClean="0"/>
-              <a:t>2021/11/6</a:t>
+              <a:t>2021/11/8</a:t>
             </a:fld>
             <a:endParaRPr lang="zh-CN" altLang="en-US"/>
           </a:p>
@@ -3510,9 +3510,10 @@
             <a:avLst/>
           </a:prstGeom>
           <a:solidFill>
-            <a:srgbClr val="FFB3B3">
+            <a:schemeClr val="bg1">
+              <a:lumMod val="75000"/>
               <a:alpha val="50000"/>
-            </a:srgbClr>
+            </a:schemeClr>
           </a:solidFill>
           <a:ln>
             <a:solidFill>
@@ -3765,9 +3766,10 @@
             <a:avLst/>
           </a:prstGeom>
           <a:solidFill>
-            <a:srgbClr val="FFB3B3">
+            <a:schemeClr val="bg1">
+              <a:lumMod val="75000"/>
               <a:alpha val="50000"/>
-            </a:srgbClr>
+            </a:schemeClr>
           </a:solidFill>
           <a:ln>
             <a:solidFill>
@@ -4668,13 +4670,36 @@
           <a:lstStyle/>
           <a:p>
             <a:pPr algn="ctr" defTabSz="2700040"/>
-            <a:endParaRPr lang="zh-CN" altLang="en-US" sz="3600">
-              <a:solidFill>
-                <a:srgbClr val="FF7575"/>
-              </a:solidFill>
-              <a:latin typeface="等线" panose="020F0502020204030204"/>
-              <a:ea typeface="等线" panose="02010600030101010101" pitchFamily="2" charset="-122"/>
-            </a:endParaRPr>
+            <a:r>
+              <a:rPr lang="zh-CN" altLang="en-US" sz="3600" dirty="0">
+                <a:solidFill>
+                  <a:srgbClr val="FF7575"/>
+                </a:solidFill>
+                <a:latin typeface="等线" panose="020F0502020204030204"/>
+                <a:ea typeface="等线" panose="02010600030101010101" pitchFamily="2" charset="-122"/>
+              </a:rPr>
+              <a:t>蕾丝傻狍子</a:t>
+            </a:r>
+            <a:r>
+              <a:rPr lang="en-US" altLang="zh-CN" sz="3600" dirty="0">
+                <a:solidFill>
+                  <a:srgbClr val="FF7575"/>
+                </a:solidFill>
+                <a:latin typeface="等线" panose="020F0502020204030204"/>
+                <a:ea typeface="等线" panose="02010600030101010101" pitchFamily="2" charset="-122"/>
+              </a:rPr>
+              <a:t>d</a:t>
+            </a:r>
+            <a:r>
+              <a:rPr lang="zh-CN" altLang="en-US" sz="3600" dirty="0">
+                <a:solidFill>
+                  <a:srgbClr val="FF7575"/>
+                </a:solidFill>
+                <a:latin typeface="等线" panose="020F0502020204030204"/>
+                <a:ea typeface="等线" panose="02010600030101010101" pitchFamily="2" charset="-122"/>
+              </a:rPr>
+              <a:t>酱</a:t>
+            </a:r>
           </a:p>
         </p:txBody>
       </p:sp>
@@ -4730,13 +4755,36 @@
           <a:lstStyle/>
           <a:p>
             <a:pPr algn="ctr" defTabSz="2700040"/>
-            <a:endParaRPr lang="zh-CN" altLang="en-US" sz="3600">
-              <a:solidFill>
-                <a:srgbClr val="FF7575"/>
-              </a:solidFill>
-              <a:latin typeface="等线" panose="020F0502020204030204"/>
-              <a:ea typeface="等线" panose="02010600030101010101" pitchFamily="2" charset="-122"/>
-            </a:endParaRPr>
+            <a:r>
+              <a:rPr lang="zh-CN" altLang="en-US" sz="3200" dirty="0">
+                <a:solidFill>
+                  <a:srgbClr val="FF7575"/>
+                </a:solidFill>
+                <a:latin typeface="等线" panose="020F0502020204030204"/>
+                <a:ea typeface="等线" panose="02010600030101010101" pitchFamily="2" charset="-122"/>
+              </a:rPr>
+              <a:t>蕾丝糯米团子</a:t>
+            </a:r>
+            <a:r>
+              <a:rPr lang="en-US" altLang="zh-CN" sz="3200" dirty="0">
+                <a:solidFill>
+                  <a:srgbClr val="FF7575"/>
+                </a:solidFill>
+                <a:latin typeface="等线" panose="020F0502020204030204"/>
+                <a:ea typeface="等线" panose="02010600030101010101" pitchFamily="2" charset="-122"/>
+              </a:rPr>
+              <a:t>d</a:t>
+            </a:r>
+            <a:r>
+              <a:rPr lang="zh-CN" altLang="en-US" sz="3200" dirty="0">
+                <a:solidFill>
+                  <a:srgbClr val="FF7575"/>
+                </a:solidFill>
+                <a:latin typeface="等线" panose="020F0502020204030204"/>
+                <a:ea typeface="等线" panose="02010600030101010101" pitchFamily="2" charset="-122"/>
+              </a:rPr>
+              <a:t>酱</a:t>
+            </a:r>
           </a:p>
         </p:txBody>
       </p:sp>
@@ -5509,7 +5557,9 @@
           </a:prstGeom>
           <a:ln w="12700">
             <a:solidFill>
-              <a:srgbClr val="E28EA6"/>
+              <a:schemeClr val="bg1">
+                <a:lumMod val="75000"/>
+              </a:schemeClr>
             </a:solidFill>
             <a:headEnd type="none" w="med" len="med"/>
             <a:tailEnd type="arrow" w="med" len="med"/>
@@ -5650,7 +5700,9 @@
           </a:prstGeom>
           <a:ln w="12700">
             <a:solidFill>
-              <a:srgbClr val="E28EA6"/>
+              <a:schemeClr val="bg1">
+                <a:lumMod val="75000"/>
+              </a:schemeClr>
             </a:solidFill>
             <a:headEnd type="none" w="med" len="med"/>
             <a:tailEnd type="arrow" w="med" len="med"/>
@@ -7311,8 +7363,8 @@
         </p:nvSpPr>
         <p:spPr>
           <a:xfrm>
-            <a:off x="3377862" y="4587229"/>
-            <a:ext cx="1810111" cy="646331"/>
+            <a:off x="1685573" y="5780423"/>
+            <a:ext cx="652743" cy="646331"/>
           </a:xfrm>
           <a:prstGeom prst="rect">
             <a:avLst/>
@@ -7327,67 +7379,9 @@
           <a:p>
             <a:r>
               <a:rPr lang="en-US" altLang="zh-CN" sz="3600" dirty="0"/>
-              <a:t>11</a:t>
-            </a:r>
-            <a:r>
-              <a:rPr lang="zh-CN" altLang="en-US" sz="3600" dirty="0"/>
-              <a:t>月</a:t>
-            </a:r>
-            <a:r>
-              <a:rPr lang="en-US" altLang="zh-CN" sz="3600" dirty="0"/>
-              <a:t>8</a:t>
-            </a:r>
-            <a:r>
-              <a:rPr lang="zh-CN" altLang="en-US" sz="3600" dirty="0"/>
-              <a:t>日</a:t>
-            </a:r>
-          </a:p>
-        </p:txBody>
-      </p:sp>
-      <p:sp>
-        <p:nvSpPr>
-          <p:cNvPr id="94" name="文本框 93">
-            <a:extLst>
-              <a:ext uri="{FF2B5EF4-FFF2-40B4-BE49-F238E27FC236}">
-                <a16:creationId xmlns:a16="http://schemas.microsoft.com/office/drawing/2014/main" id="{82F3B7A8-3312-4419-BAFD-1E33C40C6D53}"/>
-              </a:ext>
-            </a:extLst>
-          </p:cNvPr>
-          <p:cNvSpPr txBox="1"/>
-          <p:nvPr/>
-        </p:nvSpPr>
-        <p:spPr>
-          <a:xfrm>
-            <a:off x="3377860" y="9049643"/>
-            <a:ext cx="1810111" cy="646331"/>
-          </a:xfrm>
-          <a:prstGeom prst="rect">
-            <a:avLst/>
-          </a:prstGeom>
-          <a:noFill/>
-        </p:spPr>
-        <p:txBody>
-          <a:bodyPr wrap="none" rtlCol="0">
-            <a:spAutoFit/>
-          </a:bodyPr>
-          <a:lstStyle/>
-          <a:p>
-            <a:r>
-              <a:rPr lang="en-US" altLang="zh-CN" sz="3600" dirty="0"/>
-              <a:t>11</a:t>
-            </a:r>
-            <a:r>
-              <a:rPr lang="zh-CN" altLang="en-US" sz="3600" dirty="0"/>
-              <a:t>月</a:t>
-            </a:r>
-            <a:r>
-              <a:rPr lang="en-US" altLang="zh-CN" sz="3600" dirty="0"/>
-              <a:t>8</a:t>
-            </a:r>
-            <a:r>
-              <a:rPr lang="zh-CN" altLang="en-US" sz="3600" dirty="0"/>
-              <a:t>日</a:t>
-            </a:r>
+              <a:t>21</a:t>
+            </a:r>
+            <a:endParaRPr lang="zh-CN" altLang="en-US" sz="3600" dirty="0"/>
           </a:p>
         </p:txBody>
       </p:sp>
@@ -7670,6 +7664,114 @@
               <a:rPr lang="zh-CN" altLang="en-US" sz="3600" dirty="0"/>
               <a:t>日</a:t>
             </a:r>
+          </a:p>
+        </p:txBody>
+      </p:sp>
+      <p:sp>
+        <p:nvSpPr>
+          <p:cNvPr id="81" name="文本框 80">
+            <a:extLst>
+              <a:ext uri="{FF2B5EF4-FFF2-40B4-BE49-F238E27FC236}">
+                <a16:creationId xmlns:a16="http://schemas.microsoft.com/office/drawing/2014/main" id="{602EB266-66BF-4BA1-A001-61A471A24A86}"/>
+              </a:ext>
+            </a:extLst>
+          </p:cNvPr>
+          <p:cNvSpPr txBox="1"/>
+          <p:nvPr/>
+        </p:nvSpPr>
+        <p:spPr>
+          <a:xfrm>
+            <a:off x="1802592" y="3656166"/>
+            <a:ext cx="418704" cy="646331"/>
+          </a:xfrm>
+          <a:prstGeom prst="rect">
+            <a:avLst/>
+          </a:prstGeom>
+          <a:noFill/>
+        </p:spPr>
+        <p:txBody>
+          <a:bodyPr wrap="none" rtlCol="0">
+            <a:spAutoFit/>
+          </a:bodyPr>
+          <a:lstStyle/>
+          <a:p>
+            <a:r>
+              <a:rPr lang="en-US" altLang="zh-CN" sz="3600" dirty="0"/>
+              <a:t>5</a:t>
+            </a:r>
+            <a:endParaRPr lang="zh-CN" altLang="en-US" sz="3600" dirty="0"/>
+          </a:p>
+        </p:txBody>
+      </p:sp>
+      <p:sp>
+        <p:nvSpPr>
+          <p:cNvPr id="83" name="文本框 82">
+            <a:extLst>
+              <a:ext uri="{FF2B5EF4-FFF2-40B4-BE49-F238E27FC236}">
+                <a16:creationId xmlns:a16="http://schemas.microsoft.com/office/drawing/2014/main" id="{465E9A25-FF70-49B3-B7E8-34F18CCE80F7}"/>
+              </a:ext>
+            </a:extLst>
+          </p:cNvPr>
+          <p:cNvSpPr txBox="1"/>
+          <p:nvPr/>
+        </p:nvSpPr>
+        <p:spPr>
+          <a:xfrm>
+            <a:off x="1685573" y="7994400"/>
+            <a:ext cx="652743" cy="646331"/>
+          </a:xfrm>
+          <a:prstGeom prst="rect">
+            <a:avLst/>
+          </a:prstGeom>
+          <a:noFill/>
+        </p:spPr>
+        <p:txBody>
+          <a:bodyPr wrap="none" rtlCol="0">
+            <a:spAutoFit/>
+          </a:bodyPr>
+          <a:lstStyle/>
+          <a:p>
+            <a:r>
+              <a:rPr lang="en-US" altLang="zh-CN" sz="3600" dirty="0"/>
+              <a:t>21</a:t>
+            </a:r>
+            <a:endParaRPr lang="zh-CN" altLang="en-US" sz="3600" dirty="0"/>
+          </a:p>
+        </p:txBody>
+      </p:sp>
+      <p:sp>
+        <p:nvSpPr>
+          <p:cNvPr id="84" name="文本框 83">
+            <a:extLst>
+              <a:ext uri="{FF2B5EF4-FFF2-40B4-BE49-F238E27FC236}">
+                <a16:creationId xmlns:a16="http://schemas.microsoft.com/office/drawing/2014/main" id="{D14B6CCF-2F64-4235-85A6-3F57235E7FD6}"/>
+              </a:ext>
+            </a:extLst>
+          </p:cNvPr>
+          <p:cNvSpPr txBox="1"/>
+          <p:nvPr/>
+        </p:nvSpPr>
+        <p:spPr>
+          <a:xfrm>
+            <a:off x="1802592" y="10257187"/>
+            <a:ext cx="418704" cy="646331"/>
+          </a:xfrm>
+          <a:prstGeom prst="rect">
+            <a:avLst/>
+          </a:prstGeom>
+          <a:noFill/>
+        </p:spPr>
+        <p:txBody>
+          <a:bodyPr wrap="none" rtlCol="0">
+            <a:spAutoFit/>
+          </a:bodyPr>
+          <a:lstStyle/>
+          <a:p>
+            <a:r>
+              <a:rPr lang="en-US" altLang="zh-CN" sz="3600" dirty="0"/>
+              <a:t>5</a:t>
+            </a:r>
+            <a:endParaRPr lang="zh-CN" altLang="en-US" sz="3600" dirty="0"/>
           </a:p>
         </p:txBody>
       </p:sp>

--- a/documents/race_profile/淘汰赛.pptx
+++ b/documents/race_profile/淘汰赛.pptx
@@ -243,7 +243,7 @@
           <a:p>
             <a:fld id="{58EFE355-25A0-4687-B210-279ACD5280DB}" type="datetimeFigureOut">
               <a:rPr lang="zh-CN" altLang="en-US" smtClean="0"/>
-              <a:t>2021/11/8</a:t>
+              <a:t>2021/11/9</a:t>
             </a:fld>
             <a:endParaRPr lang="zh-CN" altLang="en-US"/>
           </a:p>
@@ -413,7 +413,7 @@
           <a:p>
             <a:fld id="{58EFE355-25A0-4687-B210-279ACD5280DB}" type="datetimeFigureOut">
               <a:rPr lang="zh-CN" altLang="en-US" smtClean="0"/>
-              <a:t>2021/11/8</a:t>
+              <a:t>2021/11/9</a:t>
             </a:fld>
             <a:endParaRPr lang="zh-CN" altLang="en-US"/>
           </a:p>
@@ -593,7 +593,7 @@
           <a:p>
             <a:fld id="{58EFE355-25A0-4687-B210-279ACD5280DB}" type="datetimeFigureOut">
               <a:rPr lang="zh-CN" altLang="en-US" smtClean="0"/>
-              <a:t>2021/11/8</a:t>
+              <a:t>2021/11/9</a:t>
             </a:fld>
             <a:endParaRPr lang="zh-CN" altLang="en-US"/>
           </a:p>
@@ -763,7 +763,7 @@
           <a:p>
             <a:fld id="{58EFE355-25A0-4687-B210-279ACD5280DB}" type="datetimeFigureOut">
               <a:rPr lang="zh-CN" altLang="en-US" smtClean="0"/>
-              <a:t>2021/11/8</a:t>
+              <a:t>2021/11/9</a:t>
             </a:fld>
             <a:endParaRPr lang="zh-CN" altLang="en-US"/>
           </a:p>
@@ -1009,7 +1009,7 @@
           <a:p>
             <a:fld id="{58EFE355-25A0-4687-B210-279ACD5280DB}" type="datetimeFigureOut">
               <a:rPr lang="zh-CN" altLang="en-US" smtClean="0"/>
-              <a:t>2021/11/8</a:t>
+              <a:t>2021/11/9</a:t>
             </a:fld>
             <a:endParaRPr lang="zh-CN" altLang="en-US"/>
           </a:p>
@@ -1241,7 +1241,7 @@
           <a:p>
             <a:fld id="{58EFE355-25A0-4687-B210-279ACD5280DB}" type="datetimeFigureOut">
               <a:rPr lang="zh-CN" altLang="en-US" smtClean="0"/>
-              <a:t>2021/11/8</a:t>
+              <a:t>2021/11/9</a:t>
             </a:fld>
             <a:endParaRPr lang="zh-CN" altLang="en-US"/>
           </a:p>
@@ -1608,7 +1608,7 @@
           <a:p>
             <a:fld id="{58EFE355-25A0-4687-B210-279ACD5280DB}" type="datetimeFigureOut">
               <a:rPr lang="zh-CN" altLang="en-US" smtClean="0"/>
-              <a:t>2021/11/8</a:t>
+              <a:t>2021/11/9</a:t>
             </a:fld>
             <a:endParaRPr lang="zh-CN" altLang="en-US"/>
           </a:p>
@@ -1726,7 +1726,7 @@
           <a:p>
             <a:fld id="{58EFE355-25A0-4687-B210-279ACD5280DB}" type="datetimeFigureOut">
               <a:rPr lang="zh-CN" altLang="en-US" smtClean="0"/>
-              <a:t>2021/11/8</a:t>
+              <a:t>2021/11/9</a:t>
             </a:fld>
             <a:endParaRPr lang="zh-CN" altLang="en-US"/>
           </a:p>
@@ -1821,7 +1821,7 @@
           <a:p>
             <a:fld id="{58EFE355-25A0-4687-B210-279ACD5280DB}" type="datetimeFigureOut">
               <a:rPr lang="zh-CN" altLang="en-US" smtClean="0"/>
-              <a:t>2021/11/8</a:t>
+              <a:t>2021/11/9</a:t>
             </a:fld>
             <a:endParaRPr lang="zh-CN" altLang="en-US"/>
           </a:p>
@@ -2098,7 +2098,7 @@
           <a:p>
             <a:fld id="{58EFE355-25A0-4687-B210-279ACD5280DB}" type="datetimeFigureOut">
               <a:rPr lang="zh-CN" altLang="en-US" smtClean="0"/>
-              <a:t>2021/11/8</a:t>
+              <a:t>2021/11/9</a:t>
             </a:fld>
             <a:endParaRPr lang="zh-CN" altLang="en-US"/>
           </a:p>
@@ -2355,7 +2355,7 @@
           <a:p>
             <a:fld id="{58EFE355-25A0-4687-B210-279ACD5280DB}" type="datetimeFigureOut">
               <a:rPr lang="zh-CN" altLang="en-US" smtClean="0"/>
-              <a:t>2021/11/8</a:t>
+              <a:t>2021/11/9</a:t>
             </a:fld>
             <a:endParaRPr lang="zh-CN" altLang="en-US"/>
           </a:p>
@@ -2568,7 +2568,7 @@
           <a:p>
             <a:fld id="{58EFE355-25A0-4687-B210-279ACD5280DB}" type="datetimeFigureOut">
               <a:rPr lang="zh-CN" altLang="en-US" smtClean="0"/>
-              <a:t>2021/11/8</a:t>
+              <a:t>2021/11/9</a:t>
             </a:fld>
             <a:endParaRPr lang="zh-CN" altLang="en-US"/>
           </a:p>
@@ -3425,9 +3425,10 @@
             <a:avLst/>
           </a:prstGeom>
           <a:solidFill>
-            <a:srgbClr val="FFB3B3">
+            <a:schemeClr val="bg1">
+              <a:lumMod val="75000"/>
               <a:alpha val="50000"/>
-            </a:srgbClr>
+            </a:schemeClr>
           </a:solidFill>
           <a:ln>
             <a:solidFill>
@@ -3681,9 +3682,10 @@
             <a:avLst/>
           </a:prstGeom>
           <a:solidFill>
-            <a:srgbClr val="FFB3B3">
+            <a:schemeClr val="bg1">
+              <a:lumMod val="75000"/>
               <a:alpha val="50000"/>
-            </a:srgbClr>
+            </a:schemeClr>
           </a:solidFill>
           <a:ln>
             <a:solidFill>
@@ -4840,13 +4842,36 @@
           <a:lstStyle/>
           <a:p>
             <a:pPr algn="ctr" defTabSz="2700040"/>
-            <a:endParaRPr lang="zh-CN" altLang="en-US" sz="3600">
-              <a:solidFill>
-                <a:srgbClr val="FF7575"/>
-              </a:solidFill>
-              <a:latin typeface="等线" panose="020F0502020204030204"/>
-              <a:ea typeface="等线" panose="02010600030101010101" pitchFamily="2" charset="-122"/>
-            </a:endParaRPr>
+            <a:r>
+              <a:rPr lang="zh-CN" altLang="en-US" sz="2800" dirty="0">
+                <a:solidFill>
+                  <a:srgbClr val="FF7575"/>
+                </a:solidFill>
+                <a:latin typeface="等线" panose="020F0502020204030204"/>
+                <a:ea typeface="等线" panose="02010600030101010101" pitchFamily="2" charset="-122"/>
+              </a:rPr>
+              <a:t>蕾丝纸包不住火</a:t>
+            </a:r>
+            <a:r>
+              <a:rPr lang="en-US" altLang="zh-CN" sz="2800" dirty="0">
+                <a:solidFill>
+                  <a:srgbClr val="FF7575"/>
+                </a:solidFill>
+                <a:latin typeface="等线" panose="020F0502020204030204"/>
+                <a:ea typeface="等线" panose="02010600030101010101" pitchFamily="2" charset="-122"/>
+              </a:rPr>
+              <a:t>d</a:t>
+            </a:r>
+            <a:r>
+              <a:rPr lang="zh-CN" altLang="en-US" sz="2800" dirty="0">
+                <a:solidFill>
+                  <a:srgbClr val="FF7575"/>
+                </a:solidFill>
+                <a:latin typeface="等线" panose="020F0502020204030204"/>
+                <a:ea typeface="等线" panose="02010600030101010101" pitchFamily="2" charset="-122"/>
+              </a:rPr>
+              <a:t>酱</a:t>
+            </a:r>
           </a:p>
         </p:txBody>
       </p:sp>
@@ -4902,13 +4927,36 @@
           <a:lstStyle/>
           <a:p>
             <a:pPr algn="ctr" defTabSz="2700040"/>
-            <a:endParaRPr lang="zh-CN" altLang="en-US" sz="3600">
-              <a:solidFill>
-                <a:srgbClr val="FF7575"/>
-              </a:solidFill>
-              <a:latin typeface="等线" panose="020F0502020204030204"/>
-              <a:ea typeface="等线" panose="02010600030101010101" pitchFamily="2" charset="-122"/>
-            </a:endParaRPr>
+            <a:r>
+              <a:rPr lang="zh-CN" altLang="en-US" sz="3600" dirty="0">
+                <a:solidFill>
+                  <a:srgbClr val="FF7575"/>
+                </a:solidFill>
+                <a:latin typeface="等线" panose="020F0502020204030204"/>
+                <a:ea typeface="等线" panose="02010600030101010101" pitchFamily="2" charset="-122"/>
+              </a:rPr>
+              <a:t>蕾丝狍子</a:t>
+            </a:r>
+            <a:r>
+              <a:rPr lang="en-US" altLang="zh-CN" sz="3600" dirty="0">
+                <a:solidFill>
+                  <a:srgbClr val="FF7575"/>
+                </a:solidFill>
+                <a:latin typeface="等线" panose="020F0502020204030204"/>
+                <a:ea typeface="等线" panose="02010600030101010101" pitchFamily="2" charset="-122"/>
+              </a:rPr>
+              <a:t>d</a:t>
+            </a:r>
+            <a:r>
+              <a:rPr lang="zh-CN" altLang="en-US" sz="3600" dirty="0">
+                <a:solidFill>
+                  <a:srgbClr val="FF7575"/>
+                </a:solidFill>
+                <a:latin typeface="等线" panose="020F0502020204030204"/>
+                <a:ea typeface="等线" panose="02010600030101010101" pitchFamily="2" charset="-122"/>
+              </a:rPr>
+              <a:t>酱</a:t>
+            </a:r>
           </a:p>
         </p:txBody>
       </p:sp>
@@ -5800,7 +5848,9 @@
           </a:prstGeom>
           <a:ln w="12700">
             <a:solidFill>
-              <a:srgbClr val="E28EA6"/>
+              <a:schemeClr val="bg1">
+                <a:lumMod val="75000"/>
+              </a:schemeClr>
             </a:solidFill>
             <a:headEnd type="none" w="med" len="med"/>
             <a:tailEnd type="arrow" w="med" len="med"/>
@@ -5849,7 +5899,9 @@
           </a:prstGeom>
           <a:ln w="12700">
             <a:solidFill>
-              <a:srgbClr val="E28EA6"/>
+              <a:schemeClr val="bg1">
+                <a:lumMod val="75000"/>
+              </a:schemeClr>
             </a:solidFill>
             <a:headEnd type="none" w="med" len="med"/>
             <a:tailEnd type="arrow" w="med" len="med"/>
@@ -7363,7 +7415,7 @@
         </p:nvSpPr>
         <p:spPr>
           <a:xfrm>
-            <a:off x="1685573" y="5780423"/>
+            <a:off x="1709298" y="5780423"/>
             <a:ext cx="652743" cy="646331"/>
           </a:xfrm>
           <a:prstGeom prst="rect">
@@ -7387,10 +7439,10 @@
       </p:sp>
       <p:sp>
         <p:nvSpPr>
-          <p:cNvPr id="95" name="文本框 94">
-            <a:extLst>
-              <a:ext uri="{FF2B5EF4-FFF2-40B4-BE49-F238E27FC236}">
-                <a16:creationId xmlns:a16="http://schemas.microsoft.com/office/drawing/2014/main" id="{C86C55DC-933F-44A1-B1AB-0F61BC1C6115}"/>
+          <p:cNvPr id="98" name="文本框 97">
+            <a:extLst>
+              <a:ext uri="{FF2B5EF4-FFF2-40B4-BE49-F238E27FC236}">
+                <a16:creationId xmlns:a16="http://schemas.microsoft.com/office/drawing/2014/main" id="{B035C3A2-51E5-411A-9D70-962664B6ACA1}"/>
               </a:ext>
             </a:extLst>
           </p:cNvPr>
@@ -7399,8 +7451,8 @@
         </p:nvSpPr>
         <p:spPr>
           <a:xfrm>
-            <a:off x="3373504" y="13469461"/>
-            <a:ext cx="1810111" cy="646331"/>
+            <a:off x="44382384" y="4576429"/>
+            <a:ext cx="2044149" cy="646331"/>
           </a:xfrm>
           <a:prstGeom prst="rect">
             <a:avLst/>
@@ -7423,7 +7475,7 @@
             </a:r>
             <a:r>
               <a:rPr lang="en-US" altLang="zh-CN" sz="3600" dirty="0"/>
-              <a:t>9</a:t>
+              <a:t>10</a:t>
             </a:r>
             <a:r>
               <a:rPr lang="zh-CN" altLang="en-US" sz="3600" dirty="0"/>
@@ -7434,10 +7486,10 @@
       </p:sp>
       <p:sp>
         <p:nvSpPr>
-          <p:cNvPr id="97" name="文本框 96">
-            <a:extLst>
-              <a:ext uri="{FF2B5EF4-FFF2-40B4-BE49-F238E27FC236}">
-                <a16:creationId xmlns:a16="http://schemas.microsoft.com/office/drawing/2014/main" id="{53FE09F7-A3C7-424A-8037-C55BD4EF5EB1}"/>
+          <p:cNvPr id="100" name="文本框 99">
+            <a:extLst>
+              <a:ext uri="{FF2B5EF4-FFF2-40B4-BE49-F238E27FC236}">
+                <a16:creationId xmlns:a16="http://schemas.microsoft.com/office/drawing/2014/main" id="{2FD47DAF-3F84-4B7E-832A-49CE36E0E82F}"/>
               </a:ext>
             </a:extLst>
           </p:cNvPr>
@@ -7446,8 +7498,8 @@
         </p:nvSpPr>
         <p:spPr>
           <a:xfrm>
-            <a:off x="3373502" y="17944273"/>
-            <a:ext cx="1810111" cy="646331"/>
+            <a:off x="44350640" y="9042865"/>
+            <a:ext cx="2044149" cy="646331"/>
           </a:xfrm>
           <a:prstGeom prst="rect">
             <a:avLst/>
@@ -7470,7 +7522,7 @@
             </a:r>
             <a:r>
               <a:rPr lang="en-US" altLang="zh-CN" sz="3600" dirty="0"/>
-              <a:t>9</a:t>
+              <a:t>10</a:t>
             </a:r>
             <a:r>
               <a:rPr lang="zh-CN" altLang="en-US" sz="3600" dirty="0"/>
@@ -7481,10 +7533,10 @@
       </p:sp>
       <p:sp>
         <p:nvSpPr>
-          <p:cNvPr id="98" name="文本框 97">
-            <a:extLst>
-              <a:ext uri="{FF2B5EF4-FFF2-40B4-BE49-F238E27FC236}">
-                <a16:creationId xmlns:a16="http://schemas.microsoft.com/office/drawing/2014/main" id="{B035C3A2-51E5-411A-9D70-962664B6ACA1}"/>
+          <p:cNvPr id="101" name="文本框 100">
+            <a:extLst>
+              <a:ext uri="{FF2B5EF4-FFF2-40B4-BE49-F238E27FC236}">
+                <a16:creationId xmlns:a16="http://schemas.microsoft.com/office/drawing/2014/main" id="{23284A4F-D2E7-475C-A47A-98CBEB3F0BF0}"/>
               </a:ext>
             </a:extLst>
           </p:cNvPr>
@@ -7493,7 +7545,7 @@
         </p:nvSpPr>
         <p:spPr>
           <a:xfrm>
-            <a:off x="44382384" y="4576429"/>
+            <a:off x="44350640" y="13469461"/>
             <a:ext cx="2044149" cy="646331"/>
           </a:xfrm>
           <a:prstGeom prst="rect">
@@ -7517,7 +7569,7 @@
             </a:r>
             <a:r>
               <a:rPr lang="en-US" altLang="zh-CN" sz="3600" dirty="0"/>
-              <a:t>10</a:t>
+              <a:t>11</a:t>
             </a:r>
             <a:r>
               <a:rPr lang="zh-CN" altLang="en-US" sz="3600" dirty="0"/>
@@ -7528,10 +7580,10 @@
       </p:sp>
       <p:sp>
         <p:nvSpPr>
-          <p:cNvPr id="100" name="文本框 99">
-            <a:extLst>
-              <a:ext uri="{FF2B5EF4-FFF2-40B4-BE49-F238E27FC236}">
-                <a16:creationId xmlns:a16="http://schemas.microsoft.com/office/drawing/2014/main" id="{2FD47DAF-3F84-4B7E-832A-49CE36E0E82F}"/>
+          <p:cNvPr id="102" name="文本框 101">
+            <a:extLst>
+              <a:ext uri="{FF2B5EF4-FFF2-40B4-BE49-F238E27FC236}">
+                <a16:creationId xmlns:a16="http://schemas.microsoft.com/office/drawing/2014/main" id="{D52D070E-9068-4D3F-8860-58C6D2D35B53}"/>
               </a:ext>
             </a:extLst>
           </p:cNvPr>
@@ -7540,7 +7592,7 @@
         </p:nvSpPr>
         <p:spPr>
           <a:xfrm>
-            <a:off x="44350640" y="9042865"/>
+            <a:off x="44350640" y="17887949"/>
             <a:ext cx="2044149" cy="646331"/>
           </a:xfrm>
           <a:prstGeom prst="rect">
@@ -7564,7 +7616,7 @@
             </a:r>
             <a:r>
               <a:rPr lang="en-US" altLang="zh-CN" sz="3600" dirty="0"/>
-              <a:t>10</a:t>
+              <a:t>11</a:t>
             </a:r>
             <a:r>
               <a:rPr lang="zh-CN" altLang="en-US" sz="3600" dirty="0"/>
@@ -7575,10 +7627,10 @@
       </p:sp>
       <p:sp>
         <p:nvSpPr>
-          <p:cNvPr id="101" name="文本框 100">
-            <a:extLst>
-              <a:ext uri="{FF2B5EF4-FFF2-40B4-BE49-F238E27FC236}">
-                <a16:creationId xmlns:a16="http://schemas.microsoft.com/office/drawing/2014/main" id="{23284A4F-D2E7-475C-A47A-98CBEB3F0BF0}"/>
+          <p:cNvPr id="81" name="文本框 80">
+            <a:extLst>
+              <a:ext uri="{FF2B5EF4-FFF2-40B4-BE49-F238E27FC236}">
+                <a16:creationId xmlns:a16="http://schemas.microsoft.com/office/drawing/2014/main" id="{602EB266-66BF-4BA1-A001-61A471A24A86}"/>
               </a:ext>
             </a:extLst>
           </p:cNvPr>
@@ -7587,8 +7639,8 @@
         </p:nvSpPr>
         <p:spPr>
           <a:xfrm>
-            <a:off x="44350640" y="13469461"/>
-            <a:ext cx="2044149" cy="646331"/>
+            <a:off x="1826317" y="3656166"/>
+            <a:ext cx="418704" cy="646331"/>
           </a:xfrm>
           <a:prstGeom prst="rect">
             <a:avLst/>
@@ -7603,29 +7655,18 @@
           <a:p>
             <a:r>
               <a:rPr lang="en-US" altLang="zh-CN" sz="3600" dirty="0"/>
-              <a:t>11</a:t>
-            </a:r>
-            <a:r>
-              <a:rPr lang="zh-CN" altLang="en-US" sz="3600" dirty="0"/>
-              <a:t>月</a:t>
-            </a:r>
-            <a:r>
-              <a:rPr lang="en-US" altLang="zh-CN" sz="3600" dirty="0"/>
-              <a:t>11</a:t>
-            </a:r>
-            <a:r>
-              <a:rPr lang="zh-CN" altLang="en-US" sz="3600" dirty="0"/>
-              <a:t>日</a:t>
-            </a:r>
-          </a:p>
-        </p:txBody>
-      </p:sp>
-      <p:sp>
-        <p:nvSpPr>
-          <p:cNvPr id="102" name="文本框 101">
-            <a:extLst>
-              <a:ext uri="{FF2B5EF4-FFF2-40B4-BE49-F238E27FC236}">
-                <a16:creationId xmlns:a16="http://schemas.microsoft.com/office/drawing/2014/main" id="{D52D070E-9068-4D3F-8860-58C6D2D35B53}"/>
+              <a:t>5</a:t>
+            </a:r>
+            <a:endParaRPr lang="zh-CN" altLang="en-US" sz="3600" dirty="0"/>
+          </a:p>
+        </p:txBody>
+      </p:sp>
+      <p:sp>
+        <p:nvSpPr>
+          <p:cNvPr id="83" name="文本框 82">
+            <a:extLst>
+              <a:ext uri="{FF2B5EF4-FFF2-40B4-BE49-F238E27FC236}">
+                <a16:creationId xmlns:a16="http://schemas.microsoft.com/office/drawing/2014/main" id="{465E9A25-FF70-49B3-B7E8-34F18CCE80F7}"/>
               </a:ext>
             </a:extLst>
           </p:cNvPr>
@@ -7634,8 +7675,8 @@
         </p:nvSpPr>
         <p:spPr>
           <a:xfrm>
-            <a:off x="44350640" y="17887949"/>
-            <a:ext cx="2044149" cy="646331"/>
+            <a:off x="1709298" y="7994400"/>
+            <a:ext cx="652743" cy="646331"/>
           </a:xfrm>
           <a:prstGeom prst="rect">
             <a:avLst/>
@@ -7650,29 +7691,18 @@
           <a:p>
             <a:r>
               <a:rPr lang="en-US" altLang="zh-CN" sz="3600" dirty="0"/>
-              <a:t>11</a:t>
-            </a:r>
-            <a:r>
-              <a:rPr lang="zh-CN" altLang="en-US" sz="3600" dirty="0"/>
-              <a:t>月</a:t>
-            </a:r>
-            <a:r>
-              <a:rPr lang="en-US" altLang="zh-CN" sz="3600" dirty="0"/>
-              <a:t>11</a:t>
-            </a:r>
-            <a:r>
-              <a:rPr lang="zh-CN" altLang="en-US" sz="3600" dirty="0"/>
-              <a:t>日</a:t>
-            </a:r>
-          </a:p>
-        </p:txBody>
-      </p:sp>
-      <p:sp>
-        <p:nvSpPr>
-          <p:cNvPr id="81" name="文本框 80">
-            <a:extLst>
-              <a:ext uri="{FF2B5EF4-FFF2-40B4-BE49-F238E27FC236}">
-                <a16:creationId xmlns:a16="http://schemas.microsoft.com/office/drawing/2014/main" id="{602EB266-66BF-4BA1-A001-61A471A24A86}"/>
+              <a:t>21</a:t>
+            </a:r>
+            <a:endParaRPr lang="zh-CN" altLang="en-US" sz="3600" dirty="0"/>
+          </a:p>
+        </p:txBody>
+      </p:sp>
+      <p:sp>
+        <p:nvSpPr>
+          <p:cNvPr id="84" name="文本框 83">
+            <a:extLst>
+              <a:ext uri="{FF2B5EF4-FFF2-40B4-BE49-F238E27FC236}">
+                <a16:creationId xmlns:a16="http://schemas.microsoft.com/office/drawing/2014/main" id="{D14B6CCF-2F64-4235-85A6-3F57235E7FD6}"/>
               </a:ext>
             </a:extLst>
           </p:cNvPr>
@@ -7681,7 +7711,7 @@
         </p:nvSpPr>
         <p:spPr>
           <a:xfrm>
-            <a:off x="1802592" y="3656166"/>
+            <a:off x="1826317" y="10257187"/>
             <a:ext cx="418704" cy="646331"/>
           </a:xfrm>
           <a:prstGeom prst="rect">
@@ -7705,10 +7735,10 @@
       </p:sp>
       <p:sp>
         <p:nvSpPr>
-          <p:cNvPr id="83" name="文本框 82">
-            <a:extLst>
-              <a:ext uri="{FF2B5EF4-FFF2-40B4-BE49-F238E27FC236}">
-                <a16:creationId xmlns:a16="http://schemas.microsoft.com/office/drawing/2014/main" id="{465E9A25-FF70-49B3-B7E8-34F18CCE80F7}"/>
+          <p:cNvPr id="86" name="文本框 85">
+            <a:extLst>
+              <a:ext uri="{FF2B5EF4-FFF2-40B4-BE49-F238E27FC236}">
+                <a16:creationId xmlns:a16="http://schemas.microsoft.com/office/drawing/2014/main" id="{99C9C860-6D76-47D0-9689-21C3F2A300B6}"/>
               </a:ext>
             </a:extLst>
           </p:cNvPr>
@@ -7717,7 +7747,7 @@
         </p:nvSpPr>
         <p:spPr>
           <a:xfrm>
-            <a:off x="1685573" y="7994400"/>
+            <a:off x="1709298" y="12410597"/>
             <a:ext cx="652743" cy="646331"/>
           </a:xfrm>
           <a:prstGeom prst="rect">
@@ -7733,7 +7763,7 @@
           <a:p>
             <a:r>
               <a:rPr lang="en-US" altLang="zh-CN" sz="3600" dirty="0"/>
-              <a:t>21</a:t>
+              <a:t>12</a:t>
             </a:r>
             <a:endParaRPr lang="zh-CN" altLang="en-US" sz="3600" dirty="0"/>
           </a:p>
@@ -7741,10 +7771,10 @@
       </p:sp>
       <p:sp>
         <p:nvSpPr>
-          <p:cNvPr id="84" name="文本框 83">
-            <a:extLst>
-              <a:ext uri="{FF2B5EF4-FFF2-40B4-BE49-F238E27FC236}">
-                <a16:creationId xmlns:a16="http://schemas.microsoft.com/office/drawing/2014/main" id="{D14B6CCF-2F64-4235-85A6-3F57235E7FD6}"/>
+          <p:cNvPr id="87" name="文本框 86">
+            <a:extLst>
+              <a:ext uri="{FF2B5EF4-FFF2-40B4-BE49-F238E27FC236}">
+                <a16:creationId xmlns:a16="http://schemas.microsoft.com/office/drawing/2014/main" id="{9C541734-3CC1-4C1B-8D4E-B781C04ADA75}"/>
               </a:ext>
             </a:extLst>
           </p:cNvPr>
@@ -7753,7 +7783,7 @@
         </p:nvSpPr>
         <p:spPr>
           <a:xfrm>
-            <a:off x="1802592" y="10257187"/>
+            <a:off x="1826317" y="14619358"/>
             <a:ext cx="418704" cy="646331"/>
           </a:xfrm>
           <a:prstGeom prst="rect">
@@ -7769,7 +7799,79 @@
           <a:p>
             <a:r>
               <a:rPr lang="en-US" altLang="zh-CN" sz="3600" dirty="0"/>
-              <a:t>5</a:t>
+              <a:t>7</a:t>
+            </a:r>
+            <a:endParaRPr lang="zh-CN" altLang="en-US" sz="3600" dirty="0"/>
+          </a:p>
+        </p:txBody>
+      </p:sp>
+      <p:sp>
+        <p:nvSpPr>
+          <p:cNvPr id="89" name="文本框 88">
+            <a:extLst>
+              <a:ext uri="{FF2B5EF4-FFF2-40B4-BE49-F238E27FC236}">
+                <a16:creationId xmlns:a16="http://schemas.microsoft.com/office/drawing/2014/main" id="{6D220199-75F4-49E2-AF2D-A833E5B91F7E}"/>
+              </a:ext>
+            </a:extLst>
+          </p:cNvPr>
+          <p:cNvSpPr txBox="1"/>
+          <p:nvPr/>
+        </p:nvSpPr>
+        <p:spPr>
+          <a:xfrm>
+            <a:off x="1826317" y="16806842"/>
+            <a:ext cx="418704" cy="646331"/>
+          </a:xfrm>
+          <a:prstGeom prst="rect">
+            <a:avLst/>
+          </a:prstGeom>
+          <a:noFill/>
+        </p:spPr>
+        <p:txBody>
+          <a:bodyPr wrap="none" rtlCol="0">
+            <a:spAutoFit/>
+          </a:bodyPr>
+          <a:lstStyle/>
+          <a:p>
+            <a:r>
+              <a:rPr lang="en-US" altLang="zh-CN" sz="3600" dirty="0"/>
+              <a:t>3</a:t>
+            </a:r>
+            <a:endParaRPr lang="zh-CN" altLang="en-US" sz="3600" dirty="0"/>
+          </a:p>
+        </p:txBody>
+      </p:sp>
+      <p:sp>
+        <p:nvSpPr>
+          <p:cNvPr id="92" name="文本框 91">
+            <a:extLst>
+              <a:ext uri="{FF2B5EF4-FFF2-40B4-BE49-F238E27FC236}">
+                <a16:creationId xmlns:a16="http://schemas.microsoft.com/office/drawing/2014/main" id="{9C6CD075-4BEF-4B9F-9B4B-E8E4033627DC}"/>
+              </a:ext>
+            </a:extLst>
+          </p:cNvPr>
+          <p:cNvSpPr txBox="1"/>
+          <p:nvPr/>
+        </p:nvSpPr>
+        <p:spPr>
+          <a:xfrm>
+            <a:off x="1709298" y="19074303"/>
+            <a:ext cx="652743" cy="646331"/>
+          </a:xfrm>
+          <a:prstGeom prst="rect">
+            <a:avLst/>
+          </a:prstGeom>
+          <a:noFill/>
+        </p:spPr>
+        <p:txBody>
+          <a:bodyPr wrap="none" rtlCol="0">
+            <a:spAutoFit/>
+          </a:bodyPr>
+          <a:lstStyle/>
+          <a:p>
+            <a:r>
+              <a:rPr lang="en-US" altLang="zh-CN" sz="3600" dirty="0"/>
+              <a:t>16</a:t>
             </a:r>
             <a:endParaRPr lang="zh-CN" altLang="en-US" sz="3600" dirty="0"/>
           </a:p>

--- a/documents/race_profile/淘汰赛.pptx
+++ b/documents/race_profile/淘汰赛.pptx
@@ -243,7 +243,7 @@
           <a:p>
             <a:fld id="{58EFE355-25A0-4687-B210-279ACD5280DB}" type="datetimeFigureOut">
               <a:rPr lang="zh-CN" altLang="en-US" smtClean="0"/>
-              <a:t>2021/11/9</a:t>
+              <a:t>2021/11/11</a:t>
             </a:fld>
             <a:endParaRPr lang="zh-CN" altLang="en-US"/>
           </a:p>
@@ -413,7 +413,7 @@
           <a:p>
             <a:fld id="{58EFE355-25A0-4687-B210-279ACD5280DB}" type="datetimeFigureOut">
               <a:rPr lang="zh-CN" altLang="en-US" smtClean="0"/>
-              <a:t>2021/11/9</a:t>
+              <a:t>2021/11/11</a:t>
             </a:fld>
             <a:endParaRPr lang="zh-CN" altLang="en-US"/>
           </a:p>
@@ -593,7 +593,7 @@
           <a:p>
             <a:fld id="{58EFE355-25A0-4687-B210-279ACD5280DB}" type="datetimeFigureOut">
               <a:rPr lang="zh-CN" altLang="en-US" smtClean="0"/>
-              <a:t>2021/11/9</a:t>
+              <a:t>2021/11/11</a:t>
             </a:fld>
             <a:endParaRPr lang="zh-CN" altLang="en-US"/>
           </a:p>
@@ -763,7 +763,7 @@
           <a:p>
             <a:fld id="{58EFE355-25A0-4687-B210-279ACD5280DB}" type="datetimeFigureOut">
               <a:rPr lang="zh-CN" altLang="en-US" smtClean="0"/>
-              <a:t>2021/11/9</a:t>
+              <a:t>2021/11/11</a:t>
             </a:fld>
             <a:endParaRPr lang="zh-CN" altLang="en-US"/>
           </a:p>
@@ -1009,7 +1009,7 @@
           <a:p>
             <a:fld id="{58EFE355-25A0-4687-B210-279ACD5280DB}" type="datetimeFigureOut">
               <a:rPr lang="zh-CN" altLang="en-US" smtClean="0"/>
-              <a:t>2021/11/9</a:t>
+              <a:t>2021/11/11</a:t>
             </a:fld>
             <a:endParaRPr lang="zh-CN" altLang="en-US"/>
           </a:p>
@@ -1241,7 +1241,7 @@
           <a:p>
             <a:fld id="{58EFE355-25A0-4687-B210-279ACD5280DB}" type="datetimeFigureOut">
               <a:rPr lang="zh-CN" altLang="en-US" smtClean="0"/>
-              <a:t>2021/11/9</a:t>
+              <a:t>2021/11/11</a:t>
             </a:fld>
             <a:endParaRPr lang="zh-CN" altLang="en-US"/>
           </a:p>
@@ -1608,7 +1608,7 @@
           <a:p>
             <a:fld id="{58EFE355-25A0-4687-B210-279ACD5280DB}" type="datetimeFigureOut">
               <a:rPr lang="zh-CN" altLang="en-US" smtClean="0"/>
-              <a:t>2021/11/9</a:t>
+              <a:t>2021/11/11</a:t>
             </a:fld>
             <a:endParaRPr lang="zh-CN" altLang="en-US"/>
           </a:p>
@@ -1726,7 +1726,7 @@
           <a:p>
             <a:fld id="{58EFE355-25A0-4687-B210-279ACD5280DB}" type="datetimeFigureOut">
               <a:rPr lang="zh-CN" altLang="en-US" smtClean="0"/>
-              <a:t>2021/11/9</a:t>
+              <a:t>2021/11/11</a:t>
             </a:fld>
             <a:endParaRPr lang="zh-CN" altLang="en-US"/>
           </a:p>
@@ -1821,7 +1821,7 @@
           <a:p>
             <a:fld id="{58EFE355-25A0-4687-B210-279ACD5280DB}" type="datetimeFigureOut">
               <a:rPr lang="zh-CN" altLang="en-US" smtClean="0"/>
-              <a:t>2021/11/9</a:t>
+              <a:t>2021/11/11</a:t>
             </a:fld>
             <a:endParaRPr lang="zh-CN" altLang="en-US"/>
           </a:p>
@@ -2098,7 +2098,7 @@
           <a:p>
             <a:fld id="{58EFE355-25A0-4687-B210-279ACD5280DB}" type="datetimeFigureOut">
               <a:rPr lang="zh-CN" altLang="en-US" smtClean="0"/>
-              <a:t>2021/11/9</a:t>
+              <a:t>2021/11/11</a:t>
             </a:fld>
             <a:endParaRPr lang="zh-CN" altLang="en-US"/>
           </a:p>
@@ -2355,7 +2355,7 @@
           <a:p>
             <a:fld id="{58EFE355-25A0-4687-B210-279ACD5280DB}" type="datetimeFigureOut">
               <a:rPr lang="zh-CN" altLang="en-US" smtClean="0"/>
-              <a:t>2021/11/9</a:t>
+              <a:t>2021/11/11</a:t>
             </a:fld>
             <a:endParaRPr lang="zh-CN" altLang="en-US"/>
           </a:p>
@@ -2568,7 +2568,7 @@
           <a:p>
             <a:fld id="{58EFE355-25A0-4687-B210-279ACD5280DB}" type="datetimeFigureOut">
               <a:rPr lang="zh-CN" altLang="en-US" smtClean="0"/>
-              <a:t>2021/11/9</a:t>
+              <a:t>2021/11/11</a:t>
             </a:fld>
             <a:endParaRPr lang="zh-CN" altLang="en-US"/>
           </a:p>
@@ -4024,9 +4024,10 @@
             <a:avLst/>
           </a:prstGeom>
           <a:solidFill>
-            <a:srgbClr val="FFB3B3">
+            <a:schemeClr val="bg1">
+              <a:lumMod val="75000"/>
               <a:alpha val="50000"/>
-            </a:srgbClr>
+            </a:schemeClr>
           </a:solidFill>
           <a:ln>
             <a:solidFill>
@@ -4103,6 +4104,92 @@
         <p:spPr>
           <a:xfrm>
             <a:off x="43744015" y="16731395"/>
+            <a:ext cx="3505552" cy="844986"/>
+          </a:xfrm>
+          <a:prstGeom prst="rect">
+            <a:avLst/>
+          </a:prstGeom>
+          <a:solidFill>
+            <a:schemeClr val="bg1">
+              <a:lumMod val="75000"/>
+              <a:alpha val="50000"/>
+            </a:schemeClr>
+          </a:solidFill>
+          <a:ln>
+            <a:solidFill>
+              <a:srgbClr val="E28EA6"/>
+            </a:solidFill>
+          </a:ln>
+        </p:spPr>
+        <p:style>
+          <a:lnRef idx="2">
+            <a:schemeClr val="accent3">
+              <a:shade val="50000"/>
+            </a:schemeClr>
+          </a:lnRef>
+          <a:fillRef idx="1">
+            <a:schemeClr val="accent3"/>
+          </a:fillRef>
+          <a:effectRef idx="0">
+            <a:schemeClr val="accent3"/>
+          </a:effectRef>
+          <a:fontRef idx="minor">
+            <a:schemeClr val="lt1"/>
+          </a:fontRef>
+        </p:style>
+        <p:txBody>
+          <a:bodyPr rtlCol="0" anchor="ctr"/>
+          <a:lstStyle/>
+          <a:p>
+            <a:pPr algn="ctr" defTabSz="2700040"/>
+            <a:r>
+              <a:rPr lang="zh-CN" altLang="en-US" sz="3600" dirty="0">
+                <a:solidFill>
+                  <a:srgbClr val="FF7575"/>
+                </a:solidFill>
+                <a:latin typeface="等线" panose="020F0502020204030204"/>
+                <a:ea typeface="等线" panose="02010600030101010101" pitchFamily="2" charset="-122"/>
+              </a:rPr>
+              <a:t>蕾丝肘子</a:t>
+            </a:r>
+            <a:r>
+              <a:rPr lang="en-US" altLang="zh-CN" sz="3600" dirty="0">
+                <a:solidFill>
+                  <a:srgbClr val="FF7575"/>
+                </a:solidFill>
+                <a:latin typeface="等线" panose="020F0502020204030204"/>
+                <a:ea typeface="等线" panose="02010600030101010101" pitchFamily="2" charset="-122"/>
+              </a:rPr>
+              <a:t>d</a:t>
+            </a:r>
+            <a:r>
+              <a:rPr lang="zh-CN" altLang="en-US" sz="3600" dirty="0">
+                <a:solidFill>
+                  <a:srgbClr val="FF7575"/>
+                </a:solidFill>
+                <a:latin typeface="等线" panose="020F0502020204030204"/>
+                <a:ea typeface="等线" panose="02010600030101010101" pitchFamily="2" charset="-122"/>
+              </a:rPr>
+              <a:t>酱</a:t>
+            </a:r>
+          </a:p>
+        </p:txBody>
+      </p:sp>
+      <p:sp>
+        <p:nvSpPr>
+          <p:cNvPr id="21" name="矩形 20">
+            <a:extLst>
+              <a:ext uri="{FF2B5EF4-FFF2-40B4-BE49-F238E27FC236}">
+                <a16:creationId xmlns:a16="http://schemas.microsoft.com/office/drawing/2014/main" id="{C6361996-9AE6-4B99-BDDF-09EA31E26E8A}"/>
+              </a:ext>
+            </a:extLst>
+          </p:cNvPr>
+          <p:cNvSpPr/>
+          <p:nvPr/>
+        </p:nvSpPr>
+        <p:spPr>
+          <a:xfrm>
+            <a:off x="43744015" y="10101217"/>
             <a:ext cx="3505552" cy="844986"/>
           </a:xfrm>
           <a:prstGeom prst="rect">
@@ -4148,7 +4235,7 @@
                 <a:latin typeface="等线" panose="020F0502020204030204"/>
                 <a:ea typeface="等线" panose="02010600030101010101" pitchFamily="2" charset="-122"/>
               </a:rPr>
-              <a:t>蕾丝肘子</a:t>
+              <a:t>蕾丝被子</a:t>
             </a:r>
             <a:r>
               <a:rPr lang="en-US" altLang="zh-CN" sz="3600" dirty="0">
@@ -4175,10 +4262,10 @@
       </p:sp>
       <p:sp>
         <p:nvSpPr>
-          <p:cNvPr id="21" name="矩形 20">
-            <a:extLst>
-              <a:ext uri="{FF2B5EF4-FFF2-40B4-BE49-F238E27FC236}">
-                <a16:creationId xmlns:a16="http://schemas.microsoft.com/office/drawing/2014/main" id="{C6361996-9AE6-4B99-BDDF-09EA31E26E8A}"/>
+          <p:cNvPr id="22" name="矩形 21">
+            <a:extLst>
+              <a:ext uri="{FF2B5EF4-FFF2-40B4-BE49-F238E27FC236}">
+                <a16:creationId xmlns:a16="http://schemas.microsoft.com/office/drawing/2014/main" id="{7D0B4C06-1ACA-4CE2-9377-600CE0838EF4}"/>
               </a:ext>
             </a:extLst>
           </p:cNvPr>
@@ -4187,7 +4274,7 @@
         </p:nvSpPr>
         <p:spPr>
           <a:xfrm>
-            <a:off x="43744015" y="10101217"/>
+            <a:off x="43744015" y="12311277"/>
             <a:ext cx="3505552" cy="844986"/>
           </a:xfrm>
           <a:prstGeom prst="rect">
@@ -4226,25 +4313,137 @@
           <a:p>
             <a:pPr algn="ctr" defTabSz="2700040"/>
             <a:r>
-              <a:rPr lang="zh-CN" altLang="en-US" sz="3600" dirty="0">
+              <a:rPr lang="zh-CN" altLang="en-US" sz="3200" dirty="0">
                 <a:solidFill>
                   <a:srgbClr val="FF7575"/>
                 </a:solidFill>
                 <a:latin typeface="等线" panose="020F0502020204030204"/>
                 <a:ea typeface="等线" panose="02010600030101010101" pitchFamily="2" charset="-122"/>
               </a:rPr>
-              <a:t>蕾丝被子</a:t>
-            </a:r>
-            <a:r>
-              <a:rPr lang="en-US" altLang="zh-CN" sz="3600" dirty="0">
+              <a:t>蕾丝夹馍蘸大酱</a:t>
+            </a:r>
+          </a:p>
+        </p:txBody>
+      </p:sp>
+      <p:sp>
+        <p:nvSpPr>
+          <p:cNvPr id="23" name="矩形 22">
+            <a:extLst>
+              <a:ext uri="{FF2B5EF4-FFF2-40B4-BE49-F238E27FC236}">
+                <a16:creationId xmlns:a16="http://schemas.microsoft.com/office/drawing/2014/main" id="{585AD51B-5406-492A-86E9-B60E53DD2AF7}"/>
+              </a:ext>
+            </a:extLst>
+          </p:cNvPr>
+          <p:cNvSpPr/>
+          <p:nvPr/>
+        </p:nvSpPr>
+        <p:spPr>
+          <a:xfrm>
+            <a:off x="43744015" y="14521335"/>
+            <a:ext cx="3505552" cy="844986"/>
+          </a:xfrm>
+          <a:prstGeom prst="rect">
+            <a:avLst/>
+          </a:prstGeom>
+          <a:solidFill>
+            <a:schemeClr val="bg1">
+              <a:lumMod val="75000"/>
+              <a:alpha val="50000"/>
+            </a:schemeClr>
+          </a:solidFill>
+          <a:ln>
+            <a:solidFill>
+              <a:srgbClr val="E28EA6"/>
+            </a:solidFill>
+          </a:ln>
+        </p:spPr>
+        <p:style>
+          <a:lnRef idx="2">
+            <a:schemeClr val="accent3">
+              <a:shade val="50000"/>
+            </a:schemeClr>
+          </a:lnRef>
+          <a:fillRef idx="1">
+            <a:schemeClr val="accent3"/>
+          </a:fillRef>
+          <a:effectRef idx="0">
+            <a:schemeClr val="accent3"/>
+          </a:effectRef>
+          <a:fontRef idx="minor">
+            <a:schemeClr val="lt1"/>
+          </a:fontRef>
+        </p:style>
+        <p:txBody>
+          <a:bodyPr rtlCol="0" anchor="ctr"/>
+          <a:lstStyle/>
+          <a:p>
+            <a:pPr algn="ctr" defTabSz="2700040"/>
+            <a:r>
+              <a:rPr lang="zh-CN" altLang="en-US" sz="3600" dirty="0">
                 <a:solidFill>
                   <a:srgbClr val="FF7575"/>
                 </a:solidFill>
                 <a:latin typeface="等线" panose="020F0502020204030204"/>
                 <a:ea typeface="等线" panose="02010600030101010101" pitchFamily="2" charset="-122"/>
               </a:rPr>
-              <a:t>d</a:t>
-            </a:r>
+              <a:t>蕾丝面条炸酱</a:t>
+            </a:r>
+          </a:p>
+        </p:txBody>
+      </p:sp>
+      <p:sp>
+        <p:nvSpPr>
+          <p:cNvPr id="24" name="矩形 23">
+            <a:extLst>
+              <a:ext uri="{FF2B5EF4-FFF2-40B4-BE49-F238E27FC236}">
+                <a16:creationId xmlns:a16="http://schemas.microsoft.com/office/drawing/2014/main" id="{4B36B2D5-EDE9-4D40-AA3F-9AEA423FE33A}"/>
+              </a:ext>
+            </a:extLst>
+          </p:cNvPr>
+          <p:cNvSpPr/>
+          <p:nvPr/>
+        </p:nvSpPr>
+        <p:spPr>
+          <a:xfrm>
+            <a:off x="43744015" y="3471037"/>
+            <a:ext cx="3505552" cy="844986"/>
+          </a:xfrm>
+          <a:prstGeom prst="rect">
+            <a:avLst/>
+          </a:prstGeom>
+          <a:solidFill>
+            <a:schemeClr val="bg1">
+              <a:lumMod val="75000"/>
+              <a:alpha val="50000"/>
+            </a:schemeClr>
+          </a:solidFill>
+          <a:ln>
+            <a:solidFill>
+              <a:srgbClr val="E28EA6"/>
+            </a:solidFill>
+          </a:ln>
+        </p:spPr>
+        <p:style>
+          <a:lnRef idx="2">
+            <a:schemeClr val="accent3">
+              <a:shade val="50000"/>
+            </a:schemeClr>
+          </a:lnRef>
+          <a:fillRef idx="1">
+            <a:schemeClr val="accent3"/>
+          </a:fillRef>
+          <a:effectRef idx="0">
+            <a:schemeClr val="accent3"/>
+          </a:effectRef>
+          <a:fontRef idx="minor">
+            <a:schemeClr val="lt1"/>
+          </a:fontRef>
+        </p:style>
+        <p:txBody>
+          <a:bodyPr rtlCol="0" anchor="ctr"/>
+          <a:lstStyle/>
+          <a:p>
+            <a:pPr algn="ctr" defTabSz="2700040"/>
             <a:r>
               <a:rPr lang="zh-CN" altLang="en-US" sz="3600" dirty="0">
                 <a:solidFill>
@@ -4253,6 +4452,26 @@
                 <a:latin typeface="等线" panose="020F0502020204030204"/>
                 <a:ea typeface="等线" panose="02010600030101010101" pitchFamily="2" charset="-122"/>
               </a:rPr>
+              <a:t>蕾丝烧饼</a:t>
+            </a:r>
+            <a:r>
+              <a:rPr lang="en-US" altLang="zh-CN" sz="3600" dirty="0">
+                <a:solidFill>
+                  <a:srgbClr val="FF7575"/>
+                </a:solidFill>
+                <a:latin typeface="等线" panose="020F0502020204030204"/>
+                <a:ea typeface="等线" panose="02010600030101010101" pitchFamily="2" charset="-122"/>
+              </a:rPr>
+              <a:t>d</a:t>
+            </a:r>
+            <a:r>
+              <a:rPr lang="zh-CN" altLang="en-US" sz="3600" dirty="0">
+                <a:solidFill>
+                  <a:srgbClr val="FF7575"/>
+                </a:solidFill>
+                <a:latin typeface="等线" panose="020F0502020204030204"/>
+                <a:ea typeface="等线" panose="02010600030101010101" pitchFamily="2" charset="-122"/>
+              </a:rPr>
               <a:t>酱</a:t>
             </a:r>
           </a:p>
@@ -4260,10 +4479,10 @@
       </p:sp>
       <p:sp>
         <p:nvSpPr>
-          <p:cNvPr id="22" name="矩形 21">
-            <a:extLst>
-              <a:ext uri="{FF2B5EF4-FFF2-40B4-BE49-F238E27FC236}">
-                <a16:creationId xmlns:a16="http://schemas.microsoft.com/office/drawing/2014/main" id="{7D0B4C06-1ACA-4CE2-9377-600CE0838EF4}"/>
+          <p:cNvPr id="25" name="矩形 24">
+            <a:extLst>
+              <a:ext uri="{FF2B5EF4-FFF2-40B4-BE49-F238E27FC236}">
+                <a16:creationId xmlns:a16="http://schemas.microsoft.com/office/drawing/2014/main" id="{649BF719-D0BF-4DDB-9778-AFB5D580929D}"/>
               </a:ext>
             </a:extLst>
           </p:cNvPr>
@@ -4272,7 +4491,7 @@
         </p:nvSpPr>
         <p:spPr>
           <a:xfrm>
-            <a:off x="43744015" y="12311277"/>
+            <a:off x="43744015" y="18941449"/>
             <a:ext cx="3505552" cy="844986"/>
           </a:xfrm>
           <a:prstGeom prst="rect">
@@ -4311,221 +4530,6 @@
           <a:p>
             <a:pPr algn="ctr" defTabSz="2700040"/>
             <a:r>
-              <a:rPr lang="zh-CN" altLang="en-US" sz="3200" dirty="0">
-                <a:solidFill>
-                  <a:srgbClr val="FF7575"/>
-                </a:solidFill>
-                <a:latin typeface="等线" panose="020F0502020204030204"/>
-                <a:ea typeface="等线" panose="02010600030101010101" pitchFamily="2" charset="-122"/>
-              </a:rPr>
-              <a:t>蕾丝夹馍蘸大酱</a:t>
-            </a:r>
-          </a:p>
-        </p:txBody>
-      </p:sp>
-      <p:sp>
-        <p:nvSpPr>
-          <p:cNvPr id="23" name="矩形 22">
-            <a:extLst>
-              <a:ext uri="{FF2B5EF4-FFF2-40B4-BE49-F238E27FC236}">
-                <a16:creationId xmlns:a16="http://schemas.microsoft.com/office/drawing/2014/main" id="{585AD51B-5406-492A-86E9-B60E53DD2AF7}"/>
-              </a:ext>
-            </a:extLst>
-          </p:cNvPr>
-          <p:cNvSpPr/>
-          <p:nvPr/>
-        </p:nvSpPr>
-        <p:spPr>
-          <a:xfrm>
-            <a:off x="43744015" y="14521335"/>
-            <a:ext cx="3505552" cy="844986"/>
-          </a:xfrm>
-          <a:prstGeom prst="rect">
-            <a:avLst/>
-          </a:prstGeom>
-          <a:solidFill>
-            <a:srgbClr val="FFB3B3">
-              <a:alpha val="50000"/>
-            </a:srgbClr>
-          </a:solidFill>
-          <a:ln>
-            <a:solidFill>
-              <a:srgbClr val="E28EA6"/>
-            </a:solidFill>
-          </a:ln>
-        </p:spPr>
-        <p:style>
-          <a:lnRef idx="2">
-            <a:schemeClr val="accent3">
-              <a:shade val="50000"/>
-            </a:schemeClr>
-          </a:lnRef>
-          <a:fillRef idx="1">
-            <a:schemeClr val="accent3"/>
-          </a:fillRef>
-          <a:effectRef idx="0">
-            <a:schemeClr val="accent3"/>
-          </a:effectRef>
-          <a:fontRef idx="minor">
-            <a:schemeClr val="lt1"/>
-          </a:fontRef>
-        </p:style>
-        <p:txBody>
-          <a:bodyPr rtlCol="0" anchor="ctr"/>
-          <a:lstStyle/>
-          <a:p>
-            <a:pPr algn="ctr" defTabSz="2700040"/>
-            <a:r>
-              <a:rPr lang="zh-CN" altLang="en-US" sz="3600" dirty="0">
-                <a:solidFill>
-                  <a:srgbClr val="FF7575"/>
-                </a:solidFill>
-                <a:latin typeface="等线" panose="020F0502020204030204"/>
-                <a:ea typeface="等线" panose="02010600030101010101" pitchFamily="2" charset="-122"/>
-              </a:rPr>
-              <a:t>蕾丝面条炸酱</a:t>
-            </a:r>
-          </a:p>
-        </p:txBody>
-      </p:sp>
-      <p:sp>
-        <p:nvSpPr>
-          <p:cNvPr id="24" name="矩形 23">
-            <a:extLst>
-              <a:ext uri="{FF2B5EF4-FFF2-40B4-BE49-F238E27FC236}">
-                <a16:creationId xmlns:a16="http://schemas.microsoft.com/office/drawing/2014/main" id="{4B36B2D5-EDE9-4D40-AA3F-9AEA423FE33A}"/>
-              </a:ext>
-            </a:extLst>
-          </p:cNvPr>
-          <p:cNvSpPr/>
-          <p:nvPr/>
-        </p:nvSpPr>
-        <p:spPr>
-          <a:xfrm>
-            <a:off x="43744015" y="3471037"/>
-            <a:ext cx="3505552" cy="844986"/>
-          </a:xfrm>
-          <a:prstGeom prst="rect">
-            <a:avLst/>
-          </a:prstGeom>
-          <a:solidFill>
-            <a:srgbClr val="FFB3B3">
-              <a:alpha val="50000"/>
-            </a:srgbClr>
-          </a:solidFill>
-          <a:ln>
-            <a:solidFill>
-              <a:srgbClr val="E28EA6"/>
-            </a:solidFill>
-          </a:ln>
-        </p:spPr>
-        <p:style>
-          <a:lnRef idx="2">
-            <a:schemeClr val="accent3">
-              <a:shade val="50000"/>
-            </a:schemeClr>
-          </a:lnRef>
-          <a:fillRef idx="1">
-            <a:schemeClr val="accent3"/>
-          </a:fillRef>
-          <a:effectRef idx="0">
-            <a:schemeClr val="accent3"/>
-          </a:effectRef>
-          <a:fontRef idx="minor">
-            <a:schemeClr val="lt1"/>
-          </a:fontRef>
-        </p:style>
-        <p:txBody>
-          <a:bodyPr rtlCol="0" anchor="ctr"/>
-          <a:lstStyle/>
-          <a:p>
-            <a:pPr algn="ctr" defTabSz="2700040"/>
-            <a:r>
-              <a:rPr lang="zh-CN" altLang="en-US" sz="3600" dirty="0">
-                <a:solidFill>
-                  <a:srgbClr val="FF7575"/>
-                </a:solidFill>
-                <a:latin typeface="等线" panose="020F0502020204030204"/>
-                <a:ea typeface="等线" panose="02010600030101010101" pitchFamily="2" charset="-122"/>
-              </a:rPr>
-              <a:t>蕾丝烧饼</a:t>
-            </a:r>
-            <a:r>
-              <a:rPr lang="en-US" altLang="zh-CN" sz="3600" dirty="0">
-                <a:solidFill>
-                  <a:srgbClr val="FF7575"/>
-                </a:solidFill>
-                <a:latin typeface="等线" panose="020F0502020204030204"/>
-                <a:ea typeface="等线" panose="02010600030101010101" pitchFamily="2" charset="-122"/>
-              </a:rPr>
-              <a:t>d</a:t>
-            </a:r>
-            <a:r>
-              <a:rPr lang="zh-CN" altLang="en-US" sz="3600" dirty="0">
-                <a:solidFill>
-                  <a:srgbClr val="FF7575"/>
-                </a:solidFill>
-                <a:latin typeface="等线" panose="020F0502020204030204"/>
-                <a:ea typeface="等线" panose="02010600030101010101" pitchFamily="2" charset="-122"/>
-              </a:rPr>
-              <a:t>酱</a:t>
-            </a:r>
-          </a:p>
-        </p:txBody>
-      </p:sp>
-      <p:sp>
-        <p:nvSpPr>
-          <p:cNvPr id="25" name="矩形 24">
-            <a:extLst>
-              <a:ext uri="{FF2B5EF4-FFF2-40B4-BE49-F238E27FC236}">
-                <a16:creationId xmlns:a16="http://schemas.microsoft.com/office/drawing/2014/main" id="{649BF719-D0BF-4DDB-9778-AFB5D580929D}"/>
-              </a:ext>
-            </a:extLst>
-          </p:cNvPr>
-          <p:cNvSpPr/>
-          <p:nvPr/>
-        </p:nvSpPr>
-        <p:spPr>
-          <a:xfrm>
-            <a:off x="43744015" y="18941449"/>
-            <a:ext cx="3505552" cy="844986"/>
-          </a:xfrm>
-          <a:prstGeom prst="rect">
-            <a:avLst/>
-          </a:prstGeom>
-          <a:solidFill>
-            <a:srgbClr val="FFB3B3">
-              <a:alpha val="50000"/>
-            </a:srgbClr>
-          </a:solidFill>
-          <a:ln>
-            <a:solidFill>
-              <a:srgbClr val="E28EA6"/>
-            </a:solidFill>
-          </a:ln>
-        </p:spPr>
-        <p:style>
-          <a:lnRef idx="2">
-            <a:schemeClr val="accent3">
-              <a:shade val="50000"/>
-            </a:schemeClr>
-          </a:lnRef>
-          <a:fillRef idx="1">
-            <a:schemeClr val="accent3"/>
-          </a:fillRef>
-          <a:effectRef idx="0">
-            <a:schemeClr val="accent3"/>
-          </a:effectRef>
-          <a:fontRef idx="minor">
-            <a:schemeClr val="lt1"/>
-          </a:fontRef>
-        </p:style>
-        <p:txBody>
-          <a:bodyPr rtlCol="0" anchor="ctr"/>
-          <a:lstStyle/>
-          <a:p>
-            <a:pPr algn="ctr" defTabSz="2700040"/>
-            <a:r>
               <a:rPr lang="zh-CN" altLang="en-US" sz="3600" dirty="0">
                 <a:solidFill>
                   <a:srgbClr val="FF7575"/>
@@ -4610,13 +4614,36 @@
           <a:lstStyle/>
           <a:p>
             <a:pPr algn="ctr" defTabSz="2700040"/>
-            <a:endParaRPr lang="zh-CN" altLang="en-US" sz="3600">
-              <a:solidFill>
-                <a:srgbClr val="FF7575"/>
-              </a:solidFill>
-              <a:latin typeface="等线" panose="020F0502020204030204"/>
-              <a:ea typeface="等线" panose="02010600030101010101" pitchFamily="2" charset="-122"/>
-            </a:endParaRPr>
+            <a:r>
+              <a:rPr lang="zh-CN" altLang="en-US" sz="2800" dirty="0">
+                <a:solidFill>
+                  <a:srgbClr val="FF7575"/>
+                </a:solidFill>
+                <a:latin typeface="等线" panose="020F0502020204030204"/>
+                <a:ea typeface="等线" panose="02010600030101010101" pitchFamily="2" charset="-122"/>
+              </a:rPr>
+              <a:t>蕾丝流心奶黄包</a:t>
+            </a:r>
+            <a:r>
+              <a:rPr lang="en-US" altLang="zh-CN" sz="2800" dirty="0">
+                <a:solidFill>
+                  <a:srgbClr val="FF7575"/>
+                </a:solidFill>
+                <a:latin typeface="等线" panose="020F0502020204030204"/>
+                <a:ea typeface="等线" panose="02010600030101010101" pitchFamily="2" charset="-122"/>
+              </a:rPr>
+              <a:t>d</a:t>
+            </a:r>
+            <a:r>
+              <a:rPr lang="zh-CN" altLang="en-US" sz="2800" dirty="0">
+                <a:solidFill>
+                  <a:srgbClr val="FF7575"/>
+                </a:solidFill>
+                <a:latin typeface="等线" panose="020F0502020204030204"/>
+                <a:ea typeface="等线" panose="02010600030101010101" pitchFamily="2" charset="-122"/>
+              </a:rPr>
+              <a:t>酱</a:t>
+            </a:r>
           </a:p>
         </p:txBody>
       </p:sp>
@@ -5012,13 +5039,36 @@
           <a:lstStyle/>
           <a:p>
             <a:pPr algn="ctr" defTabSz="2700040"/>
-            <a:endParaRPr lang="zh-CN" altLang="en-US" sz="3600">
-              <a:solidFill>
-                <a:srgbClr val="FF7575"/>
-              </a:solidFill>
-              <a:latin typeface="等线" panose="020F0502020204030204"/>
-              <a:ea typeface="等线" panose="02010600030101010101" pitchFamily="2" charset="-122"/>
-            </a:endParaRPr>
+            <a:r>
+              <a:rPr lang="zh-CN" altLang="en-US" sz="3600" dirty="0">
+                <a:solidFill>
+                  <a:srgbClr val="FF7575"/>
+                </a:solidFill>
+                <a:latin typeface="等线" panose="020F0502020204030204"/>
+                <a:ea typeface="等线" panose="02010600030101010101" pitchFamily="2" charset="-122"/>
+              </a:rPr>
+              <a:t>蕾丝被子</a:t>
+            </a:r>
+            <a:r>
+              <a:rPr lang="en-US" altLang="zh-CN" sz="3600" dirty="0">
+                <a:solidFill>
+                  <a:srgbClr val="FF7575"/>
+                </a:solidFill>
+                <a:latin typeface="等线" panose="020F0502020204030204"/>
+                <a:ea typeface="等线" panose="02010600030101010101" pitchFamily="2" charset="-122"/>
+              </a:rPr>
+              <a:t>d</a:t>
+            </a:r>
+            <a:r>
+              <a:rPr lang="zh-CN" altLang="en-US" sz="3600" dirty="0">
+                <a:solidFill>
+                  <a:srgbClr val="FF7575"/>
+                </a:solidFill>
+                <a:latin typeface="等线" panose="020F0502020204030204"/>
+                <a:ea typeface="等线" panose="02010600030101010101" pitchFamily="2" charset="-122"/>
+              </a:rPr>
+              <a:t>酱</a:t>
+            </a:r>
           </a:p>
         </p:txBody>
       </p:sp>
@@ -5074,13 +5124,16 @@
           <a:lstStyle/>
           <a:p>
             <a:pPr algn="ctr" defTabSz="2700040"/>
-            <a:endParaRPr lang="zh-CN" altLang="en-US" sz="3600">
-              <a:solidFill>
-                <a:srgbClr val="FF7575"/>
-              </a:solidFill>
-              <a:latin typeface="等线" panose="020F0502020204030204"/>
-              <a:ea typeface="等线" panose="02010600030101010101" pitchFamily="2" charset="-122"/>
-            </a:endParaRPr>
+            <a:r>
+              <a:rPr lang="zh-CN" altLang="en-US" sz="3600" dirty="0">
+                <a:solidFill>
+                  <a:srgbClr val="FF7575"/>
+                </a:solidFill>
+                <a:latin typeface="等线" panose="020F0502020204030204"/>
+                <a:ea typeface="等线" panose="02010600030101010101" pitchFamily="2" charset="-122"/>
+              </a:rPr>
+              <a:t>蕾丝夹馍蘸大酱</a:t>
+            </a:r>
           </a:p>
         </p:txBody>
       </p:sp>
@@ -5136,13 +5189,36 @@
           <a:lstStyle/>
           <a:p>
             <a:pPr algn="ctr" defTabSz="2700040"/>
-            <a:endParaRPr lang="zh-CN" altLang="en-US" sz="3600">
-              <a:solidFill>
-                <a:srgbClr val="FF7575"/>
-              </a:solidFill>
-              <a:latin typeface="等线" panose="020F0502020204030204"/>
-              <a:ea typeface="等线" panose="02010600030101010101" pitchFamily="2" charset="-122"/>
-            </a:endParaRPr>
+            <a:r>
+              <a:rPr lang="zh-CN" altLang="en-US" sz="3600" dirty="0">
+                <a:solidFill>
+                  <a:srgbClr val="FF7575"/>
+                </a:solidFill>
+                <a:latin typeface="等线" panose="020F0502020204030204"/>
+                <a:ea typeface="等线" panose="02010600030101010101" pitchFamily="2" charset="-122"/>
+              </a:rPr>
+              <a:t>蕾丝卤煮</a:t>
+            </a:r>
+            <a:r>
+              <a:rPr lang="en-US" altLang="zh-CN" sz="3600" dirty="0">
+                <a:solidFill>
+                  <a:srgbClr val="FF7575"/>
+                </a:solidFill>
+                <a:latin typeface="等线" panose="020F0502020204030204"/>
+                <a:ea typeface="等线" panose="02010600030101010101" pitchFamily="2" charset="-122"/>
+              </a:rPr>
+              <a:t>d</a:t>
+            </a:r>
+            <a:r>
+              <a:rPr lang="zh-CN" altLang="en-US" sz="3600" dirty="0">
+                <a:solidFill>
+                  <a:srgbClr val="FF7575"/>
+                </a:solidFill>
+                <a:latin typeface="等线" panose="020F0502020204030204"/>
+                <a:ea typeface="等线" panose="02010600030101010101" pitchFamily="2" charset="-122"/>
+              </a:rPr>
+              <a:t>酱</a:t>
+            </a:r>
           </a:p>
         </p:txBody>
       </p:sp>
@@ -6485,7 +6561,9 @@
           </a:prstGeom>
           <a:ln w="12700">
             <a:solidFill>
-              <a:srgbClr val="E28EA6"/>
+              <a:schemeClr val="bg1">
+                <a:lumMod val="75000"/>
+              </a:schemeClr>
             </a:solidFill>
             <a:headEnd type="none" w="med" len="med"/>
             <a:tailEnd type="arrow" w="med" len="med"/>
@@ -6534,7 +6612,9 @@
           </a:prstGeom>
           <a:ln w="12700">
             <a:solidFill>
-              <a:srgbClr val="E28EA6"/>
+              <a:schemeClr val="bg1">
+                <a:lumMod val="75000"/>
+              </a:schemeClr>
             </a:solidFill>
             <a:headEnd type="none" w="med" len="med"/>
             <a:tailEnd type="arrow" w="med" len="med"/>
@@ -6632,7 +6712,9 @@
           </a:prstGeom>
           <a:ln w="12700">
             <a:solidFill>
-              <a:srgbClr val="E28EA6"/>
+              <a:schemeClr val="bg1">
+                <a:lumMod val="75000"/>
+              </a:schemeClr>
             </a:solidFill>
             <a:headEnd type="none" w="med" len="med"/>
             <a:tailEnd type="arrow" w="med" len="med"/>
@@ -6779,7 +6861,9 @@
           </a:prstGeom>
           <a:ln w="12700">
             <a:solidFill>
-              <a:srgbClr val="E28EA6"/>
+              <a:schemeClr val="bg1">
+                <a:lumMod val="75000"/>
+              </a:schemeClr>
             </a:solidFill>
             <a:headEnd type="none" w="med" len="med"/>
             <a:tailEnd type="arrow" w="med" len="med"/>
@@ -7439,10 +7523,10 @@
       </p:sp>
       <p:sp>
         <p:nvSpPr>
-          <p:cNvPr id="98" name="文本框 97">
-            <a:extLst>
-              <a:ext uri="{FF2B5EF4-FFF2-40B4-BE49-F238E27FC236}">
-                <a16:creationId xmlns:a16="http://schemas.microsoft.com/office/drawing/2014/main" id="{B035C3A2-51E5-411A-9D70-962664B6ACA1}"/>
+          <p:cNvPr id="81" name="文本框 80">
+            <a:extLst>
+              <a:ext uri="{FF2B5EF4-FFF2-40B4-BE49-F238E27FC236}">
+                <a16:creationId xmlns:a16="http://schemas.microsoft.com/office/drawing/2014/main" id="{602EB266-66BF-4BA1-A001-61A471A24A86}"/>
               </a:ext>
             </a:extLst>
           </p:cNvPr>
@@ -7451,8 +7535,8 @@
         </p:nvSpPr>
         <p:spPr>
           <a:xfrm>
-            <a:off x="44382384" y="4576429"/>
-            <a:ext cx="2044149" cy="646331"/>
+            <a:off x="1826317" y="3656166"/>
+            <a:ext cx="418704" cy="646331"/>
           </a:xfrm>
           <a:prstGeom prst="rect">
             <a:avLst/>
@@ -7467,29 +7551,18 @@
           <a:p>
             <a:r>
               <a:rPr lang="en-US" altLang="zh-CN" sz="3600" dirty="0"/>
-              <a:t>11</a:t>
-            </a:r>
-            <a:r>
-              <a:rPr lang="zh-CN" altLang="en-US" sz="3600" dirty="0"/>
-              <a:t>月</a:t>
-            </a:r>
-            <a:r>
-              <a:rPr lang="en-US" altLang="zh-CN" sz="3600" dirty="0"/>
-              <a:t>10</a:t>
-            </a:r>
-            <a:r>
-              <a:rPr lang="zh-CN" altLang="en-US" sz="3600" dirty="0"/>
-              <a:t>日</a:t>
-            </a:r>
-          </a:p>
-        </p:txBody>
-      </p:sp>
-      <p:sp>
-        <p:nvSpPr>
-          <p:cNvPr id="100" name="文本框 99">
-            <a:extLst>
-              <a:ext uri="{FF2B5EF4-FFF2-40B4-BE49-F238E27FC236}">
-                <a16:creationId xmlns:a16="http://schemas.microsoft.com/office/drawing/2014/main" id="{2FD47DAF-3F84-4B7E-832A-49CE36E0E82F}"/>
+              <a:t>5</a:t>
+            </a:r>
+            <a:endParaRPr lang="zh-CN" altLang="en-US" sz="3600" dirty="0"/>
+          </a:p>
+        </p:txBody>
+      </p:sp>
+      <p:sp>
+        <p:nvSpPr>
+          <p:cNvPr id="83" name="文本框 82">
+            <a:extLst>
+              <a:ext uri="{FF2B5EF4-FFF2-40B4-BE49-F238E27FC236}">
+                <a16:creationId xmlns:a16="http://schemas.microsoft.com/office/drawing/2014/main" id="{465E9A25-FF70-49B3-B7E8-34F18CCE80F7}"/>
               </a:ext>
             </a:extLst>
           </p:cNvPr>
@@ -7498,8 +7571,8 @@
         </p:nvSpPr>
         <p:spPr>
           <a:xfrm>
-            <a:off x="44350640" y="9042865"/>
-            <a:ext cx="2044149" cy="646331"/>
+            <a:off x="1709298" y="7994400"/>
+            <a:ext cx="652743" cy="646331"/>
           </a:xfrm>
           <a:prstGeom prst="rect">
             <a:avLst/>
@@ -7514,29 +7587,18 @@
           <a:p>
             <a:r>
               <a:rPr lang="en-US" altLang="zh-CN" sz="3600" dirty="0"/>
-              <a:t>11</a:t>
-            </a:r>
-            <a:r>
-              <a:rPr lang="zh-CN" altLang="en-US" sz="3600" dirty="0"/>
-              <a:t>月</a:t>
-            </a:r>
-            <a:r>
-              <a:rPr lang="en-US" altLang="zh-CN" sz="3600" dirty="0"/>
-              <a:t>10</a:t>
-            </a:r>
-            <a:r>
-              <a:rPr lang="zh-CN" altLang="en-US" sz="3600" dirty="0"/>
-              <a:t>日</a:t>
-            </a:r>
-          </a:p>
-        </p:txBody>
-      </p:sp>
-      <p:sp>
-        <p:nvSpPr>
-          <p:cNvPr id="101" name="文本框 100">
-            <a:extLst>
-              <a:ext uri="{FF2B5EF4-FFF2-40B4-BE49-F238E27FC236}">
-                <a16:creationId xmlns:a16="http://schemas.microsoft.com/office/drawing/2014/main" id="{23284A4F-D2E7-475C-A47A-98CBEB3F0BF0}"/>
+              <a:t>21</a:t>
+            </a:r>
+            <a:endParaRPr lang="zh-CN" altLang="en-US" sz="3600" dirty="0"/>
+          </a:p>
+        </p:txBody>
+      </p:sp>
+      <p:sp>
+        <p:nvSpPr>
+          <p:cNvPr id="84" name="文本框 83">
+            <a:extLst>
+              <a:ext uri="{FF2B5EF4-FFF2-40B4-BE49-F238E27FC236}">
+                <a16:creationId xmlns:a16="http://schemas.microsoft.com/office/drawing/2014/main" id="{D14B6CCF-2F64-4235-85A6-3F57235E7FD6}"/>
               </a:ext>
             </a:extLst>
           </p:cNvPr>
@@ -7545,8 +7607,8 @@
         </p:nvSpPr>
         <p:spPr>
           <a:xfrm>
-            <a:off x="44350640" y="13469461"/>
-            <a:ext cx="2044149" cy="646331"/>
+            <a:off x="1826317" y="10257187"/>
+            <a:ext cx="418704" cy="646331"/>
           </a:xfrm>
           <a:prstGeom prst="rect">
             <a:avLst/>
@@ -7561,29 +7623,18 @@
           <a:p>
             <a:r>
               <a:rPr lang="en-US" altLang="zh-CN" sz="3600" dirty="0"/>
-              <a:t>11</a:t>
-            </a:r>
-            <a:r>
-              <a:rPr lang="zh-CN" altLang="en-US" sz="3600" dirty="0"/>
-              <a:t>月</a:t>
-            </a:r>
-            <a:r>
-              <a:rPr lang="en-US" altLang="zh-CN" sz="3600" dirty="0"/>
-              <a:t>11</a:t>
-            </a:r>
-            <a:r>
-              <a:rPr lang="zh-CN" altLang="en-US" sz="3600" dirty="0"/>
-              <a:t>日</a:t>
-            </a:r>
-          </a:p>
-        </p:txBody>
-      </p:sp>
-      <p:sp>
-        <p:nvSpPr>
-          <p:cNvPr id="102" name="文本框 101">
-            <a:extLst>
-              <a:ext uri="{FF2B5EF4-FFF2-40B4-BE49-F238E27FC236}">
-                <a16:creationId xmlns:a16="http://schemas.microsoft.com/office/drawing/2014/main" id="{D52D070E-9068-4D3F-8860-58C6D2D35B53}"/>
+              <a:t>5</a:t>
+            </a:r>
+            <a:endParaRPr lang="zh-CN" altLang="en-US" sz="3600" dirty="0"/>
+          </a:p>
+        </p:txBody>
+      </p:sp>
+      <p:sp>
+        <p:nvSpPr>
+          <p:cNvPr id="86" name="文本框 85">
+            <a:extLst>
+              <a:ext uri="{FF2B5EF4-FFF2-40B4-BE49-F238E27FC236}">
+                <a16:creationId xmlns:a16="http://schemas.microsoft.com/office/drawing/2014/main" id="{99C9C860-6D76-47D0-9689-21C3F2A300B6}"/>
               </a:ext>
             </a:extLst>
           </p:cNvPr>
@@ -7592,8 +7643,8 @@
         </p:nvSpPr>
         <p:spPr>
           <a:xfrm>
-            <a:off x="44350640" y="17887949"/>
-            <a:ext cx="2044149" cy="646331"/>
+            <a:off x="1709298" y="12410597"/>
+            <a:ext cx="652743" cy="646331"/>
           </a:xfrm>
           <a:prstGeom prst="rect">
             <a:avLst/>
@@ -7608,29 +7659,18 @@
           <a:p>
             <a:r>
               <a:rPr lang="en-US" altLang="zh-CN" sz="3600" dirty="0"/>
-              <a:t>11</a:t>
-            </a:r>
-            <a:r>
-              <a:rPr lang="zh-CN" altLang="en-US" sz="3600" dirty="0"/>
-              <a:t>月</a:t>
-            </a:r>
-            <a:r>
-              <a:rPr lang="en-US" altLang="zh-CN" sz="3600" dirty="0"/>
-              <a:t>11</a:t>
-            </a:r>
-            <a:r>
-              <a:rPr lang="zh-CN" altLang="en-US" sz="3600" dirty="0"/>
-              <a:t>日</a:t>
-            </a:r>
-          </a:p>
-        </p:txBody>
-      </p:sp>
-      <p:sp>
-        <p:nvSpPr>
-          <p:cNvPr id="81" name="文本框 80">
-            <a:extLst>
-              <a:ext uri="{FF2B5EF4-FFF2-40B4-BE49-F238E27FC236}">
-                <a16:creationId xmlns:a16="http://schemas.microsoft.com/office/drawing/2014/main" id="{602EB266-66BF-4BA1-A001-61A471A24A86}"/>
+              <a:t>12</a:t>
+            </a:r>
+            <a:endParaRPr lang="zh-CN" altLang="en-US" sz="3600" dirty="0"/>
+          </a:p>
+        </p:txBody>
+      </p:sp>
+      <p:sp>
+        <p:nvSpPr>
+          <p:cNvPr id="87" name="文本框 86">
+            <a:extLst>
+              <a:ext uri="{FF2B5EF4-FFF2-40B4-BE49-F238E27FC236}">
+                <a16:creationId xmlns:a16="http://schemas.microsoft.com/office/drawing/2014/main" id="{9C541734-3CC1-4C1B-8D4E-B781C04ADA75}"/>
               </a:ext>
             </a:extLst>
           </p:cNvPr>
@@ -7639,7 +7679,7 @@
         </p:nvSpPr>
         <p:spPr>
           <a:xfrm>
-            <a:off x="1826317" y="3656166"/>
+            <a:off x="1826317" y="14619358"/>
             <a:ext cx="418704" cy="646331"/>
           </a:xfrm>
           <a:prstGeom prst="rect">
@@ -7655,7 +7695,7 @@
           <a:p>
             <a:r>
               <a:rPr lang="en-US" altLang="zh-CN" sz="3600" dirty="0"/>
-              <a:t>5</a:t>
+              <a:t>7</a:t>
             </a:r>
             <a:endParaRPr lang="zh-CN" altLang="en-US" sz="3600" dirty="0"/>
           </a:p>
@@ -7663,10 +7703,10 @@
       </p:sp>
       <p:sp>
         <p:nvSpPr>
-          <p:cNvPr id="83" name="文本框 82">
-            <a:extLst>
-              <a:ext uri="{FF2B5EF4-FFF2-40B4-BE49-F238E27FC236}">
-                <a16:creationId xmlns:a16="http://schemas.microsoft.com/office/drawing/2014/main" id="{465E9A25-FF70-49B3-B7E8-34F18CCE80F7}"/>
+          <p:cNvPr id="89" name="文本框 88">
+            <a:extLst>
+              <a:ext uri="{FF2B5EF4-FFF2-40B4-BE49-F238E27FC236}">
+                <a16:creationId xmlns:a16="http://schemas.microsoft.com/office/drawing/2014/main" id="{6D220199-75F4-49E2-AF2D-A833E5B91F7E}"/>
               </a:ext>
             </a:extLst>
           </p:cNvPr>
@@ -7675,8 +7715,8 @@
         </p:nvSpPr>
         <p:spPr>
           <a:xfrm>
-            <a:off x="1709298" y="7994400"/>
-            <a:ext cx="652743" cy="646331"/>
+            <a:off x="1826317" y="16806842"/>
+            <a:ext cx="418704" cy="646331"/>
           </a:xfrm>
           <a:prstGeom prst="rect">
             <a:avLst/>
@@ -7691,7 +7731,7 @@
           <a:p>
             <a:r>
               <a:rPr lang="en-US" altLang="zh-CN" sz="3600" dirty="0"/>
-              <a:t>21</a:t>
+              <a:t>3</a:t>
             </a:r>
             <a:endParaRPr lang="zh-CN" altLang="en-US" sz="3600" dirty="0"/>
           </a:p>
@@ -7699,10 +7739,10 @@
       </p:sp>
       <p:sp>
         <p:nvSpPr>
-          <p:cNvPr id="84" name="文本框 83">
-            <a:extLst>
-              <a:ext uri="{FF2B5EF4-FFF2-40B4-BE49-F238E27FC236}">
-                <a16:creationId xmlns:a16="http://schemas.microsoft.com/office/drawing/2014/main" id="{D14B6CCF-2F64-4235-85A6-3F57235E7FD6}"/>
+          <p:cNvPr id="92" name="文本框 91">
+            <a:extLst>
+              <a:ext uri="{FF2B5EF4-FFF2-40B4-BE49-F238E27FC236}">
+                <a16:creationId xmlns:a16="http://schemas.microsoft.com/office/drawing/2014/main" id="{9C6CD075-4BEF-4B9F-9B4B-E8E4033627DC}"/>
               </a:ext>
             </a:extLst>
           </p:cNvPr>
@@ -7711,8 +7751,8 @@
         </p:nvSpPr>
         <p:spPr>
           <a:xfrm>
-            <a:off x="1826317" y="10257187"/>
-            <a:ext cx="418704" cy="646331"/>
+            <a:off x="1709298" y="19074303"/>
+            <a:ext cx="652743" cy="646331"/>
           </a:xfrm>
           <a:prstGeom prst="rect">
             <a:avLst/>
@@ -7727,7 +7767,7 @@
           <a:p>
             <a:r>
               <a:rPr lang="en-US" altLang="zh-CN" sz="3600" dirty="0"/>
-              <a:t>5</a:t>
+              <a:t>16</a:t>
             </a:r>
             <a:endParaRPr lang="zh-CN" altLang="en-US" sz="3600" dirty="0"/>
           </a:p>
@@ -7735,10 +7775,10 @@
       </p:sp>
       <p:sp>
         <p:nvSpPr>
-          <p:cNvPr id="86" name="文本框 85">
-            <a:extLst>
-              <a:ext uri="{FF2B5EF4-FFF2-40B4-BE49-F238E27FC236}">
-                <a16:creationId xmlns:a16="http://schemas.microsoft.com/office/drawing/2014/main" id="{99C9C860-6D76-47D0-9689-21C3F2A300B6}"/>
+          <p:cNvPr id="94" name="文本框 93">
+            <a:extLst>
+              <a:ext uri="{FF2B5EF4-FFF2-40B4-BE49-F238E27FC236}">
+                <a16:creationId xmlns:a16="http://schemas.microsoft.com/office/drawing/2014/main" id="{2A8B771F-96E6-4165-AEBE-F14ABE15FEDF}"/>
               </a:ext>
             </a:extLst>
           </p:cNvPr>
@@ -7747,8 +7787,8 @@
         </p:nvSpPr>
         <p:spPr>
           <a:xfrm>
-            <a:off x="1709298" y="12410597"/>
-            <a:ext cx="652743" cy="646331"/>
+            <a:off x="47865723" y="3570364"/>
+            <a:ext cx="418704" cy="646331"/>
           </a:xfrm>
           <a:prstGeom prst="rect">
             <a:avLst/>
@@ -7763,7 +7803,7 @@
           <a:p>
             <a:r>
               <a:rPr lang="en-US" altLang="zh-CN" sz="3600" dirty="0"/>
-              <a:t>12</a:t>
+              <a:t>9</a:t>
             </a:r>
             <a:endParaRPr lang="zh-CN" altLang="en-US" sz="3600" dirty="0"/>
           </a:p>
@@ -7771,10 +7811,10 @@
       </p:sp>
       <p:sp>
         <p:nvSpPr>
-          <p:cNvPr id="87" name="文本框 86">
-            <a:extLst>
-              <a:ext uri="{FF2B5EF4-FFF2-40B4-BE49-F238E27FC236}">
-                <a16:creationId xmlns:a16="http://schemas.microsoft.com/office/drawing/2014/main" id="{9C541734-3CC1-4C1B-8D4E-B781C04ADA75}"/>
+          <p:cNvPr id="95" name="文本框 94">
+            <a:extLst>
+              <a:ext uri="{FF2B5EF4-FFF2-40B4-BE49-F238E27FC236}">
+                <a16:creationId xmlns:a16="http://schemas.microsoft.com/office/drawing/2014/main" id="{87E69A20-ACF4-4A7F-B83F-6186A3282799}"/>
               </a:ext>
             </a:extLst>
           </p:cNvPr>
@@ -7783,8 +7823,8 @@
         </p:nvSpPr>
         <p:spPr>
           <a:xfrm>
-            <a:off x="1826317" y="14619358"/>
-            <a:ext cx="418704" cy="646331"/>
+            <a:off x="47748704" y="5780422"/>
+            <a:ext cx="652743" cy="646331"/>
           </a:xfrm>
           <a:prstGeom prst="rect">
             <a:avLst/>
@@ -7799,7 +7839,7 @@
           <a:p>
             <a:r>
               <a:rPr lang="en-US" altLang="zh-CN" sz="3600" dirty="0"/>
-              <a:t>7</a:t>
+              <a:t>18</a:t>
             </a:r>
             <a:endParaRPr lang="zh-CN" altLang="en-US" sz="3600" dirty="0"/>
           </a:p>
@@ -7807,10 +7847,10 @@
       </p:sp>
       <p:sp>
         <p:nvSpPr>
-          <p:cNvPr id="89" name="文本框 88">
-            <a:extLst>
-              <a:ext uri="{FF2B5EF4-FFF2-40B4-BE49-F238E27FC236}">
-                <a16:creationId xmlns:a16="http://schemas.microsoft.com/office/drawing/2014/main" id="{6D220199-75F4-49E2-AF2D-A833E5B91F7E}"/>
+          <p:cNvPr id="97" name="文本框 96">
+            <a:extLst>
+              <a:ext uri="{FF2B5EF4-FFF2-40B4-BE49-F238E27FC236}">
+                <a16:creationId xmlns:a16="http://schemas.microsoft.com/office/drawing/2014/main" id="{E94A56B7-51DC-46E8-BD4B-9F47250CC2F7}"/>
               </a:ext>
             </a:extLst>
           </p:cNvPr>
@@ -7819,8 +7859,8 @@
         </p:nvSpPr>
         <p:spPr>
           <a:xfrm>
-            <a:off x="1826317" y="16806842"/>
-            <a:ext cx="418704" cy="646331"/>
+            <a:off x="47748704" y="7891157"/>
+            <a:ext cx="652743" cy="646331"/>
           </a:xfrm>
           <a:prstGeom prst="rect">
             <a:avLst/>
@@ -7835,7 +7875,7 @@
           <a:p>
             <a:r>
               <a:rPr lang="en-US" altLang="zh-CN" sz="3600" dirty="0"/>
-              <a:t>3</a:t>
+              <a:t>13</a:t>
             </a:r>
             <a:endParaRPr lang="zh-CN" altLang="en-US" sz="3600" dirty="0"/>
           </a:p>
@@ -7843,10 +7883,10 @@
       </p:sp>
       <p:sp>
         <p:nvSpPr>
-          <p:cNvPr id="92" name="文本框 91">
-            <a:extLst>
-              <a:ext uri="{FF2B5EF4-FFF2-40B4-BE49-F238E27FC236}">
-                <a16:creationId xmlns:a16="http://schemas.microsoft.com/office/drawing/2014/main" id="{9C6CD075-4BEF-4B9F-9B4B-E8E4033627DC}"/>
+          <p:cNvPr id="103" name="文本框 102">
+            <a:extLst>
+              <a:ext uri="{FF2B5EF4-FFF2-40B4-BE49-F238E27FC236}">
+                <a16:creationId xmlns:a16="http://schemas.microsoft.com/office/drawing/2014/main" id="{75E9EFEF-BB09-4511-AFDB-6CFCF2599472}"/>
               </a:ext>
             </a:extLst>
           </p:cNvPr>
@@ -7855,7 +7895,7 @@
         </p:nvSpPr>
         <p:spPr>
           <a:xfrm>
-            <a:off x="1709298" y="19074303"/>
+            <a:off x="47748704" y="10255753"/>
             <a:ext cx="652743" cy="646331"/>
           </a:xfrm>
           <a:prstGeom prst="rect">
@@ -7871,9 +7911,341 @@
           <a:p>
             <a:r>
               <a:rPr lang="en-US" altLang="zh-CN" sz="3600" dirty="0"/>
+              <a:t>14</a:t>
+            </a:r>
+            <a:endParaRPr lang="zh-CN" altLang="en-US" sz="3600" dirty="0"/>
+          </a:p>
+        </p:txBody>
+      </p:sp>
+      <p:sp>
+        <p:nvSpPr>
+          <p:cNvPr id="98" name="文本框 97">
+            <a:extLst>
+              <a:ext uri="{FF2B5EF4-FFF2-40B4-BE49-F238E27FC236}">
+                <a16:creationId xmlns:a16="http://schemas.microsoft.com/office/drawing/2014/main" id="{713562FB-9CE0-4DEB-B227-F7FA4C26A7E1}"/>
+              </a:ext>
+            </a:extLst>
+          </p:cNvPr>
+          <p:cNvSpPr txBox="1"/>
+          <p:nvPr/>
+        </p:nvSpPr>
+        <p:spPr>
+          <a:xfrm>
+            <a:off x="47748704" y="12410597"/>
+            <a:ext cx="652743" cy="646331"/>
+          </a:xfrm>
+          <a:prstGeom prst="rect">
+            <a:avLst/>
+          </a:prstGeom>
+          <a:noFill/>
+        </p:spPr>
+        <p:txBody>
+          <a:bodyPr wrap="none" rtlCol="0">
+            <a:spAutoFit/>
+          </a:bodyPr>
+          <a:lstStyle/>
+          <a:p>
+            <a:r>
+              <a:rPr lang="en-US" altLang="zh-CN" sz="3600" dirty="0"/>
+              <a:t>11</a:t>
+            </a:r>
+            <a:endParaRPr lang="zh-CN" altLang="en-US" sz="3600" dirty="0"/>
+          </a:p>
+        </p:txBody>
+      </p:sp>
+      <p:sp>
+        <p:nvSpPr>
+          <p:cNvPr id="100" name="文本框 99">
+            <a:extLst>
+              <a:ext uri="{FF2B5EF4-FFF2-40B4-BE49-F238E27FC236}">
+                <a16:creationId xmlns:a16="http://schemas.microsoft.com/office/drawing/2014/main" id="{0A662970-A0AC-4DE9-9FAC-049E73051D8A}"/>
+              </a:ext>
+            </a:extLst>
+          </p:cNvPr>
+          <p:cNvSpPr txBox="1"/>
+          <p:nvPr/>
+        </p:nvSpPr>
+        <p:spPr>
+          <a:xfrm>
+            <a:off x="47748704" y="14619358"/>
+            <a:ext cx="652743" cy="646331"/>
+          </a:xfrm>
+          <a:prstGeom prst="rect">
+            <a:avLst/>
+          </a:prstGeom>
+          <a:noFill/>
+        </p:spPr>
+        <p:txBody>
+          <a:bodyPr wrap="none" rtlCol="0">
+            <a:spAutoFit/>
+          </a:bodyPr>
+          <a:lstStyle/>
+          <a:p>
+            <a:r>
+              <a:rPr lang="en-US" altLang="zh-CN" sz="3600" dirty="0"/>
+              <a:t>10</a:t>
+            </a:r>
+            <a:endParaRPr lang="zh-CN" altLang="en-US" sz="3600" dirty="0"/>
+          </a:p>
+        </p:txBody>
+      </p:sp>
+      <p:sp>
+        <p:nvSpPr>
+          <p:cNvPr id="104" name="文本框 103">
+            <a:extLst>
+              <a:ext uri="{FF2B5EF4-FFF2-40B4-BE49-F238E27FC236}">
+                <a16:creationId xmlns:a16="http://schemas.microsoft.com/office/drawing/2014/main" id="{B25F9466-E8E5-4725-A72B-DFE7EBBA11C6}"/>
+              </a:ext>
+            </a:extLst>
+          </p:cNvPr>
+          <p:cNvSpPr txBox="1"/>
+          <p:nvPr/>
+        </p:nvSpPr>
+        <p:spPr>
+          <a:xfrm>
+            <a:off x="47865723" y="16829084"/>
+            <a:ext cx="418704" cy="646331"/>
+          </a:xfrm>
+          <a:prstGeom prst="rect">
+            <a:avLst/>
+          </a:prstGeom>
+          <a:noFill/>
+        </p:spPr>
+        <p:txBody>
+          <a:bodyPr wrap="none" rtlCol="0">
+            <a:spAutoFit/>
+          </a:bodyPr>
+          <a:lstStyle/>
+          <a:p>
+            <a:r>
+              <a:rPr lang="en-US" altLang="zh-CN" sz="3600" dirty="0"/>
+              <a:t>9</a:t>
+            </a:r>
+            <a:endParaRPr lang="zh-CN" altLang="en-US" sz="3600" dirty="0"/>
+          </a:p>
+        </p:txBody>
+      </p:sp>
+      <p:sp>
+        <p:nvSpPr>
+          <p:cNvPr id="105" name="文本框 104">
+            <a:extLst>
+              <a:ext uri="{FF2B5EF4-FFF2-40B4-BE49-F238E27FC236}">
+                <a16:creationId xmlns:a16="http://schemas.microsoft.com/office/drawing/2014/main" id="{09D21BE9-2679-4AAC-A8A1-CF78F19D2D0C}"/>
+              </a:ext>
+            </a:extLst>
+          </p:cNvPr>
+          <p:cNvSpPr txBox="1"/>
+          <p:nvPr/>
+        </p:nvSpPr>
+        <p:spPr>
+          <a:xfrm>
+            <a:off x="47748704" y="19126236"/>
+            <a:ext cx="652743" cy="646331"/>
+          </a:xfrm>
+          <a:prstGeom prst="rect">
+            <a:avLst/>
+          </a:prstGeom>
+          <a:noFill/>
+        </p:spPr>
+        <p:txBody>
+          <a:bodyPr wrap="none" rtlCol="0">
+            <a:spAutoFit/>
+          </a:bodyPr>
+          <a:lstStyle/>
+          <a:p>
+            <a:r>
+              <a:rPr lang="en-US" altLang="zh-CN" sz="3600" dirty="0"/>
+              <a:t>12</a:t>
+            </a:r>
+            <a:endParaRPr lang="zh-CN" altLang="en-US" sz="3600" dirty="0"/>
+          </a:p>
+        </p:txBody>
+      </p:sp>
+      <p:sp>
+        <p:nvSpPr>
+          <p:cNvPr id="101" name="文本框 100">
+            <a:extLst>
+              <a:ext uri="{FF2B5EF4-FFF2-40B4-BE49-F238E27FC236}">
+                <a16:creationId xmlns:a16="http://schemas.microsoft.com/office/drawing/2014/main" id="{7EAF20AF-8A42-46DA-B811-CA3DBAD2B558}"/>
+              </a:ext>
+            </a:extLst>
+          </p:cNvPr>
+          <p:cNvSpPr txBox="1"/>
+          <p:nvPr/>
+        </p:nvSpPr>
+        <p:spPr>
+          <a:xfrm>
+            <a:off x="8221735" y="6893570"/>
+            <a:ext cx="2044149" cy="646331"/>
+          </a:xfrm>
+          <a:prstGeom prst="rect">
+            <a:avLst/>
+          </a:prstGeom>
+          <a:noFill/>
+        </p:spPr>
+        <p:txBody>
+          <a:bodyPr wrap="none" rtlCol="0">
+            <a:spAutoFit/>
+          </a:bodyPr>
+          <a:lstStyle/>
+          <a:p>
+            <a:r>
+              <a:rPr lang="en-US" altLang="zh-CN" sz="3600" dirty="0"/>
+              <a:t>11</a:t>
+            </a:r>
+            <a:r>
+              <a:rPr lang="zh-CN" altLang="en-US" sz="3600" dirty="0"/>
+              <a:t>月</a:t>
+            </a:r>
+            <a:r>
+              <a:rPr lang="en-US" altLang="zh-CN" sz="3600" dirty="0"/>
+              <a:t>15</a:t>
+            </a:r>
+            <a:r>
+              <a:rPr lang="zh-CN" altLang="en-US" sz="3600" dirty="0"/>
+              <a:t>日</a:t>
+            </a:r>
+          </a:p>
+        </p:txBody>
+      </p:sp>
+      <p:sp>
+        <p:nvSpPr>
+          <p:cNvPr id="102" name="文本框 101">
+            <a:extLst>
+              <a:ext uri="{FF2B5EF4-FFF2-40B4-BE49-F238E27FC236}">
+                <a16:creationId xmlns:a16="http://schemas.microsoft.com/office/drawing/2014/main" id="{A4A7842F-6B61-49F7-8F1F-48A22CB6EEBF}"/>
+              </a:ext>
+            </a:extLst>
+          </p:cNvPr>
+          <p:cNvSpPr txBox="1"/>
+          <p:nvPr/>
+        </p:nvSpPr>
+        <p:spPr>
+          <a:xfrm>
+            <a:off x="8371999" y="15789239"/>
+            <a:ext cx="2044149" cy="646331"/>
+          </a:xfrm>
+          <a:prstGeom prst="rect">
+            <a:avLst/>
+          </a:prstGeom>
+          <a:noFill/>
+        </p:spPr>
+        <p:txBody>
+          <a:bodyPr wrap="none" rtlCol="0">
+            <a:spAutoFit/>
+          </a:bodyPr>
+          <a:lstStyle/>
+          <a:p>
+            <a:r>
+              <a:rPr lang="en-US" altLang="zh-CN" sz="3600" dirty="0"/>
+              <a:t>11</a:t>
+            </a:r>
+            <a:r>
+              <a:rPr lang="zh-CN" altLang="en-US" sz="3600" dirty="0"/>
+              <a:t>月</a:t>
+            </a:r>
+            <a:r>
+              <a:rPr lang="en-US" altLang="zh-CN" sz="3600" dirty="0"/>
+              <a:t>15</a:t>
+            </a:r>
+            <a:r>
+              <a:rPr lang="zh-CN" altLang="en-US" sz="3600" dirty="0"/>
+              <a:t>日</a:t>
+            </a:r>
+          </a:p>
+        </p:txBody>
+      </p:sp>
+      <p:sp>
+        <p:nvSpPr>
+          <p:cNvPr id="106" name="文本框 105">
+            <a:extLst>
+              <a:ext uri="{FF2B5EF4-FFF2-40B4-BE49-F238E27FC236}">
+                <a16:creationId xmlns:a16="http://schemas.microsoft.com/office/drawing/2014/main" id="{0225E2B9-0DEE-4646-8711-2732131102E2}"/>
+              </a:ext>
+            </a:extLst>
+          </p:cNvPr>
+          <p:cNvSpPr txBox="1"/>
+          <p:nvPr/>
+        </p:nvSpPr>
+        <p:spPr>
+          <a:xfrm>
+            <a:off x="39604838" y="6898768"/>
+            <a:ext cx="2044149" cy="646331"/>
+          </a:xfrm>
+          <a:prstGeom prst="rect">
+            <a:avLst/>
+          </a:prstGeom>
+          <a:noFill/>
+        </p:spPr>
+        <p:txBody>
+          <a:bodyPr wrap="none" rtlCol="0">
+            <a:spAutoFit/>
+          </a:bodyPr>
+          <a:lstStyle/>
+          <a:p>
+            <a:r>
+              <a:rPr lang="en-US" altLang="zh-CN" sz="3600" dirty="0"/>
+              <a:t>11</a:t>
+            </a:r>
+            <a:r>
+              <a:rPr lang="zh-CN" altLang="en-US" sz="3600" dirty="0"/>
+              <a:t>月</a:t>
+            </a:r>
+            <a:r>
+              <a:rPr lang="en-US" altLang="zh-CN" sz="3600" dirty="0"/>
               <a:t>16</a:t>
             </a:r>
-            <a:endParaRPr lang="zh-CN" altLang="en-US" sz="3600" dirty="0"/>
+            <a:r>
+              <a:rPr lang="zh-CN" altLang="en-US" sz="3600" dirty="0"/>
+              <a:t>日</a:t>
+            </a:r>
+          </a:p>
+        </p:txBody>
+      </p:sp>
+      <p:sp>
+        <p:nvSpPr>
+          <p:cNvPr id="107" name="文本框 106">
+            <a:extLst>
+              <a:ext uri="{FF2B5EF4-FFF2-40B4-BE49-F238E27FC236}">
+                <a16:creationId xmlns:a16="http://schemas.microsoft.com/office/drawing/2014/main" id="{B534A0EB-E2BD-4FD6-91E3-62BBDD78A004}"/>
+              </a:ext>
+            </a:extLst>
+          </p:cNvPr>
+          <p:cNvSpPr txBox="1"/>
+          <p:nvPr/>
+        </p:nvSpPr>
+        <p:spPr>
+          <a:xfrm>
+            <a:off x="39479310" y="15789239"/>
+            <a:ext cx="2044149" cy="646331"/>
+          </a:xfrm>
+          <a:prstGeom prst="rect">
+            <a:avLst/>
+          </a:prstGeom>
+          <a:noFill/>
+        </p:spPr>
+        <p:txBody>
+          <a:bodyPr wrap="none" rtlCol="0">
+            <a:spAutoFit/>
+          </a:bodyPr>
+          <a:lstStyle/>
+          <a:p>
+            <a:r>
+              <a:rPr lang="en-US" altLang="zh-CN" sz="3600" dirty="0"/>
+              <a:t>11</a:t>
+            </a:r>
+            <a:r>
+              <a:rPr lang="zh-CN" altLang="en-US" sz="3600" dirty="0"/>
+              <a:t>月</a:t>
+            </a:r>
+            <a:r>
+              <a:rPr lang="en-US" altLang="zh-CN" sz="3600" dirty="0"/>
+              <a:t>16</a:t>
+            </a:r>
+            <a:r>
+              <a:rPr lang="zh-CN" altLang="en-US" sz="3600" dirty="0"/>
+              <a:t>日</a:t>
+            </a:r>
           </a:p>
         </p:txBody>
       </p:sp>

--- a/documents/race_profile/淘汰赛.pptx
+++ b/documents/race_profile/淘汰赛.pptx
@@ -243,7 +243,7 @@
           <a:p>
             <a:fld id="{58EFE355-25A0-4687-B210-279ACD5280DB}" type="datetimeFigureOut">
               <a:rPr lang="zh-CN" altLang="en-US" smtClean="0"/>
-              <a:t>2021/11/11</a:t>
+              <a:t>2021/11/15</a:t>
             </a:fld>
             <a:endParaRPr lang="zh-CN" altLang="en-US"/>
           </a:p>
@@ -413,7 +413,7 @@
           <a:p>
             <a:fld id="{58EFE355-25A0-4687-B210-279ACD5280DB}" type="datetimeFigureOut">
               <a:rPr lang="zh-CN" altLang="en-US" smtClean="0"/>
-              <a:t>2021/11/11</a:t>
+              <a:t>2021/11/15</a:t>
             </a:fld>
             <a:endParaRPr lang="zh-CN" altLang="en-US"/>
           </a:p>
@@ -593,7 +593,7 @@
           <a:p>
             <a:fld id="{58EFE355-25A0-4687-B210-279ACD5280DB}" type="datetimeFigureOut">
               <a:rPr lang="zh-CN" altLang="en-US" smtClean="0"/>
-              <a:t>2021/11/11</a:t>
+              <a:t>2021/11/15</a:t>
             </a:fld>
             <a:endParaRPr lang="zh-CN" altLang="en-US"/>
           </a:p>
@@ -763,7 +763,7 @@
           <a:p>
             <a:fld id="{58EFE355-25A0-4687-B210-279ACD5280DB}" type="datetimeFigureOut">
               <a:rPr lang="zh-CN" altLang="en-US" smtClean="0"/>
-              <a:t>2021/11/11</a:t>
+              <a:t>2021/11/15</a:t>
             </a:fld>
             <a:endParaRPr lang="zh-CN" altLang="en-US"/>
           </a:p>
@@ -1009,7 +1009,7 @@
           <a:p>
             <a:fld id="{58EFE355-25A0-4687-B210-279ACD5280DB}" type="datetimeFigureOut">
               <a:rPr lang="zh-CN" altLang="en-US" smtClean="0"/>
-              <a:t>2021/11/11</a:t>
+              <a:t>2021/11/15</a:t>
             </a:fld>
             <a:endParaRPr lang="zh-CN" altLang="en-US"/>
           </a:p>
@@ -1241,7 +1241,7 @@
           <a:p>
             <a:fld id="{58EFE355-25A0-4687-B210-279ACD5280DB}" type="datetimeFigureOut">
               <a:rPr lang="zh-CN" altLang="en-US" smtClean="0"/>
-              <a:t>2021/11/11</a:t>
+              <a:t>2021/11/15</a:t>
             </a:fld>
             <a:endParaRPr lang="zh-CN" altLang="en-US"/>
           </a:p>
@@ -1608,7 +1608,7 @@
           <a:p>
             <a:fld id="{58EFE355-25A0-4687-B210-279ACD5280DB}" type="datetimeFigureOut">
               <a:rPr lang="zh-CN" altLang="en-US" smtClean="0"/>
-              <a:t>2021/11/11</a:t>
+              <a:t>2021/11/15</a:t>
             </a:fld>
             <a:endParaRPr lang="zh-CN" altLang="en-US"/>
           </a:p>
@@ -1726,7 +1726,7 @@
           <a:p>
             <a:fld id="{58EFE355-25A0-4687-B210-279ACD5280DB}" type="datetimeFigureOut">
               <a:rPr lang="zh-CN" altLang="en-US" smtClean="0"/>
-              <a:t>2021/11/11</a:t>
+              <a:t>2021/11/15</a:t>
             </a:fld>
             <a:endParaRPr lang="zh-CN" altLang="en-US"/>
           </a:p>
@@ -1821,7 +1821,7 @@
           <a:p>
             <a:fld id="{58EFE355-25A0-4687-B210-279ACD5280DB}" type="datetimeFigureOut">
               <a:rPr lang="zh-CN" altLang="en-US" smtClean="0"/>
-              <a:t>2021/11/11</a:t>
+              <a:t>2021/11/15</a:t>
             </a:fld>
             <a:endParaRPr lang="zh-CN" altLang="en-US"/>
           </a:p>
@@ -2098,7 +2098,7 @@
           <a:p>
             <a:fld id="{58EFE355-25A0-4687-B210-279ACD5280DB}" type="datetimeFigureOut">
               <a:rPr lang="zh-CN" altLang="en-US" smtClean="0"/>
-              <a:t>2021/11/11</a:t>
+              <a:t>2021/11/15</a:t>
             </a:fld>
             <a:endParaRPr lang="zh-CN" altLang="en-US"/>
           </a:p>
@@ -2355,7 +2355,7 @@
           <a:p>
             <a:fld id="{58EFE355-25A0-4687-B210-279ACD5280DB}" type="datetimeFigureOut">
               <a:rPr lang="zh-CN" altLang="en-US" smtClean="0"/>
-              <a:t>2021/11/11</a:t>
+              <a:t>2021/11/15</a:t>
             </a:fld>
             <a:endParaRPr lang="zh-CN" altLang="en-US"/>
           </a:p>
@@ -2568,7 +2568,7 @@
           <a:p>
             <a:fld id="{58EFE355-25A0-4687-B210-279ACD5280DB}" type="datetimeFigureOut">
               <a:rPr lang="zh-CN" altLang="en-US" smtClean="0"/>
-              <a:t>2021/11/11</a:t>
+              <a:t>2021/11/15</a:t>
             </a:fld>
             <a:endParaRPr lang="zh-CN" altLang="en-US"/>
           </a:p>
@@ -4753,9 +4753,10 @@
             <a:avLst/>
           </a:prstGeom>
           <a:solidFill>
-            <a:srgbClr val="FFB3B3">
+            <a:schemeClr val="bg1">
+              <a:lumMod val="75000"/>
               <a:alpha val="60000"/>
-            </a:srgbClr>
+            </a:schemeClr>
           </a:solidFill>
           <a:ln>
             <a:solidFill>
@@ -4923,9 +4924,10 @@
             <a:avLst/>
           </a:prstGeom>
           <a:solidFill>
-            <a:srgbClr val="FFB3B3">
+            <a:schemeClr val="bg1">
+              <a:lumMod val="75000"/>
               <a:alpha val="60000"/>
-            </a:srgbClr>
+            </a:schemeClr>
           </a:solidFill>
           <a:ln>
             <a:solidFill>
@@ -5274,13 +5276,36 @@
           <a:lstStyle/>
           <a:p>
             <a:pPr algn="ctr" defTabSz="2700040"/>
-            <a:endParaRPr lang="zh-CN" altLang="en-US" sz="3600">
-              <a:solidFill>
-                <a:srgbClr val="FF7575"/>
-              </a:solidFill>
-              <a:latin typeface="等线" panose="020F0502020204030204"/>
-              <a:ea typeface="等线" panose="02010600030101010101" pitchFamily="2" charset="-122"/>
-            </a:endParaRPr>
+            <a:r>
+              <a:rPr lang="zh-CN" altLang="en-US" sz="3600" dirty="0">
+                <a:solidFill>
+                  <a:srgbClr val="FF7575"/>
+                </a:solidFill>
+                <a:latin typeface="等线" panose="020F0502020204030204"/>
+                <a:ea typeface="等线" panose="02010600030101010101" pitchFamily="2" charset="-122"/>
+              </a:rPr>
+              <a:t>蕾丝傻狍子</a:t>
+            </a:r>
+            <a:r>
+              <a:rPr lang="en-US" altLang="zh-CN" sz="3600" dirty="0">
+                <a:solidFill>
+                  <a:srgbClr val="FF7575"/>
+                </a:solidFill>
+                <a:latin typeface="等线" panose="020F0502020204030204"/>
+                <a:ea typeface="等线" panose="02010600030101010101" pitchFamily="2" charset="-122"/>
+              </a:rPr>
+              <a:t>d</a:t>
+            </a:r>
+            <a:r>
+              <a:rPr lang="zh-CN" altLang="en-US" sz="3600" dirty="0">
+                <a:solidFill>
+                  <a:srgbClr val="FF7575"/>
+                </a:solidFill>
+                <a:latin typeface="等线" panose="020F0502020204030204"/>
+                <a:ea typeface="等线" panose="02010600030101010101" pitchFamily="2" charset="-122"/>
+              </a:rPr>
+              <a:t>酱</a:t>
+            </a:r>
           </a:p>
         </p:txBody>
       </p:sp>
@@ -5336,13 +5361,36 @@
           <a:lstStyle/>
           <a:p>
             <a:pPr algn="ctr" defTabSz="2700040"/>
-            <a:endParaRPr lang="zh-CN" altLang="en-US" sz="3600">
-              <a:solidFill>
-                <a:srgbClr val="FF7575"/>
-              </a:solidFill>
-              <a:latin typeface="等线" panose="020F0502020204030204"/>
-              <a:ea typeface="等线" panose="02010600030101010101" pitchFamily="2" charset="-122"/>
-            </a:endParaRPr>
+            <a:r>
+              <a:rPr lang="zh-CN" altLang="en-US" sz="2800" dirty="0">
+                <a:solidFill>
+                  <a:srgbClr val="FF7575"/>
+                </a:solidFill>
+                <a:latin typeface="等线" panose="020F0502020204030204"/>
+                <a:ea typeface="等线" panose="02010600030101010101" pitchFamily="2" charset="-122"/>
+              </a:rPr>
+              <a:t>蕾丝纸包不住火</a:t>
+            </a:r>
+            <a:r>
+              <a:rPr lang="en-US" altLang="zh-CN" sz="2800" dirty="0">
+                <a:solidFill>
+                  <a:srgbClr val="FF7575"/>
+                </a:solidFill>
+                <a:latin typeface="等线" panose="020F0502020204030204"/>
+                <a:ea typeface="等线" panose="02010600030101010101" pitchFamily="2" charset="-122"/>
+              </a:rPr>
+              <a:t>d</a:t>
+            </a:r>
+            <a:r>
+              <a:rPr lang="zh-CN" altLang="en-US" sz="2800" dirty="0">
+                <a:solidFill>
+                  <a:srgbClr val="FF7575"/>
+                </a:solidFill>
+                <a:latin typeface="等线" panose="020F0502020204030204"/>
+                <a:ea typeface="等线" panose="02010600030101010101" pitchFamily="2" charset="-122"/>
+              </a:rPr>
+              <a:t>酱</a:t>
+            </a:r>
           </a:p>
         </p:txBody>
       </p:sp>
@@ -8063,10 +8111,10 @@
       </p:sp>
       <p:sp>
         <p:nvSpPr>
-          <p:cNvPr id="101" name="文本框 100">
-            <a:extLst>
-              <a:ext uri="{FF2B5EF4-FFF2-40B4-BE49-F238E27FC236}">
-                <a16:creationId xmlns:a16="http://schemas.microsoft.com/office/drawing/2014/main" id="{7EAF20AF-8A42-46DA-B811-CA3DBAD2B558}"/>
+          <p:cNvPr id="106" name="文本框 105">
+            <a:extLst>
+              <a:ext uri="{FF2B5EF4-FFF2-40B4-BE49-F238E27FC236}">
+                <a16:creationId xmlns:a16="http://schemas.microsoft.com/office/drawing/2014/main" id="{0225E2B9-0DEE-4646-8711-2732131102E2}"/>
               </a:ext>
             </a:extLst>
           </p:cNvPr>
@@ -8075,7 +8123,7 @@
         </p:nvSpPr>
         <p:spPr>
           <a:xfrm>
-            <a:off x="8221735" y="6893570"/>
+            <a:off x="39604838" y="6898768"/>
             <a:ext cx="2044149" cy="646331"/>
           </a:xfrm>
           <a:prstGeom prst="rect">
@@ -8099,7 +8147,7 @@
             </a:r>
             <a:r>
               <a:rPr lang="en-US" altLang="zh-CN" sz="3600" dirty="0"/>
-              <a:t>15</a:t>
+              <a:t>16</a:t>
             </a:r>
             <a:r>
               <a:rPr lang="zh-CN" altLang="en-US" sz="3600" dirty="0"/>
@@ -8110,10 +8158,10 @@
       </p:sp>
       <p:sp>
         <p:nvSpPr>
-          <p:cNvPr id="102" name="文本框 101">
-            <a:extLst>
-              <a:ext uri="{FF2B5EF4-FFF2-40B4-BE49-F238E27FC236}">
-                <a16:creationId xmlns:a16="http://schemas.microsoft.com/office/drawing/2014/main" id="{A4A7842F-6B61-49F7-8F1F-48A22CB6EEBF}"/>
+          <p:cNvPr id="107" name="文本框 106">
+            <a:extLst>
+              <a:ext uri="{FF2B5EF4-FFF2-40B4-BE49-F238E27FC236}">
+                <a16:creationId xmlns:a16="http://schemas.microsoft.com/office/drawing/2014/main" id="{B534A0EB-E2BD-4FD6-91E3-62BBDD78A004}"/>
               </a:ext>
             </a:extLst>
           </p:cNvPr>
@@ -8122,7 +8170,7 @@
         </p:nvSpPr>
         <p:spPr>
           <a:xfrm>
-            <a:off x="8371999" y="15789239"/>
+            <a:off x="39479310" y="15789239"/>
             <a:ext cx="2044149" cy="646331"/>
           </a:xfrm>
           <a:prstGeom prst="rect">
@@ -8146,7 +8194,7 @@
             </a:r>
             <a:r>
               <a:rPr lang="en-US" altLang="zh-CN" sz="3600" dirty="0"/>
-              <a:t>15</a:t>
+              <a:t>16</a:t>
             </a:r>
             <a:r>
               <a:rPr lang="zh-CN" altLang="en-US" sz="3600" dirty="0"/>
@@ -8157,10 +8205,10 @@
       </p:sp>
       <p:sp>
         <p:nvSpPr>
-          <p:cNvPr id="106" name="文本框 105">
-            <a:extLst>
-              <a:ext uri="{FF2B5EF4-FFF2-40B4-BE49-F238E27FC236}">
-                <a16:creationId xmlns:a16="http://schemas.microsoft.com/office/drawing/2014/main" id="{0225E2B9-0DEE-4646-8711-2732131102E2}"/>
+          <p:cNvPr id="108" name="文本框 107">
+            <a:extLst>
+              <a:ext uri="{FF2B5EF4-FFF2-40B4-BE49-F238E27FC236}">
+                <a16:creationId xmlns:a16="http://schemas.microsoft.com/office/drawing/2014/main" id="{AA2B8AAA-8ADC-472E-823D-5B680CDF70C3}"/>
               </a:ext>
             </a:extLst>
           </p:cNvPr>
@@ -8169,8 +8217,8 @@
         </p:nvSpPr>
         <p:spPr>
           <a:xfrm>
-            <a:off x="39604838" y="6898768"/>
-            <a:ext cx="2044149" cy="646331"/>
+            <a:off x="8946711" y="5667043"/>
+            <a:ext cx="652743" cy="646331"/>
           </a:xfrm>
           <a:prstGeom prst="rect">
             <a:avLst/>
@@ -8185,29 +8233,18 @@
           <a:p>
             <a:r>
               <a:rPr lang="en-US" altLang="zh-CN" sz="3600" dirty="0"/>
-              <a:t>11</a:t>
-            </a:r>
-            <a:r>
-              <a:rPr lang="zh-CN" altLang="en-US" sz="3600" dirty="0"/>
-              <a:t>月</a:t>
-            </a:r>
-            <a:r>
-              <a:rPr lang="en-US" altLang="zh-CN" sz="3600" dirty="0"/>
-              <a:t>16</a:t>
-            </a:r>
-            <a:r>
-              <a:rPr lang="zh-CN" altLang="en-US" sz="3600" dirty="0"/>
-              <a:t>日</a:t>
-            </a:r>
-          </a:p>
-        </p:txBody>
-      </p:sp>
-      <p:sp>
-        <p:nvSpPr>
-          <p:cNvPr id="107" name="文本框 106">
-            <a:extLst>
-              <a:ext uri="{FF2B5EF4-FFF2-40B4-BE49-F238E27FC236}">
-                <a16:creationId xmlns:a16="http://schemas.microsoft.com/office/drawing/2014/main" id="{B534A0EB-E2BD-4FD6-91E3-62BBDD78A004}"/>
+              <a:t>19</a:t>
+            </a:r>
+            <a:endParaRPr lang="zh-CN" altLang="en-US" sz="3600" dirty="0"/>
+          </a:p>
+        </p:txBody>
+      </p:sp>
+      <p:sp>
+        <p:nvSpPr>
+          <p:cNvPr id="109" name="文本框 108">
+            <a:extLst>
+              <a:ext uri="{FF2B5EF4-FFF2-40B4-BE49-F238E27FC236}">
+                <a16:creationId xmlns:a16="http://schemas.microsoft.com/office/drawing/2014/main" id="{D8C532A6-B18E-40B3-891D-0BE54594090B}"/>
               </a:ext>
             </a:extLst>
           </p:cNvPr>
@@ -8216,8 +8253,8 @@
         </p:nvSpPr>
         <p:spPr>
           <a:xfrm>
-            <a:off x="39479310" y="15789239"/>
-            <a:ext cx="2044149" cy="646331"/>
+            <a:off x="9013644" y="7957485"/>
+            <a:ext cx="418704" cy="646331"/>
           </a:xfrm>
           <a:prstGeom prst="rect">
             <a:avLst/>
@@ -8232,20 +8269,81 @@
           <a:p>
             <a:r>
               <a:rPr lang="en-US" altLang="zh-CN" sz="3600" dirty="0"/>
-              <a:t>11</a:t>
-            </a:r>
-            <a:r>
-              <a:rPr lang="zh-CN" altLang="en-US" sz="3600" dirty="0"/>
-              <a:t>月</a:t>
-            </a:r>
+              <a:t>5</a:t>
+            </a:r>
+            <a:endParaRPr lang="zh-CN" altLang="en-US" sz="3600" dirty="0"/>
+          </a:p>
+        </p:txBody>
+      </p:sp>
+      <p:sp>
+        <p:nvSpPr>
+          <p:cNvPr id="110" name="文本框 109">
+            <a:extLst>
+              <a:ext uri="{FF2B5EF4-FFF2-40B4-BE49-F238E27FC236}">
+                <a16:creationId xmlns:a16="http://schemas.microsoft.com/office/drawing/2014/main" id="{53A872A9-11C9-40F4-85B3-C1E8950FED5E}"/>
+              </a:ext>
+            </a:extLst>
+          </p:cNvPr>
+          <p:cNvSpPr txBox="1"/>
+          <p:nvPr/>
+        </p:nvSpPr>
+        <p:spPr>
+          <a:xfrm>
+            <a:off x="8954797" y="14619358"/>
+            <a:ext cx="418704" cy="646331"/>
+          </a:xfrm>
+          <a:prstGeom prst="rect">
+            <a:avLst/>
+          </a:prstGeom>
+          <a:noFill/>
+        </p:spPr>
+        <p:txBody>
+          <a:bodyPr wrap="none" rtlCol="0">
+            <a:spAutoFit/>
+          </a:bodyPr>
+          <a:lstStyle/>
+          <a:p>
             <a:r>
               <a:rPr lang="en-US" altLang="zh-CN" sz="3600" dirty="0"/>
-              <a:t>16</a:t>
-            </a:r>
-            <a:r>
-              <a:rPr lang="zh-CN" altLang="en-US" sz="3600" dirty="0"/>
-              <a:t>日</a:t>
-            </a:r>
+              <a:t>4</a:t>
+            </a:r>
+            <a:endParaRPr lang="zh-CN" altLang="en-US" sz="3600" dirty="0"/>
+          </a:p>
+        </p:txBody>
+      </p:sp>
+      <p:sp>
+        <p:nvSpPr>
+          <p:cNvPr id="111" name="文本框 110">
+            <a:extLst>
+              <a:ext uri="{FF2B5EF4-FFF2-40B4-BE49-F238E27FC236}">
+                <a16:creationId xmlns:a16="http://schemas.microsoft.com/office/drawing/2014/main" id="{C3589006-1F84-44F4-9646-99081AA5DCA3}"/>
+              </a:ext>
+            </a:extLst>
+          </p:cNvPr>
+          <p:cNvSpPr txBox="1"/>
+          <p:nvPr/>
+        </p:nvSpPr>
+        <p:spPr>
+          <a:xfrm>
+            <a:off x="8806567" y="17056860"/>
+            <a:ext cx="652743" cy="646331"/>
+          </a:xfrm>
+          <a:prstGeom prst="rect">
+            <a:avLst/>
+          </a:prstGeom>
+          <a:noFill/>
+        </p:spPr>
+        <p:txBody>
+          <a:bodyPr wrap="none" rtlCol="0">
+            <a:spAutoFit/>
+          </a:bodyPr>
+          <a:lstStyle/>
+          <a:p>
+            <a:r>
+              <a:rPr lang="en-US" altLang="zh-CN" sz="3600" dirty="0"/>
+              <a:t>20</a:t>
+            </a:r>
+            <a:endParaRPr lang="zh-CN" altLang="en-US" sz="3600" dirty="0"/>
           </a:p>
         </p:txBody>
       </p:sp>

--- a/documents/race_profile/淘汰赛.pptx
+++ b/documents/race_profile/淘汰赛.pptx
@@ -243,7 +243,7 @@
           <a:p>
             <a:fld id="{58EFE355-25A0-4687-B210-279ACD5280DB}" type="datetimeFigureOut">
               <a:rPr lang="zh-CN" altLang="en-US" smtClean="0"/>
-              <a:t>2021/11/15</a:t>
+              <a:t>2021/11/16</a:t>
             </a:fld>
             <a:endParaRPr lang="zh-CN" altLang="en-US"/>
           </a:p>
@@ -413,7 +413,7 @@
           <a:p>
             <a:fld id="{58EFE355-25A0-4687-B210-279ACD5280DB}" type="datetimeFigureOut">
               <a:rPr lang="zh-CN" altLang="en-US" smtClean="0"/>
-              <a:t>2021/11/15</a:t>
+              <a:t>2021/11/16</a:t>
             </a:fld>
             <a:endParaRPr lang="zh-CN" altLang="en-US"/>
           </a:p>
@@ -593,7 +593,7 @@
           <a:p>
             <a:fld id="{58EFE355-25A0-4687-B210-279ACD5280DB}" type="datetimeFigureOut">
               <a:rPr lang="zh-CN" altLang="en-US" smtClean="0"/>
-              <a:t>2021/11/15</a:t>
+              <a:t>2021/11/16</a:t>
             </a:fld>
             <a:endParaRPr lang="zh-CN" altLang="en-US"/>
           </a:p>
@@ -763,7 +763,7 @@
           <a:p>
             <a:fld id="{58EFE355-25A0-4687-B210-279ACD5280DB}" type="datetimeFigureOut">
               <a:rPr lang="zh-CN" altLang="en-US" smtClean="0"/>
-              <a:t>2021/11/15</a:t>
+              <a:t>2021/11/16</a:t>
             </a:fld>
             <a:endParaRPr lang="zh-CN" altLang="en-US"/>
           </a:p>
@@ -1009,7 +1009,7 @@
           <a:p>
             <a:fld id="{58EFE355-25A0-4687-B210-279ACD5280DB}" type="datetimeFigureOut">
               <a:rPr lang="zh-CN" altLang="en-US" smtClean="0"/>
-              <a:t>2021/11/15</a:t>
+              <a:t>2021/11/16</a:t>
             </a:fld>
             <a:endParaRPr lang="zh-CN" altLang="en-US"/>
           </a:p>
@@ -1241,7 +1241,7 @@
           <a:p>
             <a:fld id="{58EFE355-25A0-4687-B210-279ACD5280DB}" type="datetimeFigureOut">
               <a:rPr lang="zh-CN" altLang="en-US" smtClean="0"/>
-              <a:t>2021/11/15</a:t>
+              <a:t>2021/11/16</a:t>
             </a:fld>
             <a:endParaRPr lang="zh-CN" altLang="en-US"/>
           </a:p>
@@ -1608,7 +1608,7 @@
           <a:p>
             <a:fld id="{58EFE355-25A0-4687-B210-279ACD5280DB}" type="datetimeFigureOut">
               <a:rPr lang="zh-CN" altLang="en-US" smtClean="0"/>
-              <a:t>2021/11/15</a:t>
+              <a:t>2021/11/16</a:t>
             </a:fld>
             <a:endParaRPr lang="zh-CN" altLang="en-US"/>
           </a:p>
@@ -1726,7 +1726,7 @@
           <a:p>
             <a:fld id="{58EFE355-25A0-4687-B210-279ACD5280DB}" type="datetimeFigureOut">
               <a:rPr lang="zh-CN" altLang="en-US" smtClean="0"/>
-              <a:t>2021/11/15</a:t>
+              <a:t>2021/11/16</a:t>
             </a:fld>
             <a:endParaRPr lang="zh-CN" altLang="en-US"/>
           </a:p>
@@ -1821,7 +1821,7 @@
           <a:p>
             <a:fld id="{58EFE355-25A0-4687-B210-279ACD5280DB}" type="datetimeFigureOut">
               <a:rPr lang="zh-CN" altLang="en-US" smtClean="0"/>
-              <a:t>2021/11/15</a:t>
+              <a:t>2021/11/16</a:t>
             </a:fld>
             <a:endParaRPr lang="zh-CN" altLang="en-US"/>
           </a:p>
@@ -2098,7 +2098,7 @@
           <a:p>
             <a:fld id="{58EFE355-25A0-4687-B210-279ACD5280DB}" type="datetimeFigureOut">
               <a:rPr lang="zh-CN" altLang="en-US" smtClean="0"/>
-              <a:t>2021/11/15</a:t>
+              <a:t>2021/11/16</a:t>
             </a:fld>
             <a:endParaRPr lang="zh-CN" altLang="en-US"/>
           </a:p>
@@ -2355,7 +2355,7 @@
           <a:p>
             <a:fld id="{58EFE355-25A0-4687-B210-279ACD5280DB}" type="datetimeFigureOut">
               <a:rPr lang="zh-CN" altLang="en-US" smtClean="0"/>
-              <a:t>2021/11/15</a:t>
+              <a:t>2021/11/16</a:t>
             </a:fld>
             <a:endParaRPr lang="zh-CN" altLang="en-US"/>
           </a:p>
@@ -2568,7 +2568,7 @@
           <a:p>
             <a:fld id="{58EFE355-25A0-4687-B210-279ACD5280DB}" type="datetimeFigureOut">
               <a:rPr lang="zh-CN" altLang="en-US" smtClean="0"/>
-              <a:t>2021/11/15</a:t>
+              <a:t>2021/11/16</a:t>
             </a:fld>
             <a:endParaRPr lang="zh-CN" altLang="en-US"/>
           </a:p>
@@ -4583,9 +4583,10 @@
             <a:avLst/>
           </a:prstGeom>
           <a:solidFill>
-            <a:srgbClr val="FFB3B3">
+            <a:schemeClr val="bg1">
+              <a:lumMod val="75000"/>
               <a:alpha val="60000"/>
-            </a:srgbClr>
+            </a:schemeClr>
           </a:solidFill>
           <a:ln>
             <a:solidFill>
@@ -5160,9 +5161,10 @@
             <a:avLst/>
           </a:prstGeom>
           <a:solidFill>
-            <a:srgbClr val="FFB3B3">
+            <a:schemeClr val="bg1">
+              <a:lumMod val="75000"/>
               <a:alpha val="60000"/>
-            </a:srgbClr>
+            </a:schemeClr>
           </a:solidFill>
           <a:ln>
             <a:solidFill>
@@ -5446,13 +5448,36 @@
           <a:lstStyle/>
           <a:p>
             <a:pPr algn="ctr" defTabSz="2700040"/>
-            <a:endParaRPr lang="zh-CN" altLang="en-US" sz="3600">
-              <a:solidFill>
-                <a:srgbClr val="FF7575"/>
-              </a:solidFill>
-              <a:latin typeface="等线" panose="020F0502020204030204"/>
-              <a:ea typeface="等线" panose="02010600030101010101" pitchFamily="2" charset="-122"/>
-            </a:endParaRPr>
+            <a:r>
+              <a:rPr lang="zh-CN" altLang="en-US" sz="3600" dirty="0">
+                <a:solidFill>
+                  <a:srgbClr val="FF7575"/>
+                </a:solidFill>
+                <a:latin typeface="等线" panose="020F0502020204030204"/>
+                <a:ea typeface="等线" panose="02010600030101010101" pitchFamily="2" charset="-122"/>
+              </a:rPr>
+              <a:t>蕾丝被子</a:t>
+            </a:r>
+            <a:r>
+              <a:rPr lang="en-US" altLang="zh-CN" sz="3600" dirty="0">
+                <a:solidFill>
+                  <a:srgbClr val="FF7575"/>
+                </a:solidFill>
+                <a:latin typeface="等线" panose="020F0502020204030204"/>
+                <a:ea typeface="等线" panose="02010600030101010101" pitchFamily="2" charset="-122"/>
+              </a:rPr>
+              <a:t>d</a:t>
+            </a:r>
+            <a:r>
+              <a:rPr lang="zh-CN" altLang="en-US" sz="3600" dirty="0">
+                <a:solidFill>
+                  <a:srgbClr val="FF7575"/>
+                </a:solidFill>
+                <a:latin typeface="等线" panose="020F0502020204030204"/>
+                <a:ea typeface="等线" panose="02010600030101010101" pitchFamily="2" charset="-122"/>
+              </a:rPr>
+              <a:t>酱</a:t>
+            </a:r>
           </a:p>
         </p:txBody>
       </p:sp>
@@ -5508,13 +5533,16 @@
           <a:lstStyle/>
           <a:p>
             <a:pPr algn="ctr" defTabSz="2700040"/>
-            <a:endParaRPr lang="zh-CN" altLang="en-US" sz="3600">
-              <a:solidFill>
-                <a:srgbClr val="FF7575"/>
-              </a:solidFill>
-              <a:latin typeface="等线" panose="020F0502020204030204"/>
-              <a:ea typeface="等线" panose="02010600030101010101" pitchFamily="2" charset="-122"/>
-            </a:endParaRPr>
+            <a:r>
+              <a:rPr lang="zh-CN" altLang="en-US" sz="3600" dirty="0">
+                <a:solidFill>
+                  <a:srgbClr val="FF7575"/>
+                </a:solidFill>
+                <a:latin typeface="等线" panose="020F0502020204030204"/>
+                <a:ea typeface="等线" panose="02010600030101010101" pitchFamily="2" charset="-122"/>
+              </a:rPr>
+              <a:t>蕾丝夹馍蘸大酱</a:t>
+            </a:r>
           </a:p>
         </p:txBody>
       </p:sp>
@@ -6172,7 +6200,9 @@
           </a:prstGeom>
           <a:ln w="12700">
             <a:solidFill>
-              <a:srgbClr val="E28EA6"/>
+              <a:schemeClr val="bg1">
+                <a:lumMod val="75000"/>
+              </a:schemeClr>
             </a:solidFill>
             <a:headEnd type="none" w="med" len="med"/>
             <a:tailEnd type="arrow" w="med" len="med"/>
@@ -6221,7 +6251,9 @@
           </a:prstGeom>
           <a:ln w="12700">
             <a:solidFill>
-              <a:srgbClr val="E28EA6"/>
+              <a:schemeClr val="bg1">
+                <a:lumMod val="75000"/>
+              </a:schemeClr>
             </a:solidFill>
             <a:headEnd type="none" w="med" len="med"/>
             <a:tailEnd type="arrow" w="med" len="med"/>
@@ -6319,7 +6351,9 @@
           </a:prstGeom>
           <a:ln w="12700">
             <a:solidFill>
-              <a:srgbClr val="E28EA6"/>
+              <a:schemeClr val="bg1">
+                <a:lumMod val="75000"/>
+              </a:schemeClr>
             </a:solidFill>
             <a:headEnd type="none" w="med" len="med"/>
             <a:tailEnd type="arrow" w="med" len="med"/>
@@ -6466,7 +6500,9 @@
           </a:prstGeom>
           <a:ln w="12700">
             <a:solidFill>
-              <a:srgbClr val="E28EA6"/>
+              <a:schemeClr val="bg1">
+                <a:lumMod val="75000"/>
+              </a:schemeClr>
             </a:solidFill>
             <a:headEnd type="none" w="med" len="med"/>
             <a:tailEnd type="arrow" w="med" len="med"/>
@@ -8111,10 +8147,10 @@
       </p:sp>
       <p:sp>
         <p:nvSpPr>
-          <p:cNvPr id="106" name="文本框 105">
-            <a:extLst>
-              <a:ext uri="{FF2B5EF4-FFF2-40B4-BE49-F238E27FC236}">
-                <a16:creationId xmlns:a16="http://schemas.microsoft.com/office/drawing/2014/main" id="{0225E2B9-0DEE-4646-8711-2732131102E2}"/>
+          <p:cNvPr id="108" name="文本框 107">
+            <a:extLst>
+              <a:ext uri="{FF2B5EF4-FFF2-40B4-BE49-F238E27FC236}">
+                <a16:creationId xmlns:a16="http://schemas.microsoft.com/office/drawing/2014/main" id="{AA2B8AAA-8ADC-472E-823D-5B680CDF70C3}"/>
               </a:ext>
             </a:extLst>
           </p:cNvPr>
@@ -8123,8 +8159,8 @@
         </p:nvSpPr>
         <p:spPr>
           <a:xfrm>
-            <a:off x="39604838" y="6898768"/>
-            <a:ext cx="2044149" cy="646331"/>
+            <a:off x="8946711" y="5667043"/>
+            <a:ext cx="652743" cy="646331"/>
           </a:xfrm>
           <a:prstGeom prst="rect">
             <a:avLst/>
@@ -8139,29 +8175,18 @@
           <a:p>
             <a:r>
               <a:rPr lang="en-US" altLang="zh-CN" sz="3600" dirty="0"/>
-              <a:t>11</a:t>
-            </a:r>
-            <a:r>
-              <a:rPr lang="zh-CN" altLang="en-US" sz="3600" dirty="0"/>
-              <a:t>月</a:t>
-            </a:r>
-            <a:r>
-              <a:rPr lang="en-US" altLang="zh-CN" sz="3600" dirty="0"/>
-              <a:t>16</a:t>
-            </a:r>
-            <a:r>
-              <a:rPr lang="zh-CN" altLang="en-US" sz="3600" dirty="0"/>
-              <a:t>日</a:t>
-            </a:r>
-          </a:p>
-        </p:txBody>
-      </p:sp>
-      <p:sp>
-        <p:nvSpPr>
-          <p:cNvPr id="107" name="文本框 106">
-            <a:extLst>
-              <a:ext uri="{FF2B5EF4-FFF2-40B4-BE49-F238E27FC236}">
-                <a16:creationId xmlns:a16="http://schemas.microsoft.com/office/drawing/2014/main" id="{B534A0EB-E2BD-4FD6-91E3-62BBDD78A004}"/>
+              <a:t>19</a:t>
+            </a:r>
+            <a:endParaRPr lang="zh-CN" altLang="en-US" sz="3600" dirty="0"/>
+          </a:p>
+        </p:txBody>
+      </p:sp>
+      <p:sp>
+        <p:nvSpPr>
+          <p:cNvPr id="109" name="文本框 108">
+            <a:extLst>
+              <a:ext uri="{FF2B5EF4-FFF2-40B4-BE49-F238E27FC236}">
+                <a16:creationId xmlns:a16="http://schemas.microsoft.com/office/drawing/2014/main" id="{D8C532A6-B18E-40B3-891D-0BE54594090B}"/>
               </a:ext>
             </a:extLst>
           </p:cNvPr>
@@ -8170,8 +8195,8 @@
         </p:nvSpPr>
         <p:spPr>
           <a:xfrm>
-            <a:off x="39479310" y="15789239"/>
-            <a:ext cx="2044149" cy="646331"/>
+            <a:off x="9013644" y="7957485"/>
+            <a:ext cx="418704" cy="646331"/>
           </a:xfrm>
           <a:prstGeom prst="rect">
             <a:avLst/>
@@ -8186,29 +8211,18 @@
           <a:p>
             <a:r>
               <a:rPr lang="en-US" altLang="zh-CN" sz="3600" dirty="0"/>
-              <a:t>11</a:t>
-            </a:r>
-            <a:r>
-              <a:rPr lang="zh-CN" altLang="en-US" sz="3600" dirty="0"/>
-              <a:t>月</a:t>
-            </a:r>
-            <a:r>
-              <a:rPr lang="en-US" altLang="zh-CN" sz="3600" dirty="0"/>
-              <a:t>16</a:t>
-            </a:r>
-            <a:r>
-              <a:rPr lang="zh-CN" altLang="en-US" sz="3600" dirty="0"/>
-              <a:t>日</a:t>
-            </a:r>
-          </a:p>
-        </p:txBody>
-      </p:sp>
-      <p:sp>
-        <p:nvSpPr>
-          <p:cNvPr id="108" name="文本框 107">
-            <a:extLst>
-              <a:ext uri="{FF2B5EF4-FFF2-40B4-BE49-F238E27FC236}">
-                <a16:creationId xmlns:a16="http://schemas.microsoft.com/office/drawing/2014/main" id="{AA2B8AAA-8ADC-472E-823D-5B680CDF70C3}"/>
+              <a:t>5</a:t>
+            </a:r>
+            <a:endParaRPr lang="zh-CN" altLang="en-US" sz="3600" dirty="0"/>
+          </a:p>
+        </p:txBody>
+      </p:sp>
+      <p:sp>
+        <p:nvSpPr>
+          <p:cNvPr id="110" name="文本框 109">
+            <a:extLst>
+              <a:ext uri="{FF2B5EF4-FFF2-40B4-BE49-F238E27FC236}">
+                <a16:creationId xmlns:a16="http://schemas.microsoft.com/office/drawing/2014/main" id="{53A872A9-11C9-40F4-85B3-C1E8950FED5E}"/>
               </a:ext>
             </a:extLst>
           </p:cNvPr>
@@ -8217,8 +8231,8 @@
         </p:nvSpPr>
         <p:spPr>
           <a:xfrm>
-            <a:off x="8946711" y="5667043"/>
-            <a:ext cx="652743" cy="646331"/>
+            <a:off x="8954797" y="14619358"/>
+            <a:ext cx="418704" cy="646331"/>
           </a:xfrm>
           <a:prstGeom prst="rect">
             <a:avLst/>
@@ -8233,7 +8247,7 @@
           <a:p>
             <a:r>
               <a:rPr lang="en-US" altLang="zh-CN" sz="3600" dirty="0"/>
-              <a:t>19</a:t>
+              <a:t>4</a:t>
             </a:r>
             <a:endParaRPr lang="zh-CN" altLang="en-US" sz="3600" dirty="0"/>
           </a:p>
@@ -8241,10 +8255,10 @@
       </p:sp>
       <p:sp>
         <p:nvSpPr>
-          <p:cNvPr id="109" name="文本框 108">
-            <a:extLst>
-              <a:ext uri="{FF2B5EF4-FFF2-40B4-BE49-F238E27FC236}">
-                <a16:creationId xmlns:a16="http://schemas.microsoft.com/office/drawing/2014/main" id="{D8C532A6-B18E-40B3-891D-0BE54594090B}"/>
+          <p:cNvPr id="111" name="文本框 110">
+            <a:extLst>
+              <a:ext uri="{FF2B5EF4-FFF2-40B4-BE49-F238E27FC236}">
+                <a16:creationId xmlns:a16="http://schemas.microsoft.com/office/drawing/2014/main" id="{C3589006-1F84-44F4-9646-99081AA5DCA3}"/>
               </a:ext>
             </a:extLst>
           </p:cNvPr>
@@ -8253,8 +8267,8 @@
         </p:nvSpPr>
         <p:spPr>
           <a:xfrm>
-            <a:off x="9013644" y="7957485"/>
-            <a:ext cx="418704" cy="646331"/>
+            <a:off x="8806567" y="17056860"/>
+            <a:ext cx="652743" cy="646331"/>
           </a:xfrm>
           <a:prstGeom prst="rect">
             <a:avLst/>
@@ -8269,7 +8283,7 @@
           <a:p>
             <a:r>
               <a:rPr lang="en-US" altLang="zh-CN" sz="3600" dirty="0"/>
-              <a:t>5</a:t>
+              <a:t>20</a:t>
             </a:r>
             <a:endParaRPr lang="zh-CN" altLang="en-US" sz="3600" dirty="0"/>
           </a:p>
@@ -8277,10 +8291,10 @@
       </p:sp>
       <p:sp>
         <p:nvSpPr>
-          <p:cNvPr id="110" name="文本框 109">
-            <a:extLst>
-              <a:ext uri="{FF2B5EF4-FFF2-40B4-BE49-F238E27FC236}">
-                <a16:creationId xmlns:a16="http://schemas.microsoft.com/office/drawing/2014/main" id="{53A872A9-11C9-40F4-85B3-C1E8950FED5E}"/>
+          <p:cNvPr id="102" name="文本框 101">
+            <a:extLst>
+              <a:ext uri="{FF2B5EF4-FFF2-40B4-BE49-F238E27FC236}">
+                <a16:creationId xmlns:a16="http://schemas.microsoft.com/office/drawing/2014/main" id="{AF160434-97F3-41DA-AD88-412A585C7813}"/>
               </a:ext>
             </a:extLst>
           </p:cNvPr>
@@ -8289,7 +8303,7 @@
         </p:nvSpPr>
         <p:spPr>
           <a:xfrm>
-            <a:off x="8954797" y="14619358"/>
+            <a:off x="40475908" y="5570575"/>
             <a:ext cx="418704" cy="646331"/>
           </a:xfrm>
           <a:prstGeom prst="rect">
@@ -8305,7 +8319,7 @@
           <a:p>
             <a:r>
               <a:rPr lang="en-US" altLang="zh-CN" sz="3600" dirty="0"/>
-              <a:t>4</a:t>
+              <a:t>9</a:t>
             </a:r>
             <a:endParaRPr lang="zh-CN" altLang="en-US" sz="3600" dirty="0"/>
           </a:p>
@@ -8313,10 +8327,10 @@
       </p:sp>
       <p:sp>
         <p:nvSpPr>
-          <p:cNvPr id="111" name="文本框 110">
-            <a:extLst>
-              <a:ext uri="{FF2B5EF4-FFF2-40B4-BE49-F238E27FC236}">
-                <a16:creationId xmlns:a16="http://schemas.microsoft.com/office/drawing/2014/main" id="{C3589006-1F84-44F4-9646-99081AA5DCA3}"/>
+          <p:cNvPr id="114" name="文本框 113">
+            <a:extLst>
+              <a:ext uri="{FF2B5EF4-FFF2-40B4-BE49-F238E27FC236}">
+                <a16:creationId xmlns:a16="http://schemas.microsoft.com/office/drawing/2014/main" id="{F88800F9-BA7B-4B6D-9D7B-2EB051FB4017}"/>
               </a:ext>
             </a:extLst>
           </p:cNvPr>
@@ -8325,7 +8339,7 @@
         </p:nvSpPr>
         <p:spPr>
           <a:xfrm>
-            <a:off x="8806567" y="17056860"/>
+            <a:off x="40358889" y="7861017"/>
             <a:ext cx="652743" cy="646331"/>
           </a:xfrm>
           <a:prstGeom prst="rect">
@@ -8341,9 +8355,175 @@
           <a:p>
             <a:r>
               <a:rPr lang="en-US" altLang="zh-CN" sz="3600" dirty="0"/>
-              <a:t>20</a:t>
+              <a:t>13</a:t>
             </a:r>
             <a:endParaRPr lang="zh-CN" altLang="en-US" sz="3600" dirty="0"/>
+          </a:p>
+        </p:txBody>
+      </p:sp>
+      <p:sp>
+        <p:nvSpPr>
+          <p:cNvPr id="115" name="文本框 114">
+            <a:extLst>
+              <a:ext uri="{FF2B5EF4-FFF2-40B4-BE49-F238E27FC236}">
+                <a16:creationId xmlns:a16="http://schemas.microsoft.com/office/drawing/2014/main" id="{F12C3899-B01A-47E0-90A7-5CD8448200C5}"/>
+              </a:ext>
+            </a:extLst>
+          </p:cNvPr>
+          <p:cNvSpPr txBox="1"/>
+          <p:nvPr/>
+        </p:nvSpPr>
+        <p:spPr>
+          <a:xfrm>
+            <a:off x="40358889" y="14522890"/>
+            <a:ext cx="652743" cy="646331"/>
+          </a:xfrm>
+          <a:prstGeom prst="rect">
+            <a:avLst/>
+          </a:prstGeom>
+          <a:noFill/>
+        </p:spPr>
+        <p:txBody>
+          <a:bodyPr wrap="none" rtlCol="0">
+            <a:spAutoFit/>
+          </a:bodyPr>
+          <a:lstStyle/>
+          <a:p>
+            <a:r>
+              <a:rPr lang="en-US" altLang="zh-CN" sz="3600" dirty="0"/>
+              <a:t>14</a:t>
+            </a:r>
+            <a:endParaRPr lang="zh-CN" altLang="en-US" sz="3600" dirty="0"/>
+          </a:p>
+        </p:txBody>
+      </p:sp>
+      <p:sp>
+        <p:nvSpPr>
+          <p:cNvPr id="117" name="文本框 116">
+            <a:extLst>
+              <a:ext uri="{FF2B5EF4-FFF2-40B4-BE49-F238E27FC236}">
+                <a16:creationId xmlns:a16="http://schemas.microsoft.com/office/drawing/2014/main" id="{D7514879-51F6-459A-A80A-7D3DB7D1B203}"/>
+              </a:ext>
+            </a:extLst>
+          </p:cNvPr>
+          <p:cNvSpPr txBox="1"/>
+          <p:nvPr/>
+        </p:nvSpPr>
+        <p:spPr>
+          <a:xfrm>
+            <a:off x="40475908" y="16960392"/>
+            <a:ext cx="418704" cy="646331"/>
+          </a:xfrm>
+          <a:prstGeom prst="rect">
+            <a:avLst/>
+          </a:prstGeom>
+          <a:noFill/>
+        </p:spPr>
+        <p:txBody>
+          <a:bodyPr wrap="none" rtlCol="0">
+            <a:spAutoFit/>
+          </a:bodyPr>
+          <a:lstStyle/>
+          <a:p>
+            <a:r>
+              <a:rPr lang="en-US" altLang="zh-CN" sz="3600" dirty="0"/>
+              <a:t>8</a:t>
+            </a:r>
+            <a:endParaRPr lang="zh-CN" altLang="en-US" sz="3600" dirty="0"/>
+          </a:p>
+        </p:txBody>
+      </p:sp>
+      <p:sp>
+        <p:nvSpPr>
+          <p:cNvPr id="118" name="文本框 117">
+            <a:extLst>
+              <a:ext uri="{FF2B5EF4-FFF2-40B4-BE49-F238E27FC236}">
+                <a16:creationId xmlns:a16="http://schemas.microsoft.com/office/drawing/2014/main" id="{5038A176-769F-4CC8-88F1-FC63443396C7}"/>
+              </a:ext>
+            </a:extLst>
+          </p:cNvPr>
+          <p:cNvSpPr txBox="1"/>
+          <p:nvPr/>
+        </p:nvSpPr>
+        <p:spPr>
+          <a:xfrm>
+            <a:off x="13663403" y="11440154"/>
+            <a:ext cx="2044149" cy="646331"/>
+          </a:xfrm>
+          <a:prstGeom prst="rect">
+            <a:avLst/>
+          </a:prstGeom>
+          <a:noFill/>
+        </p:spPr>
+        <p:txBody>
+          <a:bodyPr wrap="none" rtlCol="0">
+            <a:spAutoFit/>
+          </a:bodyPr>
+          <a:lstStyle/>
+          <a:p>
+            <a:r>
+              <a:rPr lang="en-US" altLang="zh-CN" sz="3600" dirty="0"/>
+              <a:t>11</a:t>
+            </a:r>
+            <a:r>
+              <a:rPr lang="zh-CN" altLang="en-US" sz="3600" dirty="0"/>
+              <a:t>月</a:t>
+            </a:r>
+            <a:r>
+              <a:rPr lang="en-US" altLang="zh-CN" sz="3600" dirty="0"/>
+              <a:t>16</a:t>
+            </a:r>
+            <a:r>
+              <a:rPr lang="zh-CN" altLang="en-US" sz="3600" dirty="0"/>
+              <a:t>日</a:t>
+            </a:r>
+          </a:p>
+        </p:txBody>
+      </p:sp>
+      <p:sp>
+        <p:nvSpPr>
+          <p:cNvPr id="120" name="文本框 119">
+            <a:extLst>
+              <a:ext uri="{FF2B5EF4-FFF2-40B4-BE49-F238E27FC236}">
+                <a16:creationId xmlns:a16="http://schemas.microsoft.com/office/drawing/2014/main" id="{329F8DC7-FD74-47F6-A5A4-A9BAF12BE631}"/>
+              </a:ext>
+            </a:extLst>
+          </p:cNvPr>
+          <p:cNvSpPr txBox="1"/>
+          <p:nvPr/>
+        </p:nvSpPr>
+        <p:spPr>
+          <a:xfrm>
+            <a:off x="33447096" y="11440154"/>
+            <a:ext cx="2044149" cy="646331"/>
+          </a:xfrm>
+          <a:prstGeom prst="rect">
+            <a:avLst/>
+          </a:prstGeom>
+          <a:noFill/>
+        </p:spPr>
+        <p:txBody>
+          <a:bodyPr wrap="none" rtlCol="0">
+            <a:spAutoFit/>
+          </a:bodyPr>
+          <a:lstStyle/>
+          <a:p>
+            <a:r>
+              <a:rPr lang="en-US" altLang="zh-CN" sz="3600" dirty="0"/>
+              <a:t>11</a:t>
+            </a:r>
+            <a:r>
+              <a:rPr lang="zh-CN" altLang="en-US" sz="3600" dirty="0"/>
+              <a:t>月</a:t>
+            </a:r>
+            <a:r>
+              <a:rPr lang="en-US" altLang="zh-CN" sz="3600" dirty="0"/>
+              <a:t>16</a:t>
+            </a:r>
+            <a:r>
+              <a:rPr lang="zh-CN" altLang="en-US" sz="3600" dirty="0"/>
+              <a:t>日</a:t>
+            </a:r>
           </a:p>
         </p:txBody>
       </p:sp>
